--- a/2/presentation/Angular 2.pptx
+++ b/2/presentation/Angular 2.pptx
@@ -21331,42 +21331,6 @@
       </p:sp>
       <p:pic>
         <p:nvPicPr>
-          <p:cNvPr id="14" name="Picture 13" descr="A close up of a logo&#10;&#10;Description generated with high confidence">
-            <a:extLst>
-              <a:ext uri="{FF2B5EF4-FFF2-40B4-BE49-F238E27FC236}">
-                <a16:creationId xmlns:a16="http://schemas.microsoft.com/office/drawing/2014/main" id="{00C099D8-5D9F-4ACA-A3C5-7A55D58624F8}"/>
-              </a:ext>
-            </a:extLst>
-          </p:cNvPr>
-          <p:cNvPicPr>
-            <a:picLocks noChangeAspect="1"/>
-          </p:cNvPicPr>
-          <p:nvPr/>
-        </p:nvPicPr>
-        <p:blipFill>
-          <a:blip r:embed="rId2">
-            <a:extLst>
-              <a:ext uri="{28A0092B-C50C-407E-A947-70E740481C1C}">
-                <a14:useLocalDpi xmlns:a14="http://schemas.microsoft.com/office/drawing/2010/main" val="0"/>
-              </a:ext>
-            </a:extLst>
-          </a:blip>
-          <a:stretch>
-            <a:fillRect/>
-          </a:stretch>
-        </p:blipFill>
-        <p:spPr>
-          <a:xfrm>
-            <a:off x="1175242" y="3050865"/>
-            <a:ext cx="3374811" cy="964233"/>
-          </a:xfrm>
-          <a:prstGeom prst="rect">
-            <a:avLst/>
-          </a:prstGeom>
-        </p:spPr>
-      </p:pic>
-      <p:pic>
-        <p:nvPicPr>
           <p:cNvPr id="9" name="Content Placeholder 8">
             <a:extLst>
               <a:ext uri="{FF2B5EF4-FFF2-40B4-BE49-F238E27FC236}">
@@ -21382,7 +21346,7 @@
           </p:nvPr>
         </p:nvPicPr>
         <p:blipFill>
-          <a:blip r:embed="rId3"/>
+          <a:blip r:embed="rId2"/>
           <a:stretch>
             <a:fillRect/>
           </a:stretch>
@@ -21391,6 +21355,36 @@
           <a:xfrm>
             <a:off x="5997575" y="2693486"/>
             <a:ext cx="5183188" cy="1251951"/>
+          </a:xfrm>
+          <a:prstGeom prst="rect">
+            <a:avLst/>
+          </a:prstGeom>
+        </p:spPr>
+      </p:pic>
+      <p:pic>
+        <p:nvPicPr>
+          <p:cNvPr id="3" name="Picture 2">
+            <a:extLst>
+              <a:ext uri="{FF2B5EF4-FFF2-40B4-BE49-F238E27FC236}">
+                <a16:creationId xmlns:a16="http://schemas.microsoft.com/office/drawing/2014/main" id="{1A42DDF5-320A-49A9-9C81-B3F98F064D88}"/>
+              </a:ext>
+            </a:extLst>
+          </p:cNvPr>
+          <p:cNvPicPr>
+            <a:picLocks noChangeAspect="1"/>
+          </p:cNvPicPr>
+          <p:nvPr/>
+        </p:nvPicPr>
+        <p:blipFill>
+          <a:blip r:embed="rId3"/>
+          <a:stretch>
+            <a:fillRect/>
+          </a:stretch>
+        </p:blipFill>
+        <p:spPr>
+          <a:xfrm>
+            <a:off x="1338676" y="2932109"/>
+            <a:ext cx="2080006" cy="993781"/>
           </a:xfrm>
           <a:prstGeom prst="rect">
             <a:avLst/>
@@ -29188,55 +29182,45 @@
               <a:rPr lang="pl-PL" dirty="0" err="1">
                 <a:hlinkClick r:id="rId2"/>
               </a:rPr>
+              <a:t>Events</a:t>
+            </a:r>
+            <a:endParaRPr lang="pl-PL" dirty="0">
+              <a:hlinkClick r:id="rId3"/>
+            </a:endParaRPr>
+          </a:p>
+          <a:p>
+            <a:r>
+              <a:rPr lang="pl-PL" dirty="0" err="1">
+                <a:hlinkClick r:id="rId3"/>
+              </a:rPr>
               <a:t>Built</a:t>
             </a:r>
-            <a:r>
-              <a:rPr lang="pl-PL" dirty="0">
-                <a:hlinkClick r:id="rId2"/>
-              </a:rPr>
-              <a:t>-in </a:t>
-            </a:r>
-            <a:r>
-              <a:rPr lang="pl-PL" dirty="0" err="1">
-                <a:hlinkClick r:id="rId2"/>
-              </a:rPr>
-              <a:t>Pipes</a:t>
-            </a:r>
-            <a:endParaRPr lang="pl-PL" dirty="0"/>
-          </a:p>
-          <a:p>
             <a:r>
               <a:rPr lang="pl-PL" dirty="0">
                 <a:hlinkClick r:id="rId3"/>
               </a:rPr>
-              <a:t>Component </a:t>
+              <a:t>-in </a:t>
             </a:r>
             <a:r>
               <a:rPr lang="pl-PL" dirty="0" err="1">
                 <a:hlinkClick r:id="rId3"/>
               </a:rPr>
-              <a:t>styles</a:t>
+              <a:t>Pipes</a:t>
             </a:r>
             <a:endParaRPr lang="pl-PL" dirty="0"/>
           </a:p>
           <a:p>
+            <a:r>
+              <a:rPr lang="pl-PL" dirty="0">
+                <a:hlinkClick r:id="rId4"/>
+              </a:rPr>
+              <a:t>Component </a:t>
+            </a:r>
             <a:r>
               <a:rPr lang="pl-PL" dirty="0" err="1">
                 <a:hlinkClick r:id="rId4"/>
               </a:rPr>
-              <a:t>View</a:t>
-            </a:r>
-            <a:r>
-              <a:rPr lang="pl-PL" dirty="0">
-                <a:hlinkClick r:id="rId4"/>
-              </a:rPr>
-              <a:t> </a:t>
-            </a:r>
-            <a:r>
-              <a:rPr lang="pl-PL" dirty="0" err="1">
-                <a:hlinkClick r:id="rId4"/>
-              </a:rPr>
-              <a:t>encapsulation</a:t>
+              <a:t>styles</a:t>
             </a:r>
             <a:endParaRPr lang="pl-PL" dirty="0"/>
           </a:p>
@@ -29245,7 +29229,7 @@
               <a:rPr lang="pl-PL" dirty="0" err="1">
                 <a:hlinkClick r:id="rId5"/>
               </a:rPr>
-              <a:t>Lifecycle</a:t>
+              <a:t>View</a:t>
             </a:r>
             <a:r>
               <a:rPr lang="pl-PL" dirty="0">
@@ -29257,41 +29241,62 @@
               <a:rPr lang="pl-PL" dirty="0" err="1">
                 <a:hlinkClick r:id="rId5"/>
               </a:rPr>
-              <a:t>hooks</a:t>
+              <a:t>encapsulation</a:t>
             </a:r>
             <a:endParaRPr lang="pl-PL" dirty="0"/>
           </a:p>
           <a:p>
+            <a:r>
+              <a:rPr lang="pl-PL" dirty="0" err="1">
+                <a:hlinkClick r:id="rId6"/>
+              </a:rPr>
+              <a:t>Lifecycle</a:t>
+            </a:r>
             <a:r>
               <a:rPr lang="pl-PL" dirty="0">
                 <a:hlinkClick r:id="rId6"/>
               </a:rPr>
-              <a:t>Font </a:t>
+              <a:t> </a:t>
             </a:r>
             <a:r>
               <a:rPr lang="pl-PL" dirty="0" err="1">
                 <a:hlinkClick r:id="rId6"/>
               </a:rPr>
-              <a:t>awesome</a:t>
+              <a:t>hooks</a:t>
             </a:r>
             <a:endParaRPr lang="pl-PL" dirty="0"/>
           </a:p>
           <a:p>
+            <a:r>
+              <a:rPr lang="pl-PL" dirty="0">
+                <a:hlinkClick r:id="rId7"/>
+              </a:rPr>
+              <a:t>Font </a:t>
+            </a:r>
             <a:r>
               <a:rPr lang="pl-PL" dirty="0" err="1">
                 <a:hlinkClick r:id="rId7"/>
               </a:rPr>
+              <a:t>awesome</a:t>
+            </a:r>
+            <a:endParaRPr lang="pl-PL" dirty="0"/>
+          </a:p>
+          <a:p>
+            <a:r>
+              <a:rPr lang="pl-PL" dirty="0" err="1">
+                <a:hlinkClick r:id="rId8"/>
+              </a:rPr>
               <a:t>Dependecy</a:t>
             </a:r>
             <a:r>
               <a:rPr lang="pl-PL" dirty="0">
-                <a:hlinkClick r:id="rId7"/>
+                <a:hlinkClick r:id="rId8"/>
               </a:rPr>
               <a:t> </a:t>
             </a:r>
             <a:r>
               <a:rPr lang="pl-PL" dirty="0" err="1">
-                <a:hlinkClick r:id="rId7"/>
+                <a:hlinkClick r:id="rId8"/>
               </a:rPr>
               <a:t>Injection</a:t>
             </a:r>
@@ -29319,7 +29324,7 @@
           </p:nvPr>
         </p:nvPicPr>
         <p:blipFill>
-          <a:blip r:embed="rId8">
+          <a:blip r:embed="rId9">
             <a:extLst>
               <a:ext uri="{28A0092B-C50C-407E-A947-70E740481C1C}">
                 <a14:useLocalDpi xmlns:a14="http://schemas.microsoft.com/office/drawing/2010/main" val="0"/>
@@ -29589,7 +29594,7 @@
         </p:nvSpPr>
         <p:spPr>
           <a:xfrm>
-            <a:off x="2845573" y="4027082"/>
+            <a:off x="2942849" y="4041955"/>
             <a:ext cx="2160240" cy="936104"/>
           </a:xfrm>
           <a:prstGeom prst="accentBorderCallout1">
@@ -29685,60 +29690,6 @@
       </p:sp>
       <p:sp>
         <p:nvSpPr>
-          <p:cNvPr id="6" name="Objaśnienie liniowe 1 (obramowanie i kreska) 3">
-            <a:extLst>
-              <a:ext uri="{FF2B5EF4-FFF2-40B4-BE49-F238E27FC236}">
-                <a16:creationId xmlns:a16="http://schemas.microsoft.com/office/drawing/2014/main" id="{FB7A5B4B-E9EF-407E-8251-C052BDE2ED66}"/>
-              </a:ext>
-            </a:extLst>
-          </p:cNvPr>
-          <p:cNvSpPr/>
-          <p:nvPr/>
-        </p:nvSpPr>
-        <p:spPr>
-          <a:xfrm>
-            <a:off x="2845573" y="4027082"/>
-            <a:ext cx="2160240" cy="936104"/>
-          </a:xfrm>
-          <a:prstGeom prst="accentBorderCallout1">
-            <a:avLst>
-              <a:gd name="adj1" fmla="val 18750"/>
-              <a:gd name="adj2" fmla="val -8333"/>
-              <a:gd name="adj3" fmla="val -76852"/>
-              <a:gd name="adj4" fmla="val 13112"/>
-            </a:avLst>
-          </a:prstGeom>
-        </p:spPr>
-        <p:style>
-          <a:lnRef idx="2">
-            <a:schemeClr val="accent2">
-              <a:shade val="50000"/>
-            </a:schemeClr>
-          </a:lnRef>
-          <a:fillRef idx="1">
-            <a:schemeClr val="accent2"/>
-          </a:fillRef>
-          <a:effectRef idx="0">
-            <a:schemeClr val="accent2"/>
-          </a:effectRef>
-          <a:fontRef idx="minor">
-            <a:schemeClr val="lt1"/>
-          </a:fontRef>
-        </p:style>
-        <p:txBody>
-          <a:bodyPr rtlCol="0" anchor="ctr"/>
-          <a:lstStyle/>
-          <a:p>
-            <a:pPr algn="ctr"/>
-            <a:r>
-              <a:rPr lang="pl-PL" sz="2400" dirty="0"/>
-              <a:t>Cel bindingu    []</a:t>
-            </a:r>
-          </a:p>
-        </p:txBody>
-      </p:sp>
-      <p:sp>
-        <p:nvSpPr>
           <p:cNvPr id="8" name="Objaśnienie liniowe 1 (obramowanie i kreska) 4">
             <a:extLst>
               <a:ext uri="{FF2B5EF4-FFF2-40B4-BE49-F238E27FC236}">
@@ -29787,6 +29738,60 @@
             <a:r>
               <a:rPr lang="pl-PL" sz="2400" dirty="0"/>
               <a:t>Źródło bindingu ’’</a:t>
+            </a:r>
+          </a:p>
+        </p:txBody>
+      </p:sp>
+      <p:sp>
+        <p:nvSpPr>
+          <p:cNvPr id="6" name="Objaśnienie liniowe 1 (obramowanie i kreska) 3">
+            <a:extLst>
+              <a:ext uri="{FF2B5EF4-FFF2-40B4-BE49-F238E27FC236}">
+                <a16:creationId xmlns:a16="http://schemas.microsoft.com/office/drawing/2014/main" id="{FB7A5B4B-E9EF-407E-8251-C052BDE2ED66}"/>
+              </a:ext>
+            </a:extLst>
+          </p:cNvPr>
+          <p:cNvSpPr/>
+          <p:nvPr/>
+        </p:nvSpPr>
+        <p:spPr>
+          <a:xfrm>
+            <a:off x="2942849" y="4041955"/>
+            <a:ext cx="2160240" cy="936104"/>
+          </a:xfrm>
+          <a:prstGeom prst="accentBorderCallout1">
+            <a:avLst>
+              <a:gd name="adj1" fmla="val 18750"/>
+              <a:gd name="adj2" fmla="val -8333"/>
+              <a:gd name="adj3" fmla="val -76852"/>
+              <a:gd name="adj4" fmla="val 13112"/>
+            </a:avLst>
+          </a:prstGeom>
+        </p:spPr>
+        <p:style>
+          <a:lnRef idx="2">
+            <a:schemeClr val="accent2">
+              <a:shade val="50000"/>
+            </a:schemeClr>
+          </a:lnRef>
+          <a:fillRef idx="1">
+            <a:schemeClr val="accent2"/>
+          </a:fillRef>
+          <a:effectRef idx="0">
+            <a:schemeClr val="accent2"/>
+          </a:effectRef>
+          <a:fontRef idx="minor">
+            <a:schemeClr val="lt1"/>
+          </a:fontRef>
+        </p:style>
+        <p:txBody>
+          <a:bodyPr rtlCol="0" anchor="ctr"/>
+          <a:lstStyle/>
+          <a:p>
+            <a:pPr algn="ctr"/>
+            <a:r>
+              <a:rPr lang="pl-PL" sz="2400" dirty="0"/>
+              <a:t>Cel bindingu    []</a:t>
             </a:r>
           </a:p>
         </p:txBody>
@@ -30115,7 +30120,7 @@
                             </p:stCondLst>
                             <p:childTnLst>
                               <p:par>
-                                <p:cTn id="15" presetID="10" presetClass="entr" presetSubtype="0" fill="hold" nodeType="clickEffect">
+                                <p:cTn id="15" presetID="10" presetClass="entr" presetSubtype="0" fill="hold" grpId="0" nodeType="clickEffect">
                                   <p:stCondLst>
                                     <p:cond delay="0"/>
                                   </p:stCondLst>
@@ -30128,11 +30133,7 @@
                                           </p:stCondLst>
                                         </p:cTn>
                                         <p:tgtEl>
-                                          <p:spTgt spid="3">
-                                            <p:txEl>
-                                              <p:pRg st="1" end="1"/>
-                                            </p:txEl>
-                                          </p:spTgt>
+                                          <p:spTgt spid="6"/>
                                         </p:tgtEl>
                                         <p:attrNameLst>
                                           <p:attrName>style.visibility</p:attrName>
@@ -30146,11 +30147,7 @@
                                       <p:cBhvr>
                                         <p:cTn id="17" dur="500"/>
                                         <p:tgtEl>
-                                          <p:spTgt spid="3">
-                                            <p:txEl>
-                                              <p:pRg st="1" end="1"/>
-                                            </p:txEl>
-                                          </p:spTgt>
+                                          <p:spTgt spid="6"/>
                                         </p:tgtEl>
                                       </p:cBhvr>
                                     </p:animEffect>
@@ -30176,7 +30173,7 @@
                             </p:stCondLst>
                             <p:childTnLst>
                               <p:par>
-                                <p:cTn id="20" presetID="10" presetClass="entr" presetSubtype="0" fill="hold" nodeType="clickEffect">
+                                <p:cTn id="20" presetID="10" presetClass="entr" presetSubtype="0" fill="hold" grpId="0" nodeType="clickEffect">
                                   <p:stCondLst>
                                     <p:cond delay="0"/>
                                   </p:stCondLst>
@@ -30184,6 +30181,228 @@
                                     <p:set>
                                       <p:cBhvr>
                                         <p:cTn id="21" dur="1" fill="hold">
+                                          <p:stCondLst>
+                                            <p:cond delay="0"/>
+                                          </p:stCondLst>
+                                        </p:cTn>
+                                        <p:tgtEl>
+                                          <p:spTgt spid="8"/>
+                                        </p:tgtEl>
+                                        <p:attrNameLst>
+                                          <p:attrName>style.visibility</p:attrName>
+                                        </p:attrNameLst>
+                                      </p:cBhvr>
+                                      <p:to>
+                                        <p:strVal val="visible"/>
+                                      </p:to>
+                                    </p:set>
+                                    <p:animEffect transition="in" filter="fade">
+                                      <p:cBhvr>
+                                        <p:cTn id="22" dur="500"/>
+                                        <p:tgtEl>
+                                          <p:spTgt spid="8"/>
+                                        </p:tgtEl>
+                                      </p:cBhvr>
+                                    </p:animEffect>
+                                  </p:childTnLst>
+                                </p:cTn>
+                              </p:par>
+                            </p:childTnLst>
+                          </p:cTn>
+                        </p:par>
+                      </p:childTnLst>
+                    </p:cTn>
+                  </p:par>
+                  <p:par>
+                    <p:cTn id="23" fill="hold">
+                      <p:stCondLst>
+                        <p:cond delay="indefinite"/>
+                      </p:stCondLst>
+                      <p:childTnLst>
+                        <p:par>
+                          <p:cTn id="24" fill="hold">
+                            <p:stCondLst>
+                              <p:cond delay="0"/>
+                            </p:stCondLst>
+                            <p:childTnLst>
+                              <p:par>
+                                <p:cTn id="25" presetID="1" presetClass="exit" presetSubtype="0" fill="hold" grpId="1" nodeType="clickEffect">
+                                  <p:stCondLst>
+                                    <p:cond delay="0"/>
+                                  </p:stCondLst>
+                                  <p:childTnLst>
+                                    <p:set>
+                                      <p:cBhvr>
+                                        <p:cTn id="26" dur="1" fill="hold">
+                                          <p:stCondLst>
+                                            <p:cond delay="0"/>
+                                          </p:stCondLst>
+                                        </p:cTn>
+                                        <p:tgtEl>
+                                          <p:spTgt spid="6"/>
+                                        </p:tgtEl>
+                                        <p:attrNameLst>
+                                          <p:attrName>style.visibility</p:attrName>
+                                        </p:attrNameLst>
+                                      </p:cBhvr>
+                                      <p:to>
+                                        <p:strVal val="hidden"/>
+                                      </p:to>
+                                    </p:set>
+                                  </p:childTnLst>
+                                </p:cTn>
+                              </p:par>
+                              <p:par>
+                                <p:cTn id="27" presetID="1" presetClass="exit" presetSubtype="0" fill="hold" grpId="1" nodeType="withEffect">
+                                  <p:stCondLst>
+                                    <p:cond delay="0"/>
+                                  </p:stCondLst>
+                                  <p:childTnLst>
+                                    <p:set>
+                                      <p:cBhvr>
+                                        <p:cTn id="28" dur="1" fill="hold">
+                                          <p:stCondLst>
+                                            <p:cond delay="0"/>
+                                          </p:stCondLst>
+                                        </p:cTn>
+                                        <p:tgtEl>
+                                          <p:spTgt spid="8"/>
+                                        </p:tgtEl>
+                                        <p:attrNameLst>
+                                          <p:attrName>style.visibility</p:attrName>
+                                        </p:attrNameLst>
+                                      </p:cBhvr>
+                                      <p:to>
+                                        <p:strVal val="hidden"/>
+                                      </p:to>
+                                    </p:set>
+                                  </p:childTnLst>
+                                </p:cTn>
+                              </p:par>
+                              <p:par>
+                                <p:cTn id="29" presetID="1" presetClass="exit" presetSubtype="0" fill="hold" grpId="1" nodeType="withEffect">
+                                  <p:stCondLst>
+                                    <p:cond delay="0"/>
+                                  </p:stCondLst>
+                                  <p:childTnLst>
+                                    <p:set>
+                                      <p:cBhvr>
+                                        <p:cTn id="30" dur="1" fill="hold">
+                                          <p:stCondLst>
+                                            <p:cond delay="0"/>
+                                          </p:stCondLst>
+                                        </p:cTn>
+                                        <p:tgtEl>
+                                          <p:spTgt spid="4"/>
+                                        </p:tgtEl>
+                                        <p:attrNameLst>
+                                          <p:attrName>style.visibility</p:attrName>
+                                        </p:attrNameLst>
+                                      </p:cBhvr>
+                                      <p:to>
+                                        <p:strVal val="hidden"/>
+                                      </p:to>
+                                    </p:set>
+                                  </p:childTnLst>
+                                </p:cTn>
+                              </p:par>
+                              <p:par>
+                                <p:cTn id="31" presetID="1" presetClass="exit" presetSubtype="0" fill="hold" grpId="1" nodeType="withEffect">
+                                  <p:stCondLst>
+                                    <p:cond delay="0"/>
+                                  </p:stCondLst>
+                                  <p:childTnLst>
+                                    <p:set>
+                                      <p:cBhvr>
+                                        <p:cTn id="32" dur="1" fill="hold">
+                                          <p:stCondLst>
+                                            <p:cond delay="0"/>
+                                          </p:stCondLst>
+                                        </p:cTn>
+                                        <p:tgtEl>
+                                          <p:spTgt spid="5"/>
+                                        </p:tgtEl>
+                                        <p:attrNameLst>
+                                          <p:attrName>style.visibility</p:attrName>
+                                        </p:attrNameLst>
+                                      </p:cBhvr>
+                                      <p:to>
+                                        <p:strVal val="hidden"/>
+                                      </p:to>
+                                    </p:set>
+                                  </p:childTnLst>
+                                </p:cTn>
+                              </p:par>
+                              <p:par>
+                                <p:cTn id="33" presetID="10" presetClass="entr" presetSubtype="0" fill="hold" nodeType="withEffect">
+                                  <p:stCondLst>
+                                    <p:cond delay="0"/>
+                                  </p:stCondLst>
+                                  <p:childTnLst>
+                                    <p:set>
+                                      <p:cBhvr>
+                                        <p:cTn id="34" dur="1" fill="hold">
+                                          <p:stCondLst>
+                                            <p:cond delay="0"/>
+                                          </p:stCondLst>
+                                        </p:cTn>
+                                        <p:tgtEl>
+                                          <p:spTgt spid="3">
+                                            <p:txEl>
+                                              <p:pRg st="1" end="1"/>
+                                            </p:txEl>
+                                          </p:spTgt>
+                                        </p:tgtEl>
+                                        <p:attrNameLst>
+                                          <p:attrName>style.visibility</p:attrName>
+                                        </p:attrNameLst>
+                                      </p:cBhvr>
+                                      <p:to>
+                                        <p:strVal val="visible"/>
+                                      </p:to>
+                                    </p:set>
+                                    <p:animEffect transition="in" filter="fade">
+                                      <p:cBhvr>
+                                        <p:cTn id="35" dur="500"/>
+                                        <p:tgtEl>
+                                          <p:spTgt spid="3">
+                                            <p:txEl>
+                                              <p:pRg st="1" end="1"/>
+                                            </p:txEl>
+                                          </p:spTgt>
+                                        </p:tgtEl>
+                                      </p:cBhvr>
+                                    </p:animEffect>
+                                  </p:childTnLst>
+                                </p:cTn>
+                              </p:par>
+                            </p:childTnLst>
+                          </p:cTn>
+                        </p:par>
+                      </p:childTnLst>
+                    </p:cTn>
+                  </p:par>
+                  <p:par>
+                    <p:cTn id="36" fill="hold">
+                      <p:stCondLst>
+                        <p:cond delay="indefinite"/>
+                      </p:stCondLst>
+                      <p:childTnLst>
+                        <p:par>
+                          <p:cTn id="37" fill="hold">
+                            <p:stCondLst>
+                              <p:cond delay="0"/>
+                            </p:stCondLst>
+                            <p:childTnLst>
+                              <p:par>
+                                <p:cTn id="38" presetID="10" presetClass="entr" presetSubtype="0" fill="hold" nodeType="clickEffect">
+                                  <p:stCondLst>
+                                    <p:cond delay="0"/>
+                                  </p:stCondLst>
+                                  <p:childTnLst>
+                                    <p:set>
+                                      <p:cBhvr>
+                                        <p:cTn id="39" dur="1" fill="hold">
                                           <p:stCondLst>
                                             <p:cond delay="0"/>
                                           </p:stCondLst>
@@ -30205,7 +30424,7 @@
                                     </p:set>
                                     <p:animEffect transition="in" filter="fade">
                                       <p:cBhvr>
-                                        <p:cTn id="22" dur="500"/>
+                                        <p:cTn id="40" dur="500"/>
                                         <p:tgtEl>
                                           <p:spTgt spid="3">
                                             <p:txEl>
@@ -30247,7 +30466,13 @@
     </p:tnLst>
     <p:bldLst>
       <p:bldP spid="4" grpId="0" animBg="1"/>
+      <p:bldP spid="4" grpId="1" animBg="1"/>
       <p:bldP spid="5" grpId="0" animBg="1"/>
+      <p:bldP spid="5" grpId="1" animBg="1"/>
+      <p:bldP spid="8" grpId="0" animBg="1"/>
+      <p:bldP spid="8" grpId="1" animBg="1"/>
+      <p:bldP spid="6" grpId="0" animBg="1"/>
+      <p:bldP spid="6" grpId="1" animBg="1"/>
     </p:bldLst>
   </p:timing>
 </p:sld>
@@ -30362,7 +30587,19 @@
             </a:pPr>
             <a:r>
               <a:rPr lang="pl-PL" dirty="0"/>
-              <a:t>&lt;h1&gt;{{pageTitle}}&lt;/h1&gt;</a:t>
+              <a:t>&lt;h1&gt;</a:t>
+            </a:r>
+            <a:r>
+              <a:rPr lang="pl-PL" dirty="0">
+                <a:solidFill>
+                  <a:schemeClr val="accent6"/>
+                </a:solidFill>
+              </a:rPr>
+              <a:t>{{pageTitle}}</a:t>
+            </a:r>
+            <a:r>
+              <a:rPr lang="pl-PL" dirty="0"/>
+              <a:t>&lt;/h1&gt;</a:t>
             </a:r>
           </a:p>
           <a:p>
@@ -30371,7 +30608,19 @@
             </a:pPr>
             <a:r>
               <a:rPr lang="pl-PL" dirty="0"/>
-              <a:t>&lt;img [src]=’product.imageUrl’/&gt;</a:t>
+              <a:t>&lt;img </a:t>
+            </a:r>
+            <a:r>
+              <a:rPr lang="pl-PL" dirty="0">
+                <a:solidFill>
+                  <a:schemeClr val="accent1"/>
+                </a:solidFill>
+              </a:rPr>
+              <a:t>[src]=’product.imageUrl’</a:t>
+            </a:r>
+            <a:r>
+              <a:rPr lang="pl-PL" dirty="0"/>
+              <a:t>/&gt;</a:t>
             </a:r>
           </a:p>
           <a:p>
@@ -30380,15 +30629,35 @@
             </a:pPr>
             <a:r>
               <a:rPr lang="pl-PL" dirty="0"/>
-              <a:t>&lt;button (click)=’</a:t>
-            </a:r>
-            <a:r>
-              <a:rPr lang="pl-PL" dirty="0" err="1"/>
+              <a:t>&lt;button </a:t>
+            </a:r>
+            <a:r>
+              <a:rPr lang="pl-PL" dirty="0">
+                <a:solidFill>
+                  <a:srgbClr val="FF0000"/>
+                </a:solidFill>
+              </a:rPr>
+              <a:t>(click)=’</a:t>
+            </a:r>
+            <a:r>
+              <a:rPr lang="pl-PL" dirty="0" err="1">
+                <a:solidFill>
+                  <a:srgbClr val="FF0000"/>
+                </a:solidFill>
+              </a:rPr>
               <a:t>toggleLogo</a:t>
             </a:r>
             <a:r>
+              <a:rPr lang="pl-PL" dirty="0">
+                <a:solidFill>
+                  <a:srgbClr val="FF0000"/>
+                </a:solidFill>
+              </a:rPr>
+              <a:t>()’</a:t>
+            </a:r>
+            <a:r>
               <a:rPr lang="pl-PL" dirty="0"/>
-              <a:t>()’/&gt;</a:t>
+              <a:t>/&gt;</a:t>
             </a:r>
           </a:p>
         </p:txBody>
@@ -30497,6 +30766,9 @@
             </a:pPr>
             <a:r>
               <a:rPr lang="pl-PL" dirty="0">
+                <a:solidFill>
+                  <a:schemeClr val="accent6"/>
+                </a:solidFill>
                 <a:latin typeface="Consolas" panose="020B0609020204030204" pitchFamily="49" charset="0"/>
                 <a:cs typeface="Consolas" panose="020B0609020204030204" pitchFamily="49" charset="0"/>
               </a:rPr>
@@ -30509,6 +30781,9 @@
             </a:pPr>
             <a:r>
               <a:rPr lang="pl-PL" dirty="0" err="1">
+                <a:solidFill>
+                  <a:schemeClr val="accent1"/>
+                </a:solidFill>
                 <a:latin typeface="Consolas" panose="020B0609020204030204" pitchFamily="49" charset="0"/>
                 <a:cs typeface="Consolas" panose="020B0609020204030204" pitchFamily="49" charset="0"/>
               </a:rPr>
@@ -30516,6 +30791,9 @@
             </a:r>
             <a:r>
               <a:rPr lang="pl-PL" dirty="0">
+                <a:solidFill>
+                  <a:schemeClr val="accent1"/>
+                </a:solidFill>
                 <a:latin typeface="Consolas" panose="020B0609020204030204" pitchFamily="49" charset="0"/>
                 <a:cs typeface="Consolas" panose="020B0609020204030204" pitchFamily="49" charset="0"/>
               </a:rPr>
@@ -30528,6 +30806,9 @@
             </a:pPr>
             <a:r>
               <a:rPr lang="pl-PL" dirty="0" err="1">
+                <a:solidFill>
+                  <a:srgbClr val="FF0000"/>
+                </a:solidFill>
                 <a:latin typeface="Consolas" panose="020B0609020204030204" pitchFamily="49" charset="0"/>
                 <a:cs typeface="Consolas" panose="020B0609020204030204" pitchFamily="49" charset="0"/>
               </a:rPr>
@@ -30535,6 +30816,9 @@
             </a:r>
             <a:r>
               <a:rPr lang="pl-PL" dirty="0">
+                <a:solidFill>
+                  <a:srgbClr val="FF0000"/>
+                </a:solidFill>
                 <a:latin typeface="Consolas" panose="020B0609020204030204" pitchFamily="49" charset="0"/>
                 <a:cs typeface="Consolas" panose="020B0609020204030204" pitchFamily="49" charset="0"/>
               </a:rPr>
@@ -30739,56 +31023,6 @@
             <a:r>
               <a:rPr lang="pl-PL" sz="2400" dirty="0"/>
               <a:t>Szablon wyrażenia   ()</a:t>
-            </a:r>
-          </a:p>
-        </p:txBody>
-      </p:sp>
-      <p:sp>
-        <p:nvSpPr>
-          <p:cNvPr id="14" name="TextBox 13">
-            <a:extLst>
-              <a:ext uri="{FF2B5EF4-FFF2-40B4-BE49-F238E27FC236}">
-                <a16:creationId xmlns:a16="http://schemas.microsoft.com/office/drawing/2014/main" id="{138D5B4D-95AF-4954-8E8A-67EB800C515B}"/>
-              </a:ext>
-            </a:extLst>
-          </p:cNvPr>
-          <p:cNvSpPr txBox="1"/>
-          <p:nvPr/>
-        </p:nvSpPr>
-        <p:spPr>
-          <a:xfrm>
-            <a:off x="883848" y="5866497"/>
-            <a:ext cx="10427480" cy="646331"/>
-          </a:xfrm>
-          <a:prstGeom prst="rect">
-            <a:avLst/>
-          </a:prstGeom>
-        </p:spPr>
-        <p:style>
-          <a:lnRef idx="2">
-            <a:schemeClr val="accent6">
-              <a:shade val="50000"/>
-            </a:schemeClr>
-          </a:lnRef>
-          <a:fillRef idx="1">
-            <a:schemeClr val="accent6"/>
-          </a:fillRef>
-          <a:effectRef idx="0">
-            <a:schemeClr val="accent6"/>
-          </a:effectRef>
-          <a:fontRef idx="minor">
-            <a:schemeClr val="lt1"/>
-          </a:fontRef>
-        </p:style>
-        <p:txBody>
-          <a:bodyPr wrap="square" rtlCol="0">
-            <a:spAutoFit/>
-          </a:bodyPr>
-          <a:lstStyle/>
-          <a:p>
-            <a:r>
-              <a:rPr lang="pl-PL" sz="3600" dirty="0"/>
-              <a:t>https://developer.mozilla.org/en-US/docs/Web/Events</a:t>
             </a:r>
           </a:p>
         </p:txBody>
@@ -31100,59 +31334,6 @@
                       </p:childTnLst>
                     </p:cTn>
                   </p:par>
-                  <p:par>
-                    <p:cTn id="26" fill="hold">
-                      <p:stCondLst>
-                        <p:cond delay="indefinite"/>
-                      </p:stCondLst>
-                      <p:childTnLst>
-                        <p:par>
-                          <p:cTn id="27" fill="hold">
-                            <p:stCondLst>
-                              <p:cond delay="0"/>
-                            </p:stCondLst>
-                            <p:childTnLst>
-                              <p:par>
-                                <p:cTn id="28" presetID="10" presetClass="entr" presetSubtype="0" fill="hold" grpId="0" nodeType="clickEffect">
-                                  <p:stCondLst>
-                                    <p:cond delay="0"/>
-                                  </p:stCondLst>
-                                  <p:childTnLst>
-                                    <p:set>
-                                      <p:cBhvr>
-                                        <p:cTn id="29" dur="1" fill="hold">
-                                          <p:stCondLst>
-                                            <p:cond delay="0"/>
-                                          </p:stCondLst>
-                                        </p:cTn>
-                                        <p:tgtEl>
-                                          <p:spTgt spid="14"/>
-                                        </p:tgtEl>
-                                        <p:attrNameLst>
-                                          <p:attrName>style.visibility</p:attrName>
-                                        </p:attrNameLst>
-                                      </p:cBhvr>
-                                      <p:to>
-                                        <p:strVal val="visible"/>
-                                      </p:to>
-                                    </p:set>
-                                    <p:animEffect transition="in" filter="fade">
-                                      <p:cBhvr>
-                                        <p:cTn id="30" dur="500"/>
-                                        <p:tgtEl>
-                                          <p:spTgt spid="14"/>
-                                        </p:tgtEl>
-                                      </p:cBhvr>
-                                    </p:animEffect>
-                                  </p:childTnLst>
-                                </p:cTn>
-                              </p:par>
-                            </p:childTnLst>
-                          </p:cTn>
-                        </p:par>
-                      </p:childTnLst>
-                    </p:cTn>
-                  </p:par>
                 </p:childTnLst>
               </p:cTn>
               <p:prevCondLst>
@@ -31177,7 +31358,6 @@
     <p:bldLst>
       <p:bldP spid="12" grpId="0" animBg="1"/>
       <p:bldP spid="13" grpId="0" animBg="1"/>
-      <p:bldP spid="14" grpId="0" animBg="1"/>
     </p:bldLst>
   </p:timing>
 </p:sld>
@@ -32623,7 +32803,19 @@
             </a:pPr>
             <a:r>
               <a:rPr lang="pl-PL" dirty="0"/>
-              <a:t>{{pageTitle | lowercase}}</a:t>
+              <a:t>{{pageTitle </a:t>
+            </a:r>
+            <a:r>
+              <a:rPr lang="pl-PL" dirty="0">
+                <a:solidFill>
+                  <a:srgbClr val="FF0000"/>
+                </a:solidFill>
+              </a:rPr>
+              <a:t>| lowercase</a:t>
+            </a:r>
+            <a:r>
+              <a:rPr lang="pl-PL" dirty="0"/>
+              <a:t>}}</a:t>
             </a:r>
           </a:p>
           <a:p>
@@ -32642,7 +32834,7 @@
             </a:r>
             <a:r>
               <a:rPr lang="pl-PL" dirty="0"/>
-              <a:t> [</a:t>
+              <a:t> [src]=‘product.Name</a:t>
             </a:r>
             <a:r>
               <a:rPr lang="pl-PL" dirty="0">
@@ -32650,19 +32842,7 @@
                   <a:srgbClr val="FF0000"/>
                 </a:solidFill>
               </a:rPr>
-              <a:t>src</a:t>
-            </a:r>
-            <a:r>
-              <a:rPr lang="pl-PL" dirty="0"/>
-              <a:t>]=‘</a:t>
-            </a:r>
-            <a:r>
-              <a:rPr lang="pl-PL" dirty="0">
-                <a:solidFill>
-                  <a:srgbClr val="FF0000"/>
-                </a:solidFill>
-              </a:rPr>
-              <a:t>product.Name | uppercase</a:t>
+              <a:t> | uppercase</a:t>
             </a:r>
             <a:r>
               <a:rPr lang="pl-PL" dirty="0"/>
@@ -32685,7 +32865,19 @@
             </a:pPr>
             <a:r>
               <a:rPr lang="pl-PL" dirty="0"/>
-              <a:t>{{product.Price | currency | lowercase}}</a:t>
+              <a:t>{{product.Price </a:t>
+            </a:r>
+            <a:r>
+              <a:rPr lang="pl-PL" dirty="0">
+                <a:solidFill>
+                  <a:srgbClr val="FF0000"/>
+                </a:solidFill>
+              </a:rPr>
+              <a:t>| currency | lowercase</a:t>
+            </a:r>
+            <a:r>
+              <a:rPr lang="pl-PL" dirty="0"/>
+              <a:t>}}</a:t>
             </a:r>
           </a:p>
           <a:p>
@@ -32694,7 +32886,19 @@
             </a:pPr>
             <a:r>
               <a:rPr lang="pl-PL" dirty="0"/>
-              <a:t>{{product.Price | currency :”PLN”:true:”1.2-2”}}</a:t>
+              <a:t>{{product.Price </a:t>
+            </a:r>
+            <a:r>
+              <a:rPr lang="pl-PL" dirty="0">
+                <a:solidFill>
+                  <a:srgbClr val="FF0000"/>
+                </a:solidFill>
+              </a:rPr>
+              <a:t>| currency :”PLN”:true:”1.2-2”</a:t>
+            </a:r>
+            <a:r>
+              <a:rPr lang="pl-PL" dirty="0"/>
+              <a:t>}}</a:t>
             </a:r>
           </a:p>
           <a:p>
@@ -32715,6 +32919,226 @@
   <p:clrMapOvr>
     <a:masterClrMapping/>
   </p:clrMapOvr>
+  <p:timing>
+    <p:tnLst>
+      <p:par>
+        <p:cTn id="1" dur="indefinite" restart="never" nodeType="tmRoot">
+          <p:childTnLst>
+            <p:seq concurrent="1" nextAc="seek">
+              <p:cTn id="2" dur="indefinite" nodeType="mainSeq">
+                <p:childTnLst>
+                  <p:par>
+                    <p:cTn id="3" fill="hold">
+                      <p:stCondLst>
+                        <p:cond delay="indefinite"/>
+                      </p:stCondLst>
+                      <p:childTnLst>
+                        <p:par>
+                          <p:cTn id="4" fill="hold">
+                            <p:stCondLst>
+                              <p:cond delay="0"/>
+                            </p:stCondLst>
+                            <p:childTnLst>
+                              <p:par>
+                                <p:cTn id="5" presetID="10" presetClass="entr" presetSubtype="0" fill="hold" nodeType="clickEffect">
+                                  <p:stCondLst>
+                                    <p:cond delay="0"/>
+                                  </p:stCondLst>
+                                  <p:childTnLst>
+                                    <p:set>
+                                      <p:cBhvr>
+                                        <p:cTn id="6" dur="1" fill="hold">
+                                          <p:stCondLst>
+                                            <p:cond delay="0"/>
+                                          </p:stCondLst>
+                                        </p:cTn>
+                                        <p:tgtEl>
+                                          <p:spTgt spid="3">
+                                            <p:txEl>
+                                              <p:pRg st="0" end="0"/>
+                                            </p:txEl>
+                                          </p:spTgt>
+                                        </p:tgtEl>
+                                        <p:attrNameLst>
+                                          <p:attrName>style.visibility</p:attrName>
+                                        </p:attrNameLst>
+                                      </p:cBhvr>
+                                      <p:to>
+                                        <p:strVal val="visible"/>
+                                      </p:to>
+                                    </p:set>
+                                    <p:animEffect transition="in" filter="fade">
+                                      <p:cBhvr>
+                                        <p:cTn id="7" dur="500"/>
+                                        <p:tgtEl>
+                                          <p:spTgt spid="3">
+                                            <p:txEl>
+                                              <p:pRg st="0" end="0"/>
+                                            </p:txEl>
+                                          </p:spTgt>
+                                        </p:tgtEl>
+                                      </p:cBhvr>
+                                    </p:animEffect>
+                                  </p:childTnLst>
+                                </p:cTn>
+                              </p:par>
+                              <p:par>
+                                <p:cTn id="8" presetID="10" presetClass="entr" presetSubtype="0" fill="hold" nodeType="withEffect">
+                                  <p:stCondLst>
+                                    <p:cond delay="0"/>
+                                  </p:stCondLst>
+                                  <p:childTnLst>
+                                    <p:set>
+                                      <p:cBhvr>
+                                        <p:cTn id="9" dur="1" fill="hold">
+                                          <p:stCondLst>
+                                            <p:cond delay="0"/>
+                                          </p:stCondLst>
+                                        </p:cTn>
+                                        <p:tgtEl>
+                                          <p:spTgt spid="3">
+                                            <p:txEl>
+                                              <p:pRg st="1" end="1"/>
+                                            </p:txEl>
+                                          </p:spTgt>
+                                        </p:tgtEl>
+                                        <p:attrNameLst>
+                                          <p:attrName>style.visibility</p:attrName>
+                                        </p:attrNameLst>
+                                      </p:cBhvr>
+                                      <p:to>
+                                        <p:strVal val="visible"/>
+                                      </p:to>
+                                    </p:set>
+                                    <p:animEffect transition="in" filter="fade">
+                                      <p:cBhvr>
+                                        <p:cTn id="10" dur="500"/>
+                                        <p:tgtEl>
+                                          <p:spTgt spid="3">
+                                            <p:txEl>
+                                              <p:pRg st="1" end="1"/>
+                                            </p:txEl>
+                                          </p:spTgt>
+                                        </p:tgtEl>
+                                      </p:cBhvr>
+                                    </p:animEffect>
+                                  </p:childTnLst>
+                                </p:cTn>
+                              </p:par>
+                              <p:par>
+                                <p:cTn id="11" presetID="10" presetClass="entr" presetSubtype="0" fill="hold" nodeType="withEffect">
+                                  <p:stCondLst>
+                                    <p:cond delay="0"/>
+                                  </p:stCondLst>
+                                  <p:childTnLst>
+                                    <p:set>
+                                      <p:cBhvr>
+                                        <p:cTn id="12" dur="1" fill="hold">
+                                          <p:stCondLst>
+                                            <p:cond delay="0"/>
+                                          </p:stCondLst>
+                                        </p:cTn>
+                                        <p:tgtEl>
+                                          <p:spTgt spid="3">
+                                            <p:txEl>
+                                              <p:pRg st="2" end="2"/>
+                                            </p:txEl>
+                                          </p:spTgt>
+                                        </p:tgtEl>
+                                        <p:attrNameLst>
+                                          <p:attrName>style.visibility</p:attrName>
+                                        </p:attrNameLst>
+                                      </p:cBhvr>
+                                      <p:to>
+                                        <p:strVal val="visible"/>
+                                      </p:to>
+                                    </p:set>
+                                    <p:animEffect transition="in" filter="fade">
+                                      <p:cBhvr>
+                                        <p:cTn id="13" dur="500"/>
+                                        <p:tgtEl>
+                                          <p:spTgt spid="3">
+                                            <p:txEl>
+                                              <p:pRg st="2" end="2"/>
+                                            </p:txEl>
+                                          </p:spTgt>
+                                        </p:tgtEl>
+                                      </p:cBhvr>
+                                    </p:animEffect>
+                                  </p:childTnLst>
+                                </p:cTn>
+                              </p:par>
+                              <p:par>
+                                <p:cTn id="14" presetID="10" presetClass="entr" presetSubtype="0" fill="hold" nodeType="withEffect">
+                                  <p:stCondLst>
+                                    <p:cond delay="0"/>
+                                  </p:stCondLst>
+                                  <p:childTnLst>
+                                    <p:set>
+                                      <p:cBhvr>
+                                        <p:cTn id="15" dur="1" fill="hold">
+                                          <p:stCondLst>
+                                            <p:cond delay="0"/>
+                                          </p:stCondLst>
+                                        </p:cTn>
+                                        <p:tgtEl>
+                                          <p:spTgt spid="3">
+                                            <p:txEl>
+                                              <p:pRg st="3" end="3"/>
+                                            </p:txEl>
+                                          </p:spTgt>
+                                        </p:tgtEl>
+                                        <p:attrNameLst>
+                                          <p:attrName>style.visibility</p:attrName>
+                                        </p:attrNameLst>
+                                      </p:cBhvr>
+                                      <p:to>
+                                        <p:strVal val="visible"/>
+                                      </p:to>
+                                    </p:set>
+                                    <p:animEffect transition="in" filter="fade">
+                                      <p:cBhvr>
+                                        <p:cTn id="16" dur="500"/>
+                                        <p:tgtEl>
+                                          <p:spTgt spid="3">
+                                            <p:txEl>
+                                              <p:pRg st="3" end="3"/>
+                                            </p:txEl>
+                                          </p:spTgt>
+                                        </p:tgtEl>
+                                      </p:cBhvr>
+                                    </p:animEffect>
+                                  </p:childTnLst>
+                                </p:cTn>
+                              </p:par>
+                            </p:childTnLst>
+                          </p:cTn>
+                        </p:par>
+                      </p:childTnLst>
+                    </p:cTn>
+                  </p:par>
+                </p:childTnLst>
+              </p:cTn>
+              <p:prevCondLst>
+                <p:cond evt="onPrev" delay="0">
+                  <p:tgtEl>
+                    <p:sldTgt/>
+                  </p:tgtEl>
+                </p:cond>
+              </p:prevCondLst>
+              <p:nextCondLst>
+                <p:cond evt="onNext" delay="0">
+                  <p:tgtEl>
+                    <p:sldTgt/>
+                  </p:tgtEl>
+                </p:cond>
+              </p:nextCondLst>
+            </p:seq>
+          </p:childTnLst>
+        </p:cTn>
+      </p:par>
+    </p:tnLst>
+  </p:timing>
 </p:sld>
 </file>
 

--- a/2/presentation/Angular 2.pptx
+++ b/2/presentation/Angular 2.pptx
@@ -5,7 +5,7 @@
     <p:sldMasterId id="2147483648" r:id="rId1"/>
   </p:sldMasterIdLst>
   <p:notesMasterIdLst>
-    <p:notesMasterId r:id="rId37"/>
+    <p:notesMasterId r:id="rId38"/>
   </p:notesMasterIdLst>
   <p:sldIdLst>
     <p:sldId id="256" r:id="rId2"/>
@@ -13,36 +13,37 @@
     <p:sldId id="306" r:id="rId4"/>
     <p:sldId id="288" r:id="rId5"/>
     <p:sldId id="289" r:id="rId6"/>
-    <p:sldId id="290" r:id="rId7"/>
-    <p:sldId id="291" r:id="rId8"/>
-    <p:sldId id="292" r:id="rId9"/>
-    <p:sldId id="293" r:id="rId10"/>
-    <p:sldId id="305" r:id="rId11"/>
-    <p:sldId id="295" r:id="rId12"/>
-    <p:sldId id="294" r:id="rId13"/>
-    <p:sldId id="296" r:id="rId14"/>
-    <p:sldId id="297" r:id="rId15"/>
-    <p:sldId id="298" r:id="rId16"/>
-    <p:sldId id="300" r:id="rId17"/>
-    <p:sldId id="301" r:id="rId18"/>
-    <p:sldId id="302" r:id="rId19"/>
-    <p:sldId id="303" r:id="rId20"/>
-    <p:sldId id="304" r:id="rId21"/>
-    <p:sldId id="316" r:id="rId22"/>
-    <p:sldId id="317" r:id="rId23"/>
-    <p:sldId id="318" r:id="rId24"/>
-    <p:sldId id="335" r:id="rId25"/>
-    <p:sldId id="320" r:id="rId26"/>
-    <p:sldId id="336" r:id="rId27"/>
-    <p:sldId id="322" r:id="rId28"/>
-    <p:sldId id="323" r:id="rId29"/>
-    <p:sldId id="324" r:id="rId30"/>
-    <p:sldId id="327" r:id="rId31"/>
-    <p:sldId id="330" r:id="rId32"/>
-    <p:sldId id="331" r:id="rId33"/>
-    <p:sldId id="332" r:id="rId34"/>
-    <p:sldId id="333" r:id="rId35"/>
-    <p:sldId id="334" r:id="rId36"/>
+    <p:sldId id="337" r:id="rId7"/>
+    <p:sldId id="290" r:id="rId8"/>
+    <p:sldId id="291" r:id="rId9"/>
+    <p:sldId id="292" r:id="rId10"/>
+    <p:sldId id="293" r:id="rId11"/>
+    <p:sldId id="305" r:id="rId12"/>
+    <p:sldId id="295" r:id="rId13"/>
+    <p:sldId id="294" r:id="rId14"/>
+    <p:sldId id="296" r:id="rId15"/>
+    <p:sldId id="297" r:id="rId16"/>
+    <p:sldId id="298" r:id="rId17"/>
+    <p:sldId id="300" r:id="rId18"/>
+    <p:sldId id="301" r:id="rId19"/>
+    <p:sldId id="302" r:id="rId20"/>
+    <p:sldId id="303" r:id="rId21"/>
+    <p:sldId id="304" r:id="rId22"/>
+    <p:sldId id="316" r:id="rId23"/>
+    <p:sldId id="317" r:id="rId24"/>
+    <p:sldId id="318" r:id="rId25"/>
+    <p:sldId id="335" r:id="rId26"/>
+    <p:sldId id="320" r:id="rId27"/>
+    <p:sldId id="336" r:id="rId28"/>
+    <p:sldId id="322" r:id="rId29"/>
+    <p:sldId id="323" r:id="rId30"/>
+    <p:sldId id="324" r:id="rId31"/>
+    <p:sldId id="327" r:id="rId32"/>
+    <p:sldId id="330" r:id="rId33"/>
+    <p:sldId id="331" r:id="rId34"/>
+    <p:sldId id="332" r:id="rId35"/>
+    <p:sldId id="333" r:id="rId36"/>
+    <p:sldId id="334" r:id="rId37"/>
   </p:sldIdLst>
   <p:sldSz cx="12192000" cy="6858000"/>
   <p:notesSz cx="6858000" cy="9144000"/>
@@ -147,6 +148,18 @@
     </p:ext>
   </p:extLst>
 </p:presentation>
+</file>
+
+<file path=ppt/commentAuthors.xml><?xml version="1.0" encoding="utf-8"?>
+<p:cmAuthorLst xmlns:a="http://schemas.openxmlformats.org/drawingml/2006/main" xmlns:r="http://schemas.openxmlformats.org/officeDocument/2006/relationships" xmlns:p="http://schemas.openxmlformats.org/presentationml/2006/main">
+  <p:cmAuthor id="1" name="Vadim Peczyński" initials="VP" lastIdx="1" clrIdx="0">
+    <p:extLst>
+      <p:ext uri="{19B8F6BF-5375-455C-9EA6-DF929625EA0E}">
+        <p15:presenceInfo xmlns:p15="http://schemas.microsoft.com/office/powerpoint/2012/main" userId="S::vpeczynski@sii.pl::b645debb-c2e7-4d8f-8eb4-9038c3245c7c" providerId="AD"/>
+      </p:ext>
+    </p:extLst>
+  </p:cmAuthor>
+</p:cmAuthorLst>
 </file>
 
 <file path=ppt/diagrams/colors1.xml><?xml version="1.0" encoding="utf-8"?>
@@ -10942,7 +10955,7 @@
           <a:p>
             <a:fld id="{A7D59A82-B575-4226-8A09-A5B072479177}" type="datetimeFigureOut">
               <a:rPr lang="pl-PL" smtClean="0"/>
-              <a:t>12.11.2020</a:t>
+              <a:t>24.02.2021</a:t>
             </a:fld>
             <a:endParaRPr lang="pl-PL"/>
           </a:p>
@@ -11384,7 +11397,7 @@
     </p:spTree>
     <p:extLst>
       <p:ext uri="{BB962C8B-B14F-4D97-AF65-F5344CB8AC3E}">
-        <p14:creationId xmlns:p14="http://schemas.microsoft.com/office/powerpoint/2010/main" val="452760164"/>
+        <p14:creationId xmlns:p14="http://schemas.microsoft.com/office/powerpoint/2010/main" val="3292140316"/>
       </p:ext>
     </p:extLst>
   </p:cSld>
@@ -11438,14 +11451,7 @@
           <a:bodyPr/>
           <a:lstStyle/>
           <a:p>
-            <a:r>
-              <a:rPr lang="pl-PL" dirty="0" err="1"/>
-              <a:t>Zagnieżdzony</a:t>
-            </a:r>
-            <a:r>
-              <a:rPr lang="pl-PL" dirty="0"/>
-              <a:t> komponent</a:t>
-            </a:r>
+            <a:endParaRPr lang="pl-PL" dirty="0"/>
           </a:p>
         </p:txBody>
       </p:sp>
@@ -11475,7 +11481,7 @@
     </p:spTree>
     <p:extLst>
       <p:ext uri="{BB962C8B-B14F-4D97-AF65-F5344CB8AC3E}">
-        <p14:creationId xmlns:p14="http://schemas.microsoft.com/office/powerpoint/2010/main" val="2889173923"/>
+        <p14:creationId xmlns:p14="http://schemas.microsoft.com/office/powerpoint/2010/main" val="452760164"/>
       </p:ext>
     </p:extLst>
   </p:cSld>
@@ -11529,7 +11535,14 @@
           <a:bodyPr/>
           <a:lstStyle/>
           <a:p>
-            <a:endParaRPr lang="pl-PL" dirty="0"/>
+            <a:r>
+              <a:rPr lang="pl-PL" dirty="0" err="1"/>
+              <a:t>Zagnieżdzony</a:t>
+            </a:r>
+            <a:r>
+              <a:rPr lang="pl-PL" dirty="0"/>
+              <a:t> komponent</a:t>
+            </a:r>
           </a:p>
         </p:txBody>
       </p:sp>
@@ -11550,7 +11563,7 @@
           <a:p>
             <a:fld id="{F89D2610-1426-4EFD-83D2-2399D4353A5D}" type="slidenum">
               <a:rPr lang="pl-PL" smtClean="0"/>
-              <a:t>25</a:t>
+              <a:t>24</a:t>
             </a:fld>
             <a:endParaRPr lang="pl-PL"/>
           </a:p>
@@ -11559,7 +11572,7 @@
     </p:spTree>
     <p:extLst>
       <p:ext uri="{BB962C8B-B14F-4D97-AF65-F5344CB8AC3E}">
-        <p14:creationId xmlns:p14="http://schemas.microsoft.com/office/powerpoint/2010/main" val="634533082"/>
+        <p14:creationId xmlns:p14="http://schemas.microsoft.com/office/powerpoint/2010/main" val="2889173923"/>
       </p:ext>
     </p:extLst>
   </p:cSld>
@@ -11624,6 +11637,90 @@
             <a:spLocks noGrp="1"/>
           </p:cNvSpPr>
           <p:nvPr>
+            <p:ph type="sldNum" sz="quarter" idx="10"/>
+          </p:nvPr>
+        </p:nvSpPr>
+        <p:spPr/>
+        <p:txBody>
+          <a:bodyPr/>
+          <a:lstStyle/>
+          <a:p>
+            <a:fld id="{F89D2610-1426-4EFD-83D2-2399D4353A5D}" type="slidenum">
+              <a:rPr lang="pl-PL" smtClean="0"/>
+              <a:t>26</a:t>
+            </a:fld>
+            <a:endParaRPr lang="pl-PL"/>
+          </a:p>
+        </p:txBody>
+      </p:sp>
+    </p:spTree>
+    <p:extLst>
+      <p:ext uri="{BB962C8B-B14F-4D97-AF65-F5344CB8AC3E}">
+        <p14:creationId xmlns:p14="http://schemas.microsoft.com/office/powerpoint/2010/main" val="634533082"/>
+      </p:ext>
+    </p:extLst>
+  </p:cSld>
+  <p:clrMapOvr>
+    <a:masterClrMapping/>
+  </p:clrMapOvr>
+</p:notes>
+</file>
+
+<file path=ppt/notesSlides/notesSlide14.xml><?xml version="1.0" encoding="utf-8"?>
+<p:notes xmlns:a="http://schemas.openxmlformats.org/drawingml/2006/main" xmlns:r="http://schemas.openxmlformats.org/officeDocument/2006/relationships" xmlns:p="http://schemas.openxmlformats.org/presentationml/2006/main">
+  <p:cSld>
+    <p:spTree>
+      <p:nvGrpSpPr>
+        <p:cNvPr id="1" name=""/>
+        <p:cNvGrpSpPr/>
+        <p:nvPr/>
+      </p:nvGrpSpPr>
+      <p:grpSpPr>
+        <a:xfrm>
+          <a:off x="0" y="0"/>
+          <a:ext cx="0" cy="0"/>
+          <a:chOff x="0" y="0"/>
+          <a:chExt cx="0" cy="0"/>
+        </a:xfrm>
+      </p:grpSpPr>
+      <p:sp>
+        <p:nvSpPr>
+          <p:cNvPr id="2" name="Slide Image Placeholder 1"/>
+          <p:cNvSpPr>
+            <a:spLocks noGrp="1" noRot="1" noChangeAspect="1"/>
+          </p:cNvSpPr>
+          <p:nvPr>
+            <p:ph type="sldImg"/>
+          </p:nvPr>
+        </p:nvSpPr>
+        <p:spPr/>
+      </p:sp>
+      <p:sp>
+        <p:nvSpPr>
+          <p:cNvPr id="3" name="Notes Placeholder 2"/>
+          <p:cNvSpPr>
+            <a:spLocks noGrp="1"/>
+          </p:cNvSpPr>
+          <p:nvPr>
+            <p:ph type="body" idx="1"/>
+          </p:nvPr>
+        </p:nvSpPr>
+        <p:spPr/>
+        <p:txBody>
+          <a:bodyPr/>
+          <a:lstStyle/>
+          <a:p>
+            <a:endParaRPr lang="pl-PL" dirty="0"/>
+          </a:p>
+        </p:txBody>
+      </p:sp>
+      <p:sp>
+        <p:nvSpPr>
+          <p:cNvPr id="4" name="Slide Number Placeholder 3"/>
+          <p:cNvSpPr>
+            <a:spLocks noGrp="1"/>
+          </p:cNvSpPr>
+          <p:nvPr>
             <p:ph type="sldNum" sz="quarter" idx="5"/>
           </p:nvPr>
         </p:nvSpPr>
@@ -11634,7 +11731,7 @@
           <a:p>
             <a:fld id="{F89D2610-1426-4EFD-83D2-2399D4353A5D}" type="slidenum">
               <a:rPr lang="pl-PL" smtClean="0"/>
-              <a:t>35</a:t>
+              <a:t>36</a:t>
             </a:fld>
             <a:endParaRPr lang="pl-PL"/>
           </a:p>
@@ -11698,9 +11795,22 @@
           <a:lstStyle/>
           <a:p>
             <a:r>
-              <a:rPr lang="pl-PL"/>
-              <a:t>Currency pipe</a:t>
-            </a:r>
+              <a:rPr lang="pl-PL" dirty="0"/>
+              <a:t>Input i </a:t>
+            </a:r>
+            <a:r>
+              <a:rPr lang="pl-PL" dirty="0" err="1"/>
+              <a:t>Output</a:t>
+            </a:r>
+            <a:r>
+              <a:rPr lang="pl-PL" dirty="0"/>
+              <a:t> </a:t>
+            </a:r>
+            <a:r>
+              <a:rPr lang="pl-PL" dirty="0" err="1"/>
+              <a:t>binding</a:t>
+            </a:r>
+            <a:endParaRPr lang="pl-PL" dirty="0"/>
           </a:p>
         </p:txBody>
       </p:sp>
@@ -11711,7 +11821,7 @@
             <a:spLocks noGrp="1"/>
           </p:cNvSpPr>
           <p:nvPr>
-            <p:ph type="sldNum" sz="quarter" idx="5"/>
+            <p:ph type="sldNum" sz="quarter" idx="10"/>
           </p:nvPr>
         </p:nvSpPr>
         <p:spPr/>
@@ -11721,7 +11831,7 @@
           <a:p>
             <a:fld id="{F89D2610-1426-4EFD-83D2-2399D4353A5D}" type="slidenum">
               <a:rPr lang="pl-PL" smtClean="0"/>
-              <a:t>9</a:t>
+              <a:t>6</a:t>
             </a:fld>
             <a:endParaRPr lang="pl-PL"/>
           </a:p>
@@ -11730,7 +11840,7 @@
     </p:spTree>
     <p:extLst>
       <p:ext uri="{BB962C8B-B14F-4D97-AF65-F5344CB8AC3E}">
-        <p14:creationId xmlns:p14="http://schemas.microsoft.com/office/powerpoint/2010/main" val="2888223715"/>
+        <p14:creationId xmlns:p14="http://schemas.microsoft.com/office/powerpoint/2010/main" val="3143782985"/>
       </p:ext>
     </p:extLst>
   </p:cSld>
@@ -11786,7 +11896,7 @@
           <a:p>
             <a:r>
               <a:rPr lang="pl-PL"/>
-              <a:t>Custom pipe</a:t>
+              <a:t>Currency pipe</a:t>
             </a:r>
           </a:p>
         </p:txBody>
@@ -11817,7 +11927,7 @@
     </p:spTree>
     <p:extLst>
       <p:ext uri="{BB962C8B-B14F-4D97-AF65-F5344CB8AC3E}">
-        <p14:creationId xmlns:p14="http://schemas.microsoft.com/office/powerpoint/2010/main" val="1022402294"/>
+        <p14:creationId xmlns:p14="http://schemas.microsoft.com/office/powerpoint/2010/main" val="2888223715"/>
       </p:ext>
     </p:extLst>
   </p:cSld>
@@ -11872,8 +11982,8 @@
           <a:lstStyle/>
           <a:p>
             <a:r>
-              <a:rPr lang="pl-PL" dirty="0"/>
-              <a:t>Interfejs</a:t>
+              <a:rPr lang="pl-PL"/>
+              <a:t>Custom pipe</a:t>
             </a:r>
           </a:p>
         </p:txBody>
@@ -11895,7 +12005,7 @@
           <a:p>
             <a:fld id="{F89D2610-1426-4EFD-83D2-2399D4353A5D}" type="slidenum">
               <a:rPr lang="pl-PL" smtClean="0"/>
-              <a:t>15</a:t>
+              <a:t>11</a:t>
             </a:fld>
             <a:endParaRPr lang="pl-PL"/>
           </a:p>
@@ -11904,7 +12014,7 @@
     </p:spTree>
     <p:extLst>
       <p:ext uri="{BB962C8B-B14F-4D97-AF65-F5344CB8AC3E}">
-        <p14:creationId xmlns:p14="http://schemas.microsoft.com/office/powerpoint/2010/main" val="2746278402"/>
+        <p14:creationId xmlns:p14="http://schemas.microsoft.com/office/powerpoint/2010/main" val="1022402294"/>
       </p:ext>
     </p:extLst>
   </p:cSld>
@@ -11960,13 +12070,8 @@
           <a:p>
             <a:r>
               <a:rPr lang="pl-PL" dirty="0"/>
-              <a:t>Klasa </a:t>
-            </a:r>
-            <a:r>
-              <a:rPr lang="pl-PL" dirty="0" err="1"/>
-              <a:t>scss</a:t>
-            </a:r>
-            <a:endParaRPr lang="pl-PL" dirty="0"/>
+              <a:t>Interfejs</a:t>
+            </a:r>
           </a:p>
         </p:txBody>
       </p:sp>
@@ -11977,7 +12082,7 @@
             <a:spLocks noGrp="1"/>
           </p:cNvSpPr>
           <p:nvPr>
-            <p:ph type="sldNum" sz="quarter" idx="10"/>
+            <p:ph type="sldNum" sz="quarter" idx="5"/>
           </p:nvPr>
         </p:nvSpPr>
         <p:spPr/>
@@ -11996,7 +12101,7 @@
     </p:spTree>
     <p:extLst>
       <p:ext uri="{BB962C8B-B14F-4D97-AF65-F5344CB8AC3E}">
-        <p14:creationId xmlns:p14="http://schemas.microsoft.com/office/powerpoint/2010/main" val="2203782415"/>
+        <p14:creationId xmlns:p14="http://schemas.microsoft.com/office/powerpoint/2010/main" val="2746278402"/>
       </p:ext>
     </p:extLst>
   </p:cSld>
@@ -12050,6 +12155,14 @@
           <a:bodyPr/>
           <a:lstStyle/>
           <a:p>
+            <a:r>
+              <a:rPr lang="pl-PL" dirty="0"/>
+              <a:t>Klasa </a:t>
+            </a:r>
+            <a:r>
+              <a:rPr lang="pl-PL" dirty="0" err="1"/>
+              <a:t>scss</a:t>
+            </a:r>
             <a:endParaRPr lang="pl-PL" dirty="0"/>
           </a:p>
         </p:txBody>
@@ -12080,7 +12193,7 @@
     </p:spTree>
     <p:extLst>
       <p:ext uri="{BB962C8B-B14F-4D97-AF65-F5344CB8AC3E}">
-        <p14:creationId xmlns:p14="http://schemas.microsoft.com/office/powerpoint/2010/main" val="3789901482"/>
+        <p14:creationId xmlns:p14="http://schemas.microsoft.com/office/powerpoint/2010/main" val="2203782415"/>
       </p:ext>
     </p:extLst>
   </p:cSld>
@@ -12134,22 +12247,7 @@
           <a:bodyPr/>
           <a:lstStyle/>
           <a:p>
-            <a:r>
-              <a:rPr lang="pl-PL" dirty="0"/>
-              <a:t>inicjalizacja obiektu, pobranie danych</a:t>
-            </a:r>
-          </a:p>
-          <a:p>
-            <a:r>
-              <a:rPr lang="pl-PL" dirty="0"/>
-              <a:t>wykonaj akcję po zmianie na input property</a:t>
-            </a:r>
-          </a:p>
-          <a:p>
-            <a:r>
-              <a:rPr lang="pl-PL" dirty="0"/>
-              <a:t>usnięcie danych z pamięci</a:t>
-            </a:r>
+            <a:endParaRPr lang="pl-PL" dirty="0"/>
           </a:p>
         </p:txBody>
       </p:sp>
@@ -12179,7 +12277,7 @@
     </p:spTree>
     <p:extLst>
       <p:ext uri="{BB962C8B-B14F-4D97-AF65-F5344CB8AC3E}">
-        <p14:creationId xmlns:p14="http://schemas.microsoft.com/office/powerpoint/2010/main" val="2804506317"/>
+        <p14:creationId xmlns:p14="http://schemas.microsoft.com/office/powerpoint/2010/main" val="3789901482"/>
       </p:ext>
     </p:extLst>
   </p:cSld>
@@ -12234,18 +12332,21 @@
           <a:lstStyle/>
           <a:p>
             <a:r>
-              <a:rPr lang="pl-PL" dirty="0" err="1"/>
-              <a:t>OnInit</a:t>
-            </a:r>
-            <a:r>
               <a:rPr lang="pl-PL" dirty="0"/>
-              <a:t>, </a:t>
-            </a:r>
-            <a:r>
-              <a:rPr lang="pl-PL" dirty="0" err="1"/>
-              <a:t>filtering</a:t>
-            </a:r>
-            <a:endParaRPr lang="pl-PL" dirty="0"/>
+              <a:t>inicjalizacja obiektu, pobranie danych</a:t>
+            </a:r>
+          </a:p>
+          <a:p>
+            <a:r>
+              <a:rPr lang="pl-PL" dirty="0"/>
+              <a:t>wykonaj akcję po zmianie na input property</a:t>
+            </a:r>
+          </a:p>
+          <a:p>
+            <a:r>
+              <a:rPr lang="pl-PL" dirty="0"/>
+              <a:t>usnięcie danych z pamięci</a:t>
+            </a:r>
           </a:p>
         </p:txBody>
       </p:sp>
@@ -12256,7 +12357,7 @@
             <a:spLocks noGrp="1"/>
           </p:cNvSpPr>
           <p:nvPr>
-            <p:ph type="sldNum" sz="quarter" idx="5"/>
+            <p:ph type="sldNum" sz="quarter" idx="10"/>
           </p:nvPr>
         </p:nvSpPr>
         <p:spPr/>
@@ -12275,7 +12376,7 @@
     </p:spTree>
     <p:extLst>
       <p:ext uri="{BB962C8B-B14F-4D97-AF65-F5344CB8AC3E}">
-        <p14:creationId xmlns:p14="http://schemas.microsoft.com/office/powerpoint/2010/main" val="2270645481"/>
+        <p14:creationId xmlns:p14="http://schemas.microsoft.com/office/powerpoint/2010/main" val="2804506317"/>
       </p:ext>
     </p:extLst>
   </p:cSld>
@@ -12329,6 +12430,18 @@
           <a:bodyPr/>
           <a:lstStyle/>
           <a:p>
+            <a:r>
+              <a:rPr lang="pl-PL" dirty="0" err="1"/>
+              <a:t>OnInit</a:t>
+            </a:r>
+            <a:r>
+              <a:rPr lang="pl-PL" dirty="0"/>
+              <a:t>, </a:t>
+            </a:r>
+            <a:r>
+              <a:rPr lang="pl-PL" dirty="0" err="1"/>
+              <a:t>filtering</a:t>
+            </a:r>
             <a:endParaRPr lang="pl-PL" dirty="0"/>
           </a:p>
         </p:txBody>
@@ -12340,7 +12453,7 @@
             <a:spLocks noGrp="1"/>
           </p:cNvSpPr>
           <p:nvPr>
-            <p:ph type="sldNum" sz="quarter" idx="10"/>
+            <p:ph type="sldNum" sz="quarter" idx="5"/>
           </p:nvPr>
         </p:nvSpPr>
         <p:spPr/>
@@ -12350,7 +12463,7 @@
           <a:p>
             <a:fld id="{F89D2610-1426-4EFD-83D2-2399D4353A5D}" type="slidenum">
               <a:rPr lang="pl-PL" smtClean="0"/>
-              <a:t>21</a:t>
+              <a:t>20</a:t>
             </a:fld>
             <a:endParaRPr lang="pl-PL"/>
           </a:p>
@@ -12359,7 +12472,7 @@
     </p:spTree>
     <p:extLst>
       <p:ext uri="{BB962C8B-B14F-4D97-AF65-F5344CB8AC3E}">
-        <p14:creationId xmlns:p14="http://schemas.microsoft.com/office/powerpoint/2010/main" val="3292140316"/>
+        <p14:creationId xmlns:p14="http://schemas.microsoft.com/office/powerpoint/2010/main" val="2270645481"/>
       </p:ext>
     </p:extLst>
   </p:cSld>
@@ -12518,7 +12631,7 @@
           <a:p>
             <a:fld id="{5E543113-3ECC-4DC9-B636-16B32516798D}" type="datetimeFigureOut">
               <a:rPr lang="pl-PL" smtClean="0"/>
-              <a:t>12.11.2020</a:t>
+              <a:t>24.02.2021</a:t>
             </a:fld>
             <a:endParaRPr lang="pl-PL"/>
           </a:p>
@@ -12718,7 +12831,7 @@
           <a:p>
             <a:fld id="{5E543113-3ECC-4DC9-B636-16B32516798D}" type="datetimeFigureOut">
               <a:rPr lang="pl-PL" smtClean="0"/>
-              <a:t>12.11.2020</a:t>
+              <a:t>24.02.2021</a:t>
             </a:fld>
             <a:endParaRPr lang="pl-PL"/>
           </a:p>
@@ -12928,7 +13041,7 @@
           <a:p>
             <a:fld id="{5E543113-3ECC-4DC9-B636-16B32516798D}" type="datetimeFigureOut">
               <a:rPr lang="pl-PL" smtClean="0"/>
-              <a:t>12.11.2020</a:t>
+              <a:t>24.02.2021</a:t>
             </a:fld>
             <a:endParaRPr lang="pl-PL"/>
           </a:p>
@@ -13128,7 +13241,7 @@
           <a:p>
             <a:fld id="{5E543113-3ECC-4DC9-B636-16B32516798D}" type="datetimeFigureOut">
               <a:rPr lang="pl-PL" smtClean="0"/>
-              <a:t>12.11.2020</a:t>
+              <a:t>24.02.2021</a:t>
             </a:fld>
             <a:endParaRPr lang="pl-PL"/>
           </a:p>
@@ -13404,7 +13517,7 @@
           <a:p>
             <a:fld id="{5E543113-3ECC-4DC9-B636-16B32516798D}" type="datetimeFigureOut">
               <a:rPr lang="pl-PL" smtClean="0"/>
-              <a:t>12.11.2020</a:t>
+              <a:t>24.02.2021</a:t>
             </a:fld>
             <a:endParaRPr lang="pl-PL"/>
           </a:p>
@@ -13672,7 +13785,7 @@
           <a:p>
             <a:fld id="{5E543113-3ECC-4DC9-B636-16B32516798D}" type="datetimeFigureOut">
               <a:rPr lang="pl-PL" smtClean="0"/>
-              <a:t>12.11.2020</a:t>
+              <a:t>24.02.2021</a:t>
             </a:fld>
             <a:endParaRPr lang="pl-PL"/>
           </a:p>
@@ -14087,7 +14200,7 @@
           <a:p>
             <a:fld id="{5E543113-3ECC-4DC9-B636-16B32516798D}" type="datetimeFigureOut">
               <a:rPr lang="pl-PL" smtClean="0"/>
-              <a:t>12.11.2020</a:t>
+              <a:t>24.02.2021</a:t>
             </a:fld>
             <a:endParaRPr lang="pl-PL"/>
           </a:p>
@@ -14229,7 +14342,7 @@
           <a:p>
             <a:fld id="{5E543113-3ECC-4DC9-B636-16B32516798D}" type="datetimeFigureOut">
               <a:rPr lang="pl-PL" smtClean="0"/>
-              <a:t>12.11.2020</a:t>
+              <a:t>24.02.2021</a:t>
             </a:fld>
             <a:endParaRPr lang="pl-PL"/>
           </a:p>
@@ -14342,7 +14455,7 @@
           <a:p>
             <a:fld id="{5E543113-3ECC-4DC9-B636-16B32516798D}" type="datetimeFigureOut">
               <a:rPr lang="pl-PL" smtClean="0"/>
-              <a:t>12.11.2020</a:t>
+              <a:t>24.02.2021</a:t>
             </a:fld>
             <a:endParaRPr lang="pl-PL"/>
           </a:p>
@@ -14655,7 +14768,7 @@
           <a:p>
             <a:fld id="{5E543113-3ECC-4DC9-B636-16B32516798D}" type="datetimeFigureOut">
               <a:rPr lang="pl-PL" smtClean="0"/>
-              <a:t>12.11.2020</a:t>
+              <a:t>24.02.2021</a:t>
             </a:fld>
             <a:endParaRPr lang="pl-PL"/>
           </a:p>
@@ -14944,7 +15057,7 @@
           <a:p>
             <a:fld id="{5E543113-3ECC-4DC9-B636-16B32516798D}" type="datetimeFigureOut">
               <a:rPr lang="pl-PL" smtClean="0"/>
-              <a:t>12.11.2020</a:t>
+              <a:t>24.02.2021</a:t>
             </a:fld>
             <a:endParaRPr lang="pl-PL"/>
           </a:p>
@@ -15187,7 +15300,7 @@
           <a:p>
             <a:fld id="{5E543113-3ECC-4DC9-B636-16B32516798D}" type="datetimeFigureOut">
               <a:rPr lang="pl-PL" smtClean="0"/>
-              <a:t>12.11.2020</a:t>
+              <a:t>24.02.2021</a:t>
             </a:fld>
             <a:endParaRPr lang="pl-PL"/>
           </a:p>
@@ -16377,6 +16490,633 @@
 </file>
 
 <file path=ppt/slides/slide10.xml><?xml version="1.0" encoding="utf-8"?>
+<p:sld xmlns:a="http://schemas.openxmlformats.org/drawingml/2006/main" xmlns:r="http://schemas.openxmlformats.org/officeDocument/2006/relationships" xmlns:p="http://schemas.openxmlformats.org/presentationml/2006/main">
+  <p:cSld>
+    <p:spTree>
+      <p:nvGrpSpPr>
+        <p:cNvPr id="1" name=""/>
+        <p:cNvGrpSpPr/>
+        <p:nvPr/>
+      </p:nvGrpSpPr>
+      <p:grpSpPr>
+        <a:xfrm>
+          <a:off x="0" y="0"/>
+          <a:ext cx="0" cy="0"/>
+          <a:chOff x="0" y="0"/>
+          <a:chExt cx="0" cy="0"/>
+        </a:xfrm>
+      </p:grpSpPr>
+      <p:sp>
+        <p:nvSpPr>
+          <p:cNvPr id="2" name="Title 1">
+            <a:extLst>
+              <a:ext uri="{FF2B5EF4-FFF2-40B4-BE49-F238E27FC236}">
+                <a16:creationId xmlns:a16="http://schemas.microsoft.com/office/drawing/2014/main" id="{AFE3B5B6-E517-4B1B-BE1D-1CC09524561F}"/>
+              </a:ext>
+            </a:extLst>
+          </p:cNvPr>
+          <p:cNvSpPr>
+            <a:spLocks noGrp="1"/>
+          </p:cNvSpPr>
+          <p:nvPr>
+            <p:ph type="title"/>
+          </p:nvPr>
+        </p:nvSpPr>
+        <p:spPr/>
+        <p:txBody>
+          <a:bodyPr/>
+          <a:lstStyle/>
+          <a:p>
+            <a:r>
+              <a:rPr lang="pl-PL" dirty="0"/>
+              <a:t>Pipes-przykłady</a:t>
+            </a:r>
+          </a:p>
+        </p:txBody>
+      </p:sp>
+      <p:sp>
+        <p:nvSpPr>
+          <p:cNvPr id="3" name="Content Placeholder 2">
+            <a:extLst>
+              <a:ext uri="{FF2B5EF4-FFF2-40B4-BE49-F238E27FC236}">
+                <a16:creationId xmlns:a16="http://schemas.microsoft.com/office/drawing/2014/main" id="{62D6AC99-FE43-46BF-9744-34AF76CBEEDC}"/>
+              </a:ext>
+            </a:extLst>
+          </p:cNvPr>
+          <p:cNvSpPr>
+            <a:spLocks noGrp="1"/>
+          </p:cNvSpPr>
+          <p:nvPr>
+            <p:ph idx="1"/>
+          </p:nvPr>
+        </p:nvSpPr>
+        <p:spPr/>
+        <p:txBody>
+          <a:bodyPr/>
+          <a:lstStyle/>
+          <a:p>
+            <a:pPr marL="0" indent="0">
+              <a:buNone/>
+            </a:pPr>
+            <a:r>
+              <a:rPr lang="pl-PL" dirty="0"/>
+              <a:t>{{pageTitle </a:t>
+            </a:r>
+            <a:r>
+              <a:rPr lang="pl-PL" dirty="0">
+                <a:solidFill>
+                  <a:srgbClr val="FF0000"/>
+                </a:solidFill>
+              </a:rPr>
+              <a:t>| lowercase</a:t>
+            </a:r>
+            <a:r>
+              <a:rPr lang="pl-PL" dirty="0"/>
+              <a:t>}}</a:t>
+            </a:r>
+          </a:p>
+          <a:p>
+            <a:pPr marL="0" indent="0">
+              <a:buNone/>
+            </a:pPr>
+            <a:r>
+              <a:rPr lang="pl-PL" dirty="0">
+                <a:solidFill>
+                  <a:schemeClr val="accent2">
+                    <a:lumMod val="75000"/>
+                  </a:schemeClr>
+                </a:solidFill>
+              </a:rPr>
+              <a:t>&lt;img</a:t>
+            </a:r>
+            <a:r>
+              <a:rPr lang="pl-PL" dirty="0"/>
+              <a:t> [</a:t>
+            </a:r>
+            <a:r>
+              <a:rPr lang="pl-PL" dirty="0" err="1"/>
+              <a:t>src</a:t>
+            </a:r>
+            <a:r>
+              <a:rPr lang="pl-PL" dirty="0"/>
+              <a:t>]=‘</a:t>
+            </a:r>
+            <a:r>
+              <a:rPr lang="pl-PL" dirty="0" err="1"/>
+              <a:t>hero.Name</a:t>
+            </a:r>
+            <a:r>
+              <a:rPr lang="pl-PL" dirty="0">
+                <a:solidFill>
+                  <a:srgbClr val="FF0000"/>
+                </a:solidFill>
+              </a:rPr>
+              <a:t> | uppercase</a:t>
+            </a:r>
+            <a:r>
+              <a:rPr lang="pl-PL" dirty="0"/>
+              <a:t>’ </a:t>
+            </a:r>
+            <a:r>
+              <a:rPr lang="pl-PL" dirty="0">
+                <a:solidFill>
+                  <a:schemeClr val="accent2">
+                    <a:lumMod val="75000"/>
+                  </a:schemeClr>
+                </a:solidFill>
+              </a:rPr>
+              <a:t>&gt;</a:t>
+            </a:r>
+          </a:p>
+          <a:p>
+            <a:pPr marL="0" indent="0">
+              <a:buNone/>
+            </a:pPr>
+            <a:r>
+              <a:rPr lang="pl-PL" dirty="0"/>
+              <a:t>{{</a:t>
+            </a:r>
+            <a:r>
+              <a:rPr lang="pl-PL" dirty="0" err="1"/>
+              <a:t>hero.Price</a:t>
+            </a:r>
+            <a:r>
+              <a:rPr lang="pl-PL" dirty="0"/>
+              <a:t> </a:t>
+            </a:r>
+            <a:r>
+              <a:rPr lang="pl-PL" dirty="0">
+                <a:solidFill>
+                  <a:srgbClr val="FF0000"/>
+                </a:solidFill>
+              </a:rPr>
+              <a:t>| currency | lowercase</a:t>
+            </a:r>
+            <a:r>
+              <a:rPr lang="pl-PL" dirty="0"/>
+              <a:t>}}</a:t>
+            </a:r>
+          </a:p>
+          <a:p>
+            <a:pPr marL="0" indent="0">
+              <a:buNone/>
+            </a:pPr>
+            <a:r>
+              <a:rPr lang="pl-PL" dirty="0"/>
+              <a:t>{{</a:t>
+            </a:r>
+            <a:r>
+              <a:rPr lang="pl-PL" dirty="0" err="1"/>
+              <a:t>hero.Price</a:t>
+            </a:r>
+            <a:r>
+              <a:rPr lang="pl-PL" dirty="0"/>
+              <a:t> </a:t>
+            </a:r>
+            <a:r>
+              <a:rPr lang="pl-PL" dirty="0">
+                <a:solidFill>
+                  <a:srgbClr val="FF0000"/>
+                </a:solidFill>
+              </a:rPr>
+              <a:t>| </a:t>
+            </a:r>
+            <a:r>
+              <a:rPr lang="pl-PL" dirty="0" err="1">
+                <a:solidFill>
+                  <a:srgbClr val="FF0000"/>
+                </a:solidFill>
+              </a:rPr>
+              <a:t>currency</a:t>
+            </a:r>
+            <a:r>
+              <a:rPr lang="pl-PL" dirty="0">
+                <a:solidFill>
+                  <a:srgbClr val="FF0000"/>
+                </a:solidFill>
+              </a:rPr>
+              <a:t> :"USD":"symbol":"1.2-2":"en-US"</a:t>
+            </a:r>
+            <a:r>
+              <a:rPr lang="pl-PL" dirty="0"/>
+              <a:t>}}</a:t>
+            </a:r>
+          </a:p>
+          <a:p>
+            <a:pPr marL="0" indent="0">
+              <a:buNone/>
+            </a:pPr>
+            <a:endParaRPr lang="pl-PL" dirty="0"/>
+          </a:p>
+        </p:txBody>
+      </p:sp>
+      <p:sp>
+        <p:nvSpPr>
+          <p:cNvPr id="4" name="Objaśnienie liniowe 1 (obramowanie i kreska) 3">
+            <a:extLst>
+              <a:ext uri="{FF2B5EF4-FFF2-40B4-BE49-F238E27FC236}">
+                <a16:creationId xmlns:a16="http://schemas.microsoft.com/office/drawing/2014/main" id="{167D2776-0643-4739-9385-9CA52BF8086E}"/>
+              </a:ext>
+            </a:extLst>
+          </p:cNvPr>
+          <p:cNvSpPr/>
+          <p:nvPr/>
+        </p:nvSpPr>
+        <p:spPr>
+          <a:xfrm>
+            <a:off x="2888672" y="4395695"/>
+            <a:ext cx="5387454" cy="936104"/>
+          </a:xfrm>
+          <a:prstGeom prst="accentBorderCallout1">
+            <a:avLst>
+              <a:gd name="adj1" fmla="val 20970"/>
+              <a:gd name="adj2" fmla="val 102954"/>
+              <a:gd name="adj3" fmla="val -73522"/>
+              <a:gd name="adj4" fmla="val 92575"/>
+            </a:avLst>
+          </a:prstGeom>
+        </p:spPr>
+        <p:style>
+          <a:lnRef idx="2">
+            <a:schemeClr val="accent2">
+              <a:shade val="50000"/>
+            </a:schemeClr>
+          </a:lnRef>
+          <a:fillRef idx="1">
+            <a:schemeClr val="accent2"/>
+          </a:fillRef>
+          <a:effectRef idx="0">
+            <a:schemeClr val="accent2"/>
+          </a:effectRef>
+          <a:fontRef idx="minor">
+            <a:schemeClr val="lt1"/>
+          </a:fontRef>
+        </p:style>
+        <p:txBody>
+          <a:bodyPr rtlCol="0" anchor="ctr"/>
+          <a:lstStyle/>
+          <a:p>
+            <a:pPr algn="ctr"/>
+            <a:r>
+              <a:rPr lang="pl-PL" dirty="0"/>
+              <a:t>“</a:t>
+            </a:r>
+            <a:r>
+              <a:rPr lang="pl-PL" dirty="0" err="1"/>
+              <a:t>numberOfInteger:minimumFractions-maxFractions</a:t>
+            </a:r>
+            <a:r>
+              <a:rPr lang="pl-PL" dirty="0"/>
+              <a:t>”</a:t>
+            </a:r>
+            <a:endParaRPr lang="pl-PL" sz="2400" dirty="0"/>
+          </a:p>
+        </p:txBody>
+      </p:sp>
+    </p:spTree>
+    <p:extLst>
+      <p:ext uri="{BB962C8B-B14F-4D97-AF65-F5344CB8AC3E}">
+        <p14:creationId xmlns:p14="http://schemas.microsoft.com/office/powerpoint/2010/main" val="2597913285"/>
+      </p:ext>
+    </p:extLst>
+  </p:cSld>
+  <p:clrMapOvr>
+    <a:masterClrMapping/>
+  </p:clrMapOvr>
+  <p:timing>
+    <p:tnLst>
+      <p:par>
+        <p:cTn id="1" dur="indefinite" restart="never" nodeType="tmRoot">
+          <p:childTnLst>
+            <p:seq concurrent="1" nextAc="seek">
+              <p:cTn id="2" dur="indefinite" nodeType="mainSeq">
+                <p:childTnLst>
+                  <p:par>
+                    <p:cTn id="3" fill="hold">
+                      <p:stCondLst>
+                        <p:cond delay="indefinite"/>
+                      </p:stCondLst>
+                      <p:childTnLst>
+                        <p:par>
+                          <p:cTn id="4" fill="hold">
+                            <p:stCondLst>
+                              <p:cond delay="0"/>
+                            </p:stCondLst>
+                            <p:childTnLst>
+                              <p:par>
+                                <p:cTn id="5" presetID="10" presetClass="entr" presetSubtype="0" fill="hold" nodeType="clickEffect">
+                                  <p:stCondLst>
+                                    <p:cond delay="0"/>
+                                  </p:stCondLst>
+                                  <p:childTnLst>
+                                    <p:set>
+                                      <p:cBhvr>
+                                        <p:cTn id="6" dur="1" fill="hold">
+                                          <p:stCondLst>
+                                            <p:cond delay="0"/>
+                                          </p:stCondLst>
+                                        </p:cTn>
+                                        <p:tgtEl>
+                                          <p:spTgt spid="3">
+                                            <p:txEl>
+                                              <p:pRg st="0" end="0"/>
+                                            </p:txEl>
+                                          </p:spTgt>
+                                        </p:tgtEl>
+                                        <p:attrNameLst>
+                                          <p:attrName>style.visibility</p:attrName>
+                                        </p:attrNameLst>
+                                      </p:cBhvr>
+                                      <p:to>
+                                        <p:strVal val="visible"/>
+                                      </p:to>
+                                    </p:set>
+                                    <p:animEffect transition="in" filter="fade">
+                                      <p:cBhvr>
+                                        <p:cTn id="7" dur="500"/>
+                                        <p:tgtEl>
+                                          <p:spTgt spid="3">
+                                            <p:txEl>
+                                              <p:pRg st="0" end="0"/>
+                                            </p:txEl>
+                                          </p:spTgt>
+                                        </p:tgtEl>
+                                      </p:cBhvr>
+                                    </p:animEffect>
+                                  </p:childTnLst>
+                                </p:cTn>
+                              </p:par>
+                            </p:childTnLst>
+                          </p:cTn>
+                        </p:par>
+                      </p:childTnLst>
+                    </p:cTn>
+                  </p:par>
+                  <p:par>
+                    <p:cTn id="8" fill="hold">
+                      <p:stCondLst>
+                        <p:cond delay="indefinite"/>
+                      </p:stCondLst>
+                      <p:childTnLst>
+                        <p:par>
+                          <p:cTn id="9" fill="hold">
+                            <p:stCondLst>
+                              <p:cond delay="0"/>
+                            </p:stCondLst>
+                            <p:childTnLst>
+                              <p:par>
+                                <p:cTn id="10" presetID="10" presetClass="entr" presetSubtype="0" fill="hold" nodeType="clickEffect">
+                                  <p:stCondLst>
+                                    <p:cond delay="0"/>
+                                  </p:stCondLst>
+                                  <p:childTnLst>
+                                    <p:set>
+                                      <p:cBhvr>
+                                        <p:cTn id="11" dur="1" fill="hold">
+                                          <p:stCondLst>
+                                            <p:cond delay="0"/>
+                                          </p:stCondLst>
+                                        </p:cTn>
+                                        <p:tgtEl>
+                                          <p:spTgt spid="3">
+                                            <p:txEl>
+                                              <p:pRg st="1" end="1"/>
+                                            </p:txEl>
+                                          </p:spTgt>
+                                        </p:tgtEl>
+                                        <p:attrNameLst>
+                                          <p:attrName>style.visibility</p:attrName>
+                                        </p:attrNameLst>
+                                      </p:cBhvr>
+                                      <p:to>
+                                        <p:strVal val="visible"/>
+                                      </p:to>
+                                    </p:set>
+                                    <p:animEffect transition="in" filter="fade">
+                                      <p:cBhvr>
+                                        <p:cTn id="12" dur="500"/>
+                                        <p:tgtEl>
+                                          <p:spTgt spid="3">
+                                            <p:txEl>
+                                              <p:pRg st="1" end="1"/>
+                                            </p:txEl>
+                                          </p:spTgt>
+                                        </p:tgtEl>
+                                      </p:cBhvr>
+                                    </p:animEffect>
+                                  </p:childTnLst>
+                                </p:cTn>
+                              </p:par>
+                            </p:childTnLst>
+                          </p:cTn>
+                        </p:par>
+                      </p:childTnLst>
+                    </p:cTn>
+                  </p:par>
+                  <p:par>
+                    <p:cTn id="13" fill="hold">
+                      <p:stCondLst>
+                        <p:cond delay="indefinite"/>
+                      </p:stCondLst>
+                      <p:childTnLst>
+                        <p:par>
+                          <p:cTn id="14" fill="hold">
+                            <p:stCondLst>
+                              <p:cond delay="0"/>
+                            </p:stCondLst>
+                            <p:childTnLst>
+                              <p:par>
+                                <p:cTn id="15" presetID="10" presetClass="entr" presetSubtype="0" fill="hold" nodeType="clickEffect">
+                                  <p:stCondLst>
+                                    <p:cond delay="0"/>
+                                  </p:stCondLst>
+                                  <p:childTnLst>
+                                    <p:set>
+                                      <p:cBhvr>
+                                        <p:cTn id="16" dur="1" fill="hold">
+                                          <p:stCondLst>
+                                            <p:cond delay="0"/>
+                                          </p:stCondLst>
+                                        </p:cTn>
+                                        <p:tgtEl>
+                                          <p:spTgt spid="3">
+                                            <p:txEl>
+                                              <p:pRg st="2" end="2"/>
+                                            </p:txEl>
+                                          </p:spTgt>
+                                        </p:tgtEl>
+                                        <p:attrNameLst>
+                                          <p:attrName>style.visibility</p:attrName>
+                                        </p:attrNameLst>
+                                      </p:cBhvr>
+                                      <p:to>
+                                        <p:strVal val="visible"/>
+                                      </p:to>
+                                    </p:set>
+                                    <p:animEffect transition="in" filter="fade">
+                                      <p:cBhvr>
+                                        <p:cTn id="17" dur="500"/>
+                                        <p:tgtEl>
+                                          <p:spTgt spid="3">
+                                            <p:txEl>
+                                              <p:pRg st="2" end="2"/>
+                                            </p:txEl>
+                                          </p:spTgt>
+                                        </p:tgtEl>
+                                      </p:cBhvr>
+                                    </p:animEffect>
+                                  </p:childTnLst>
+                                </p:cTn>
+                              </p:par>
+                            </p:childTnLst>
+                          </p:cTn>
+                        </p:par>
+                      </p:childTnLst>
+                    </p:cTn>
+                  </p:par>
+                  <p:par>
+                    <p:cTn id="18" fill="hold">
+                      <p:stCondLst>
+                        <p:cond delay="indefinite"/>
+                      </p:stCondLst>
+                      <p:childTnLst>
+                        <p:par>
+                          <p:cTn id="19" fill="hold">
+                            <p:stCondLst>
+                              <p:cond delay="0"/>
+                            </p:stCondLst>
+                            <p:childTnLst>
+                              <p:par>
+                                <p:cTn id="20" presetID="10" presetClass="entr" presetSubtype="0" fill="hold" nodeType="clickEffect">
+                                  <p:stCondLst>
+                                    <p:cond delay="0"/>
+                                  </p:stCondLst>
+                                  <p:childTnLst>
+                                    <p:set>
+                                      <p:cBhvr>
+                                        <p:cTn id="21" dur="1" fill="hold">
+                                          <p:stCondLst>
+                                            <p:cond delay="0"/>
+                                          </p:stCondLst>
+                                        </p:cTn>
+                                        <p:tgtEl>
+                                          <p:spTgt spid="3">
+                                            <p:txEl>
+                                              <p:pRg st="3" end="3"/>
+                                            </p:txEl>
+                                          </p:spTgt>
+                                        </p:tgtEl>
+                                        <p:attrNameLst>
+                                          <p:attrName>style.visibility</p:attrName>
+                                        </p:attrNameLst>
+                                      </p:cBhvr>
+                                      <p:to>
+                                        <p:strVal val="visible"/>
+                                      </p:to>
+                                    </p:set>
+                                    <p:animEffect transition="in" filter="fade">
+                                      <p:cBhvr>
+                                        <p:cTn id="22" dur="500"/>
+                                        <p:tgtEl>
+                                          <p:spTgt spid="3">
+                                            <p:txEl>
+                                              <p:pRg st="3" end="3"/>
+                                            </p:txEl>
+                                          </p:spTgt>
+                                        </p:tgtEl>
+                                      </p:cBhvr>
+                                    </p:animEffect>
+                                  </p:childTnLst>
+                                </p:cTn>
+                              </p:par>
+                            </p:childTnLst>
+                          </p:cTn>
+                        </p:par>
+                      </p:childTnLst>
+                    </p:cTn>
+                  </p:par>
+                  <p:par>
+                    <p:cTn id="23" fill="hold">
+                      <p:stCondLst>
+                        <p:cond delay="indefinite"/>
+                      </p:stCondLst>
+                      <p:childTnLst>
+                        <p:par>
+                          <p:cTn id="24" fill="hold">
+                            <p:stCondLst>
+                              <p:cond delay="0"/>
+                            </p:stCondLst>
+                            <p:childTnLst>
+                              <p:par>
+                                <p:cTn id="25" presetID="10" presetClass="entr" presetSubtype="0" fill="hold" grpId="0" nodeType="clickEffect">
+                                  <p:stCondLst>
+                                    <p:cond delay="0"/>
+                                  </p:stCondLst>
+                                  <p:childTnLst>
+                                    <p:set>
+                                      <p:cBhvr>
+                                        <p:cTn id="26" dur="1" fill="hold">
+                                          <p:stCondLst>
+                                            <p:cond delay="0"/>
+                                          </p:stCondLst>
+                                        </p:cTn>
+                                        <p:tgtEl>
+                                          <p:spTgt spid="4"/>
+                                        </p:tgtEl>
+                                        <p:attrNameLst>
+                                          <p:attrName>style.visibility</p:attrName>
+                                        </p:attrNameLst>
+                                      </p:cBhvr>
+                                      <p:to>
+                                        <p:strVal val="visible"/>
+                                      </p:to>
+                                    </p:set>
+                                    <p:animEffect transition="in" filter="fade">
+                                      <p:cBhvr>
+                                        <p:cTn id="27" dur="500"/>
+                                        <p:tgtEl>
+                                          <p:spTgt spid="4"/>
+                                        </p:tgtEl>
+                                      </p:cBhvr>
+                                    </p:animEffect>
+                                  </p:childTnLst>
+                                </p:cTn>
+                              </p:par>
+                            </p:childTnLst>
+                          </p:cTn>
+                        </p:par>
+                      </p:childTnLst>
+                    </p:cTn>
+                  </p:par>
+                </p:childTnLst>
+              </p:cTn>
+              <p:prevCondLst>
+                <p:cond evt="onPrev" delay="0">
+                  <p:tgtEl>
+                    <p:sldTgt/>
+                  </p:tgtEl>
+                </p:cond>
+              </p:prevCondLst>
+              <p:nextCondLst>
+                <p:cond evt="onNext" delay="0">
+                  <p:tgtEl>
+                    <p:sldTgt/>
+                  </p:tgtEl>
+                </p:cond>
+              </p:nextCondLst>
+            </p:seq>
+          </p:childTnLst>
+        </p:cTn>
+      </p:par>
+    </p:tnLst>
+    <p:bldLst>
+      <p:bldP spid="4" grpId="0" animBg="1"/>
+    </p:bldLst>
+  </p:timing>
+</p:sld>
+</file>
+
+<file path=ppt/slides/slide11.xml><?xml version="1.0" encoding="utf-8"?>
 <p:sld xmlns:a="http://schemas.openxmlformats.org/drawingml/2006/main" xmlns:r="http://schemas.openxmlformats.org/officeDocument/2006/relationships" xmlns:p="http://schemas.openxmlformats.org/presentationml/2006/main">
   <p:cSld>
     <p:spTree>
@@ -17080,7 +17820,7 @@
 </p:sld>
 </file>
 
-<file path=ppt/slides/slide11.xml><?xml version="1.0" encoding="utf-8"?>
+<file path=ppt/slides/slide12.xml><?xml version="1.0" encoding="utf-8"?>
 <p:sld xmlns:a="http://schemas.openxmlformats.org/drawingml/2006/main" xmlns:r="http://schemas.openxmlformats.org/officeDocument/2006/relationships" xmlns:p="http://schemas.openxmlformats.org/presentationml/2006/main">
   <p:cSld>
     <p:bg>
@@ -17427,7 +18167,7 @@
 </p:sld>
 </file>
 
-<file path=ppt/slides/slide12.xml><?xml version="1.0" encoding="utf-8"?>
+<file path=ppt/slides/slide13.xml><?xml version="1.0" encoding="utf-8"?>
 <p:sld xmlns:a="http://schemas.openxmlformats.org/drawingml/2006/main" xmlns:r="http://schemas.openxmlformats.org/officeDocument/2006/relationships" xmlns:p="http://schemas.openxmlformats.org/presentationml/2006/main">
   <p:cSld>
     <p:spTree>
@@ -17962,7 +18702,7 @@
 </p:sld>
 </file>
 
-<file path=ppt/slides/slide13.xml><?xml version="1.0" encoding="utf-8"?>
+<file path=ppt/slides/slide14.xml><?xml version="1.0" encoding="utf-8"?>
 <p:sld xmlns:a="http://schemas.openxmlformats.org/drawingml/2006/main" xmlns:r="http://schemas.openxmlformats.org/officeDocument/2006/relationships" xmlns:p="http://schemas.openxmlformats.org/presentationml/2006/main">
   <p:cSld>
     <p:bg>
@@ -18441,7 +19181,7 @@
 </p:sld>
 </file>
 
-<file path=ppt/slides/slide14.xml><?xml version="1.0" encoding="utf-8"?>
+<file path=ppt/slides/slide15.xml><?xml version="1.0" encoding="utf-8"?>
 <p:sld xmlns:a="http://schemas.openxmlformats.org/drawingml/2006/main" xmlns:r="http://schemas.openxmlformats.org/officeDocument/2006/relationships" xmlns:p="http://schemas.openxmlformats.org/presentationml/2006/main">
   <p:cSld>
     <p:spTree>
@@ -18625,11 +19365,27 @@
             </a:r>
             <a:r>
               <a:rPr lang="pl-PL" dirty="0" err="1"/>
-              <a:t>calculateDiscount</a:t>
+              <a:t>changeName</a:t>
             </a:r>
             <a:r>
               <a:rPr lang="pl-PL" dirty="0"/>
-              <a:t>(percent:</a:t>
+              <a:t>(</a:t>
+            </a:r>
+            <a:r>
+              <a:rPr lang="pl-PL" dirty="0" err="1"/>
+              <a:t>name:</a:t>
+            </a:r>
+            <a:r>
+              <a:rPr lang="pl-PL" dirty="0" err="1">
+                <a:solidFill>
+                  <a:schemeClr val="accent1"/>
+                </a:solidFill>
+              </a:rPr>
+              <a:t>string</a:t>
+            </a:r>
+            <a:r>
+              <a:rPr lang="pl-PL" dirty="0"/>
+              <a:t>):</a:t>
             </a:r>
             <a:r>
               <a:rPr lang="pl-PL" dirty="0">
@@ -18637,19 +19393,7 @@
                   <a:schemeClr val="accent1"/>
                 </a:solidFill>
               </a:rPr>
-              <a:t>number</a:t>
-            </a:r>
-            <a:r>
-              <a:rPr lang="pl-PL" dirty="0"/>
-              <a:t>):</a:t>
-            </a:r>
-            <a:r>
-              <a:rPr lang="pl-PL" dirty="0">
-                <a:solidFill>
-                  <a:schemeClr val="accent1"/>
-                </a:solidFill>
-              </a:rPr>
-              <a:t>number</a:t>
+              <a:t>string</a:t>
             </a:r>
             <a:r>
               <a:rPr lang="pl-PL" dirty="0"/>
@@ -18680,7 +19424,7 @@
 </p:sld>
 </file>
 
-<file path=ppt/slides/slide15.xml><?xml version="1.0" encoding="utf-8"?>
+<file path=ppt/slides/slide16.xml><?xml version="1.0" encoding="utf-8"?>
 <p:sld xmlns:a="http://schemas.openxmlformats.org/drawingml/2006/main" xmlns:r="http://schemas.openxmlformats.org/officeDocument/2006/relationships" xmlns:p="http://schemas.openxmlformats.org/presentationml/2006/main">
   <p:cSld>
     <p:spTree>
@@ -18834,7 +19578,7 @@
             </a:r>
             <a:r>
               <a:rPr lang="pl-PL" dirty="0" err="1"/>
-              <a:t>products:</a:t>
+              <a:t>heroes:</a:t>
             </a:r>
             <a:r>
               <a:rPr lang="pl-PL" dirty="0" err="1">
@@ -18881,7 +19625,7 @@
 </p:sld>
 </file>
 
-<file path=ppt/slides/slide16.xml><?xml version="1.0" encoding="utf-8"?>
+<file path=ppt/slides/slide17.xml><?xml version="1.0" encoding="utf-8"?>
 <p:sld xmlns:a="http://schemas.openxmlformats.org/drawingml/2006/main" xmlns:r="http://schemas.openxmlformats.org/officeDocument/2006/relationships" xmlns:p="http://schemas.openxmlformats.org/presentationml/2006/main">
   <p:cSld>
     <p:spTree>
@@ -20428,7 +21172,7 @@
 </p:sld>
 </file>
 
-<file path=ppt/slides/slide17.xml><?xml version="1.0" encoding="utf-8"?>
+<file path=ppt/slides/slide18.xml><?xml version="1.0" encoding="utf-8"?>
 <p:sld xmlns:a="http://schemas.openxmlformats.org/drawingml/2006/main" xmlns:r="http://schemas.openxmlformats.org/officeDocument/2006/relationships" xmlns:p="http://schemas.openxmlformats.org/presentationml/2006/main">
   <p:cSld>
     <p:spTree>
@@ -20513,7 +21257,7 @@
 </p:sld>
 </file>
 
-<file path=ppt/slides/slide18.xml><?xml version="1.0" encoding="utf-8"?>
+<file path=ppt/slides/slide19.xml><?xml version="1.0" encoding="utf-8"?>
 <p:sld xmlns:a="http://schemas.openxmlformats.org/drawingml/2006/main" xmlns:r="http://schemas.openxmlformats.org/officeDocument/2006/relationships" xmlns:p="http://schemas.openxmlformats.org/presentationml/2006/main">
   <p:cSld>
     <p:spTree>
@@ -20589,226 +21333,6 @@
     <p:extLst>
       <p:ext uri="{BB962C8B-B14F-4D97-AF65-F5344CB8AC3E}">
         <p14:creationId xmlns:p14="http://schemas.microsoft.com/office/powerpoint/2010/main" val="93242477"/>
-      </p:ext>
-    </p:extLst>
-  </p:cSld>
-  <p:clrMapOvr>
-    <a:masterClrMapping/>
-  </p:clrMapOvr>
-</p:sld>
-</file>
-
-<file path=ppt/slides/slide19.xml><?xml version="1.0" encoding="utf-8"?>
-<p:sld xmlns:a="http://schemas.openxmlformats.org/drawingml/2006/main" xmlns:r="http://schemas.openxmlformats.org/officeDocument/2006/relationships" xmlns:p="http://schemas.openxmlformats.org/presentationml/2006/main">
-  <p:cSld>
-    <p:spTree>
-      <p:nvGrpSpPr>
-        <p:cNvPr id="1" name=""/>
-        <p:cNvGrpSpPr/>
-        <p:nvPr/>
-      </p:nvGrpSpPr>
-      <p:grpSpPr>
-        <a:xfrm>
-          <a:off x="0" y="0"/>
-          <a:ext cx="0" cy="0"/>
-          <a:chOff x="0" y="0"/>
-          <a:chExt cx="0" cy="0"/>
-        </a:xfrm>
-      </p:grpSpPr>
-      <p:sp>
-        <p:nvSpPr>
-          <p:cNvPr id="2" name="Title 1">
-            <a:extLst>
-              <a:ext uri="{FF2B5EF4-FFF2-40B4-BE49-F238E27FC236}">
-                <a16:creationId xmlns:a16="http://schemas.microsoft.com/office/drawing/2014/main" id="{91393811-68C4-4746-98C0-688A61F6F9FB}"/>
-              </a:ext>
-            </a:extLst>
-          </p:cNvPr>
-          <p:cNvSpPr>
-            <a:spLocks noGrp="1"/>
-          </p:cNvSpPr>
-          <p:nvPr>
-            <p:ph type="title"/>
-          </p:nvPr>
-        </p:nvSpPr>
-        <p:spPr/>
-        <p:txBody>
-          <a:bodyPr/>
-          <a:lstStyle/>
-          <a:p>
-            <a:r>
-              <a:rPr lang="pl-PL" dirty="0"/>
-              <a:t>Użycie uchwytu</a:t>
-            </a:r>
-          </a:p>
-        </p:txBody>
-      </p:sp>
-      <p:sp>
-        <p:nvSpPr>
-          <p:cNvPr id="3" name="Content Placeholder 2">
-            <a:extLst>
-              <a:ext uri="{FF2B5EF4-FFF2-40B4-BE49-F238E27FC236}">
-                <a16:creationId xmlns:a16="http://schemas.microsoft.com/office/drawing/2014/main" id="{F937B6C0-DE42-4B79-8975-856BF8FD4C82}"/>
-              </a:ext>
-            </a:extLst>
-          </p:cNvPr>
-          <p:cNvSpPr>
-            <a:spLocks noGrp="1"/>
-          </p:cNvSpPr>
-          <p:nvPr>
-            <p:ph idx="1"/>
-          </p:nvPr>
-        </p:nvSpPr>
-        <p:spPr/>
-        <p:txBody>
-          <a:bodyPr>
-            <a:normAutofit/>
-          </a:bodyPr>
-          <a:lstStyle/>
-          <a:p>
-            <a:pPr marL="0" indent="0">
-              <a:buNone/>
-            </a:pPr>
-            <a:r>
-              <a:rPr lang="pl-PL" altLang="pl-PL" dirty="0">
-                <a:solidFill>
-                  <a:schemeClr val="accent1"/>
-                </a:solidFill>
-              </a:rPr>
-              <a:t>import</a:t>
-            </a:r>
-            <a:r>
-              <a:rPr lang="pl-PL" altLang="pl-PL" dirty="0"/>
-              <a:t> {Component, OnInit} </a:t>
-            </a:r>
-            <a:r>
-              <a:rPr lang="pl-PL" altLang="pl-PL" dirty="0">
-                <a:solidFill>
-                  <a:schemeClr val="accent1"/>
-                </a:solidFill>
-              </a:rPr>
-              <a:t>from</a:t>
-            </a:r>
-            <a:r>
-              <a:rPr lang="pl-PL" altLang="pl-PL" dirty="0"/>
-              <a:t> ’@angular/core’</a:t>
-            </a:r>
-          </a:p>
-          <a:p>
-            <a:pPr marL="0" indent="0">
-              <a:buNone/>
-            </a:pPr>
-            <a:r>
-              <a:rPr lang="pl-PL" altLang="pl-PL" dirty="0">
-                <a:solidFill>
-                  <a:schemeClr val="accent1"/>
-                </a:solidFill>
-              </a:rPr>
-              <a:t>export class</a:t>
-            </a:r>
-            <a:r>
-              <a:rPr lang="pl-PL" altLang="pl-PL" dirty="0"/>
-              <a:t> PeekABoo </a:t>
-            </a:r>
-            <a:r>
-              <a:rPr lang="pl-PL" altLang="pl-PL" dirty="0" err="1">
-                <a:solidFill>
-                  <a:schemeClr val="accent6"/>
-                </a:solidFill>
-              </a:rPr>
-              <a:t>implements</a:t>
-            </a:r>
-            <a:r>
-              <a:rPr lang="pl-PL" altLang="pl-PL" dirty="0"/>
-              <a:t> </a:t>
-            </a:r>
-            <a:r>
-              <a:rPr lang="pl-PL" altLang="pl-PL" dirty="0" err="1">
-                <a:hlinkClick r:id="rId3"/>
-              </a:rPr>
-              <a:t>OnInit</a:t>
-            </a:r>
-            <a:r>
-              <a:rPr lang="pl-PL" altLang="pl-PL" sz="2400" dirty="0"/>
-              <a:t> </a:t>
-            </a:r>
-          </a:p>
-          <a:p>
-            <a:pPr marL="0" indent="0">
-              <a:buNone/>
-            </a:pPr>
-            <a:r>
-              <a:rPr lang="pl-PL" altLang="pl-PL" sz="2800" dirty="0"/>
-              <a:t>{ </a:t>
-            </a:r>
-          </a:p>
-          <a:p>
-            <a:pPr marL="914400" lvl="2" indent="0">
-              <a:buNone/>
-            </a:pPr>
-            <a:r>
-              <a:rPr lang="pl-PL" altLang="pl-PL" sz="2800" dirty="0"/>
-              <a:t>constructor() { }</a:t>
-            </a:r>
-          </a:p>
-          <a:p>
-            <a:pPr marL="914400" lvl="2" indent="0">
-              <a:buNone/>
-            </a:pPr>
-            <a:endParaRPr lang="pl-PL" altLang="pl-PL" sz="2800" dirty="0"/>
-          </a:p>
-          <a:p>
-            <a:pPr marL="914400" lvl="2" indent="0">
-              <a:buNone/>
-            </a:pPr>
-            <a:r>
-              <a:rPr lang="pl-PL" altLang="pl-PL" sz="2800" dirty="0"/>
-              <a:t>ngOnInit() {</a:t>
-            </a:r>
-          </a:p>
-          <a:p>
-            <a:pPr marL="914400" lvl="2" indent="0">
-              <a:buNone/>
-            </a:pPr>
-            <a:r>
-              <a:rPr lang="pl-PL" altLang="pl-PL" sz="2800" dirty="0"/>
-              <a:t> 	console.log(`</a:t>
-            </a:r>
-            <a:r>
-              <a:rPr lang="pl-PL" altLang="pl-PL" sz="2800" dirty="0">
-                <a:hlinkClick r:id="rId3"/>
-              </a:rPr>
-              <a:t>OnInit</a:t>
-            </a:r>
-            <a:r>
-              <a:rPr lang="pl-PL" altLang="pl-PL" sz="2800" dirty="0"/>
-              <a:t>`); </a:t>
-            </a:r>
-          </a:p>
-          <a:p>
-            <a:pPr marL="457200" lvl="1" indent="0">
-              <a:buNone/>
-            </a:pPr>
-            <a:r>
-              <a:rPr lang="pl-PL" altLang="pl-PL" sz="2800" dirty="0"/>
-              <a:t>	} </a:t>
-            </a:r>
-          </a:p>
-          <a:p>
-            <a:pPr marL="0" indent="0">
-              <a:buNone/>
-            </a:pPr>
-            <a:r>
-              <a:rPr lang="pl-PL" dirty="0"/>
-              <a:t>}</a:t>
-            </a:r>
-          </a:p>
-        </p:txBody>
-      </p:sp>
-    </p:spTree>
-    <p:extLst>
-      <p:ext uri="{BB962C8B-B14F-4D97-AF65-F5344CB8AC3E}">
-        <p14:creationId xmlns:p14="http://schemas.microsoft.com/office/powerpoint/2010/main" val="2857600440"/>
       </p:ext>
     </p:extLst>
   </p:cSld>
@@ -21203,6 +21727,242 @@
           <p:cNvPr id="2" name="Title 1">
             <a:extLst>
               <a:ext uri="{FF2B5EF4-FFF2-40B4-BE49-F238E27FC236}">
+                <a16:creationId xmlns:a16="http://schemas.microsoft.com/office/drawing/2014/main" id="{91393811-68C4-4746-98C0-688A61F6F9FB}"/>
+              </a:ext>
+            </a:extLst>
+          </p:cNvPr>
+          <p:cNvSpPr>
+            <a:spLocks noGrp="1"/>
+          </p:cNvSpPr>
+          <p:nvPr>
+            <p:ph type="title"/>
+          </p:nvPr>
+        </p:nvSpPr>
+        <p:spPr/>
+        <p:txBody>
+          <a:bodyPr/>
+          <a:lstStyle/>
+          <a:p>
+            <a:r>
+              <a:rPr lang="pl-PL" dirty="0"/>
+              <a:t>Użycie uchwytu</a:t>
+            </a:r>
+          </a:p>
+        </p:txBody>
+      </p:sp>
+      <p:sp>
+        <p:nvSpPr>
+          <p:cNvPr id="3" name="Content Placeholder 2">
+            <a:extLst>
+              <a:ext uri="{FF2B5EF4-FFF2-40B4-BE49-F238E27FC236}">
+                <a16:creationId xmlns:a16="http://schemas.microsoft.com/office/drawing/2014/main" id="{F937B6C0-DE42-4B79-8975-856BF8FD4C82}"/>
+              </a:ext>
+            </a:extLst>
+          </p:cNvPr>
+          <p:cNvSpPr>
+            <a:spLocks noGrp="1"/>
+          </p:cNvSpPr>
+          <p:nvPr>
+            <p:ph idx="1"/>
+          </p:nvPr>
+        </p:nvSpPr>
+        <p:spPr/>
+        <p:txBody>
+          <a:bodyPr>
+            <a:normAutofit/>
+          </a:bodyPr>
+          <a:lstStyle/>
+          <a:p>
+            <a:pPr marL="0" indent="0">
+              <a:buNone/>
+            </a:pPr>
+            <a:r>
+              <a:rPr lang="pl-PL" altLang="pl-PL" dirty="0">
+                <a:solidFill>
+                  <a:schemeClr val="accent1"/>
+                </a:solidFill>
+              </a:rPr>
+              <a:t>import</a:t>
+            </a:r>
+            <a:r>
+              <a:rPr lang="pl-PL" altLang="pl-PL" dirty="0"/>
+              <a:t> {Component, OnInit} </a:t>
+            </a:r>
+            <a:r>
+              <a:rPr lang="pl-PL" altLang="pl-PL" dirty="0">
+                <a:solidFill>
+                  <a:schemeClr val="accent1"/>
+                </a:solidFill>
+              </a:rPr>
+              <a:t>from</a:t>
+            </a:r>
+            <a:r>
+              <a:rPr lang="pl-PL" altLang="pl-PL" dirty="0"/>
+              <a:t> ’@angular/core’</a:t>
+            </a:r>
+          </a:p>
+          <a:p>
+            <a:pPr marL="0" indent="0">
+              <a:buNone/>
+            </a:pPr>
+            <a:r>
+              <a:rPr lang="pl-PL" dirty="0">
+                <a:solidFill>
+                  <a:srgbClr val="0070C0"/>
+                </a:solidFill>
+              </a:rPr>
+              <a:t>export </a:t>
+            </a:r>
+            <a:r>
+              <a:rPr lang="pl-PL" dirty="0" err="1">
+                <a:solidFill>
+                  <a:srgbClr val="0070C0"/>
+                </a:solidFill>
+              </a:rPr>
+              <a:t>class</a:t>
+            </a:r>
+            <a:r>
+              <a:rPr lang="pl-PL" dirty="0"/>
+              <a:t> </a:t>
+            </a:r>
+            <a:r>
+              <a:rPr lang="pl-PL" dirty="0" err="1"/>
+              <a:t>HeroesListComponent</a:t>
+            </a:r>
+            <a:r>
+              <a:rPr lang="pl-PL" dirty="0"/>
+              <a:t> </a:t>
+            </a:r>
+            <a:r>
+              <a:rPr lang="pl-PL" altLang="pl-PL" dirty="0" err="1">
+                <a:solidFill>
+                  <a:schemeClr val="accent6"/>
+                </a:solidFill>
+              </a:rPr>
+              <a:t>implements</a:t>
+            </a:r>
+            <a:r>
+              <a:rPr lang="pl-PL" altLang="pl-PL" dirty="0"/>
+              <a:t> </a:t>
+            </a:r>
+            <a:r>
+              <a:rPr lang="pl-PL" altLang="pl-PL" dirty="0" err="1">
+                <a:hlinkClick r:id="rId3"/>
+              </a:rPr>
+              <a:t>OnInit</a:t>
+            </a:r>
+            <a:r>
+              <a:rPr lang="pl-PL" altLang="pl-PL" sz="2400" dirty="0"/>
+              <a:t> </a:t>
+            </a:r>
+          </a:p>
+          <a:p>
+            <a:pPr marL="0" indent="0">
+              <a:buNone/>
+            </a:pPr>
+            <a:r>
+              <a:rPr lang="pl-PL" altLang="pl-PL" sz="2800" dirty="0"/>
+              <a:t>{ </a:t>
+            </a:r>
+          </a:p>
+          <a:p>
+            <a:pPr marL="914400" lvl="2" indent="0">
+              <a:buNone/>
+            </a:pPr>
+            <a:r>
+              <a:rPr lang="pl-PL" altLang="pl-PL" sz="2800" dirty="0"/>
+              <a:t>constructor() { }</a:t>
+            </a:r>
+          </a:p>
+          <a:p>
+            <a:pPr marL="914400" lvl="2" indent="0">
+              <a:buNone/>
+            </a:pPr>
+            <a:endParaRPr lang="pl-PL" altLang="pl-PL" sz="2800" dirty="0"/>
+          </a:p>
+          <a:p>
+            <a:pPr marL="914400" lvl="2" indent="0">
+              <a:buNone/>
+            </a:pPr>
+            <a:r>
+              <a:rPr lang="pl-PL" altLang="pl-PL" sz="2800" dirty="0"/>
+              <a:t>ngOnInit() {</a:t>
+            </a:r>
+          </a:p>
+          <a:p>
+            <a:pPr marL="914400" lvl="2" indent="0">
+              <a:buNone/>
+            </a:pPr>
+            <a:r>
+              <a:rPr lang="pl-PL" altLang="pl-PL" sz="2800" dirty="0"/>
+              <a:t> 	console.log(`</a:t>
+            </a:r>
+            <a:r>
+              <a:rPr lang="pl-PL" altLang="pl-PL" sz="2800" dirty="0">
+                <a:hlinkClick r:id="rId3"/>
+              </a:rPr>
+              <a:t>OnInit</a:t>
+            </a:r>
+            <a:r>
+              <a:rPr lang="pl-PL" altLang="pl-PL" sz="2800" dirty="0"/>
+              <a:t>`); </a:t>
+            </a:r>
+          </a:p>
+          <a:p>
+            <a:pPr marL="457200" lvl="1" indent="0">
+              <a:buNone/>
+            </a:pPr>
+            <a:r>
+              <a:rPr lang="pl-PL" altLang="pl-PL" sz="2800" dirty="0"/>
+              <a:t>	} </a:t>
+            </a:r>
+          </a:p>
+          <a:p>
+            <a:pPr marL="0" indent="0">
+              <a:buNone/>
+            </a:pPr>
+            <a:r>
+              <a:rPr lang="pl-PL" dirty="0"/>
+              <a:t>}</a:t>
+            </a:r>
+          </a:p>
+        </p:txBody>
+      </p:sp>
+    </p:spTree>
+    <p:extLst>
+      <p:ext uri="{BB962C8B-B14F-4D97-AF65-F5344CB8AC3E}">
+        <p14:creationId xmlns:p14="http://schemas.microsoft.com/office/powerpoint/2010/main" val="2857600440"/>
+      </p:ext>
+    </p:extLst>
+  </p:cSld>
+  <p:clrMapOvr>
+    <a:masterClrMapping/>
+  </p:clrMapOvr>
+</p:sld>
+</file>
+
+<file path=ppt/slides/slide21.xml><?xml version="1.0" encoding="utf-8"?>
+<p:sld xmlns:a="http://schemas.openxmlformats.org/drawingml/2006/main" xmlns:r="http://schemas.openxmlformats.org/officeDocument/2006/relationships" xmlns:p="http://schemas.openxmlformats.org/presentationml/2006/main">
+  <p:cSld>
+    <p:spTree>
+      <p:nvGrpSpPr>
+        <p:cNvPr id="1" name=""/>
+        <p:cNvGrpSpPr/>
+        <p:nvPr/>
+      </p:nvGrpSpPr>
+      <p:grpSpPr>
+        <a:xfrm>
+          <a:off x="0" y="0"/>
+          <a:ext cx="0" cy="0"/>
+          <a:chOff x="0" y="0"/>
+          <a:chExt cx="0" cy="0"/>
+        </a:xfrm>
+      </p:grpSpPr>
+      <p:sp>
+        <p:nvSpPr>
+          <p:cNvPr id="2" name="Title 1">
+            <a:extLst>
+              <a:ext uri="{FF2B5EF4-FFF2-40B4-BE49-F238E27FC236}">
                 <a16:creationId xmlns:a16="http://schemas.microsoft.com/office/drawing/2014/main" id="{3E257FF8-1F1F-45A8-BC79-8D1194159F2D}"/>
               </a:ext>
             </a:extLst>
@@ -21404,7 +22164,7 @@
 </p:sld>
 </file>
 
-<file path=ppt/slides/slide21.xml><?xml version="1.0" encoding="utf-8"?>
+<file path=ppt/slides/slide22.xml><?xml version="1.0" encoding="utf-8"?>
 <p:sld xmlns:a="http://schemas.openxmlformats.org/drawingml/2006/main" xmlns:r="http://schemas.openxmlformats.org/officeDocument/2006/relationships" xmlns:p="http://schemas.openxmlformats.org/presentationml/2006/main">
   <p:cSld>
     <p:spTree>
@@ -21933,7 +22693,7 @@
 </p:sld>
 </file>
 
-<file path=ppt/slides/slide22.xml><?xml version="1.0" encoding="utf-8"?>
+<file path=ppt/slides/slide23.xml><?xml version="1.0" encoding="utf-8"?>
 <p:sld xmlns:a="http://schemas.openxmlformats.org/drawingml/2006/main" xmlns:r="http://schemas.openxmlformats.org/officeDocument/2006/relationships" xmlns:p="http://schemas.openxmlformats.org/presentationml/2006/main">
   <p:cSld>
     <p:spTree>
@@ -22728,7 +23488,7 @@
 </p:sld>
 </file>
 
-<file path=ppt/slides/slide23.xml><?xml version="1.0" encoding="utf-8"?>
+<file path=ppt/slides/slide24.xml><?xml version="1.0" encoding="utf-8"?>
 <p:sld xmlns:a="http://schemas.openxmlformats.org/drawingml/2006/main" xmlns:r="http://schemas.openxmlformats.org/officeDocument/2006/relationships" xmlns:p="http://schemas.openxmlformats.org/presentationml/2006/main">
   <p:cSld>
     <p:spTree>
@@ -24007,7 +24767,7 @@
 </p:sld>
 </file>
 
-<file path=ppt/slides/slide24.xml><?xml version="1.0" encoding="utf-8"?>
+<file path=ppt/slides/slide25.xml><?xml version="1.0" encoding="utf-8"?>
 <p:sld xmlns:a="http://schemas.openxmlformats.org/drawingml/2006/main" xmlns:r="http://schemas.openxmlformats.org/officeDocument/2006/relationships" xmlns:p="http://schemas.openxmlformats.org/presentationml/2006/main">
   <p:cSld>
     <p:bg>
@@ -24555,7 +25315,7 @@
 </p:sld>
 </file>
 
-<file path=ppt/slides/slide25.xml><?xml version="1.0" encoding="utf-8"?>
+<file path=ppt/slides/slide26.xml><?xml version="1.0" encoding="utf-8"?>
 <p:sld xmlns:a="http://schemas.openxmlformats.org/drawingml/2006/main" xmlns:r="http://schemas.openxmlformats.org/officeDocument/2006/relationships" xmlns:p="http://schemas.openxmlformats.org/presentationml/2006/main">
   <p:cSld>
     <p:spTree>
@@ -25574,7 +26334,7 @@
 </p:sld>
 </file>
 
-<file path=ppt/slides/slide26.xml><?xml version="1.0" encoding="utf-8"?>
+<file path=ppt/slides/slide27.xml><?xml version="1.0" encoding="utf-8"?>
 <p:sld xmlns:a="http://schemas.openxmlformats.org/drawingml/2006/main" xmlns:r="http://schemas.openxmlformats.org/officeDocument/2006/relationships" xmlns:p="http://schemas.openxmlformats.org/presentationml/2006/main">
   <p:cSld>
     <p:bg>
@@ -25942,7 +26702,7 @@
 </p:sld>
 </file>
 
-<file path=ppt/slides/slide27.xml><?xml version="1.0" encoding="utf-8"?>
+<file path=ppt/slides/slide28.xml><?xml version="1.0" encoding="utf-8"?>
 <p:sld xmlns:a="http://schemas.openxmlformats.org/drawingml/2006/main" xmlns:r="http://schemas.openxmlformats.org/officeDocument/2006/relationships" xmlns:p="http://schemas.openxmlformats.org/presentationml/2006/main">
   <p:cSld>
     <p:spTree>
@@ -27292,7 +28052,7 @@
 </p:sld>
 </file>
 
-<file path=ppt/slides/slide28.xml><?xml version="1.0" encoding="utf-8"?>
+<file path=ppt/slides/slide29.xml><?xml version="1.0" encoding="utf-8"?>
 <p:sld xmlns:a="http://schemas.openxmlformats.org/drawingml/2006/main" xmlns:r="http://schemas.openxmlformats.org/officeDocument/2006/relationships" xmlns:p="http://schemas.openxmlformats.org/presentationml/2006/main">
   <p:cSld>
     <p:spTree>
@@ -27527,96 +28287,348 @@
   <p:clrMapOvr>
     <a:masterClrMapping/>
   </p:clrMapOvr>
-</p:sld>
-</file>
-
-<file path=ppt/slides/slide29.xml><?xml version="1.0" encoding="utf-8"?>
-<p:sld xmlns:a="http://schemas.openxmlformats.org/drawingml/2006/main" xmlns:r="http://schemas.openxmlformats.org/officeDocument/2006/relationships" xmlns:p="http://schemas.openxmlformats.org/presentationml/2006/main">
-  <p:cSld>
-    <p:spTree>
-      <p:nvGrpSpPr>
-        <p:cNvPr id="1" name=""/>
-        <p:cNvGrpSpPr/>
-        <p:nvPr/>
-      </p:nvGrpSpPr>
-      <p:grpSpPr>
-        <a:xfrm>
-          <a:off x="0" y="0"/>
-          <a:ext cx="0" cy="0"/>
-          <a:chOff x="0" y="0"/>
-          <a:chExt cx="0" cy="0"/>
-        </a:xfrm>
-      </p:grpSpPr>
-      <p:sp>
-        <p:nvSpPr>
-          <p:cNvPr id="2" name="Title 1">
-            <a:extLst>
-              <a:ext uri="{FF2B5EF4-FFF2-40B4-BE49-F238E27FC236}">
-                <a16:creationId xmlns:a16="http://schemas.microsoft.com/office/drawing/2014/main" id="{C03D6CBC-3B8C-497E-AA5C-7D18180D6BC9}"/>
-              </a:ext>
-            </a:extLst>
-          </p:cNvPr>
-          <p:cNvSpPr>
-            <a:spLocks noGrp="1"/>
-          </p:cNvSpPr>
-          <p:nvPr>
-            <p:ph type="title"/>
-          </p:nvPr>
-        </p:nvSpPr>
-        <p:spPr>
-          <a:xfrm>
-            <a:off x="838200" y="529867"/>
-            <a:ext cx="7719381" cy="1096331"/>
-          </a:xfrm>
-        </p:spPr>
-        <p:txBody>
-          <a:bodyPr>
-            <a:normAutofit/>
-          </a:bodyPr>
-          <a:lstStyle/>
-          <a:p>
-            <a:r>
-              <a:rPr lang="pl-PL" dirty="0"/>
-              <a:t>Rejestrowanie serwisu</a:t>
-            </a:r>
-          </a:p>
-        </p:txBody>
-      </p:sp>
-      <p:graphicFrame>
-        <p:nvGraphicFramePr>
-          <p:cNvPr id="5" name="Content Placeholder 2"/>
-          <p:cNvGraphicFramePr>
-            <a:graphicFrameLocks noGrp="1"/>
-          </p:cNvGraphicFramePr>
-          <p:nvPr>
-            <p:ph idx="1"/>
-            <p:extLst>
-              <p:ext uri="{D42A27DB-BD31-4B8C-83A1-F6EECF244321}">
-                <p14:modId xmlns:p14="http://schemas.microsoft.com/office/powerpoint/2010/main" val="2593955844"/>
-              </p:ext>
-            </p:extLst>
-          </p:nvPr>
-        </p:nvGraphicFramePr>
-        <p:xfrm>
-          <a:off x="838200" y="2170710"/>
-          <a:ext cx="10515600" cy="4080974"/>
-        </p:xfrm>
-        <a:graphic>
-          <a:graphicData uri="http://schemas.openxmlformats.org/drawingml/2006/diagram">
-            <dgm:relIds xmlns:dgm="http://schemas.openxmlformats.org/drawingml/2006/diagram" xmlns:r="http://schemas.openxmlformats.org/officeDocument/2006/relationships" r:dm="rId2" r:lo="rId3" r:qs="rId4" r:cs="rId5"/>
-          </a:graphicData>
-        </a:graphic>
-      </p:graphicFrame>
-    </p:spTree>
-    <p:extLst>
-      <p:ext uri="{BB962C8B-B14F-4D97-AF65-F5344CB8AC3E}">
-        <p14:creationId xmlns:p14="http://schemas.microsoft.com/office/powerpoint/2010/main" val="3416033252"/>
-      </p:ext>
-    </p:extLst>
-  </p:cSld>
-  <p:clrMapOvr>
-    <a:masterClrMapping/>
-  </p:clrMapOvr>
+  <p:timing>
+    <p:tnLst>
+      <p:par>
+        <p:cTn id="1" dur="indefinite" restart="never" nodeType="tmRoot">
+          <p:childTnLst>
+            <p:seq concurrent="1" nextAc="seek">
+              <p:cTn id="2" dur="indefinite" nodeType="mainSeq">
+                <p:childTnLst>
+                  <p:par>
+                    <p:cTn id="3" fill="hold">
+                      <p:stCondLst>
+                        <p:cond delay="indefinite"/>
+                      </p:stCondLst>
+                      <p:childTnLst>
+                        <p:par>
+                          <p:cTn id="4" fill="hold">
+                            <p:stCondLst>
+                              <p:cond delay="0"/>
+                            </p:stCondLst>
+                            <p:childTnLst>
+                              <p:par>
+                                <p:cTn id="5" presetID="10" presetClass="entr" presetSubtype="0" fill="hold" nodeType="clickEffect">
+                                  <p:stCondLst>
+                                    <p:cond delay="0"/>
+                                  </p:stCondLst>
+                                  <p:childTnLst>
+                                    <p:set>
+                                      <p:cBhvr>
+                                        <p:cTn id="6" dur="1" fill="hold">
+                                          <p:stCondLst>
+                                            <p:cond delay="0"/>
+                                          </p:stCondLst>
+                                        </p:cTn>
+                                        <p:tgtEl>
+                                          <p:spTgt spid="3">
+                                            <p:txEl>
+                                              <p:pRg st="3" end="3"/>
+                                            </p:txEl>
+                                          </p:spTgt>
+                                        </p:tgtEl>
+                                        <p:attrNameLst>
+                                          <p:attrName>style.visibility</p:attrName>
+                                        </p:attrNameLst>
+                                      </p:cBhvr>
+                                      <p:to>
+                                        <p:strVal val="visible"/>
+                                      </p:to>
+                                    </p:set>
+                                    <p:animEffect transition="in" filter="fade">
+                                      <p:cBhvr>
+                                        <p:cTn id="7" dur="500"/>
+                                        <p:tgtEl>
+                                          <p:spTgt spid="3">
+                                            <p:txEl>
+                                              <p:pRg st="3" end="3"/>
+                                            </p:txEl>
+                                          </p:spTgt>
+                                        </p:tgtEl>
+                                      </p:cBhvr>
+                                    </p:animEffect>
+                                  </p:childTnLst>
+                                </p:cTn>
+                              </p:par>
+                              <p:par>
+                                <p:cTn id="8" presetID="10" presetClass="entr" presetSubtype="0" fill="hold" nodeType="withEffect">
+                                  <p:stCondLst>
+                                    <p:cond delay="0"/>
+                                  </p:stCondLst>
+                                  <p:childTnLst>
+                                    <p:set>
+                                      <p:cBhvr>
+                                        <p:cTn id="9" dur="1" fill="hold">
+                                          <p:stCondLst>
+                                            <p:cond delay="0"/>
+                                          </p:stCondLst>
+                                        </p:cTn>
+                                        <p:tgtEl>
+                                          <p:spTgt spid="3">
+                                            <p:txEl>
+                                              <p:pRg st="4" end="4"/>
+                                            </p:txEl>
+                                          </p:spTgt>
+                                        </p:tgtEl>
+                                        <p:attrNameLst>
+                                          <p:attrName>style.visibility</p:attrName>
+                                        </p:attrNameLst>
+                                      </p:cBhvr>
+                                      <p:to>
+                                        <p:strVal val="visible"/>
+                                      </p:to>
+                                    </p:set>
+                                    <p:animEffect transition="in" filter="fade">
+                                      <p:cBhvr>
+                                        <p:cTn id="10" dur="500"/>
+                                        <p:tgtEl>
+                                          <p:spTgt spid="3">
+                                            <p:txEl>
+                                              <p:pRg st="4" end="4"/>
+                                            </p:txEl>
+                                          </p:spTgt>
+                                        </p:tgtEl>
+                                      </p:cBhvr>
+                                    </p:animEffect>
+                                  </p:childTnLst>
+                                </p:cTn>
+                              </p:par>
+                              <p:par>
+                                <p:cTn id="11" presetID="10" presetClass="entr" presetSubtype="0" fill="hold" nodeType="withEffect">
+                                  <p:stCondLst>
+                                    <p:cond delay="0"/>
+                                  </p:stCondLst>
+                                  <p:childTnLst>
+                                    <p:set>
+                                      <p:cBhvr>
+                                        <p:cTn id="12" dur="1" fill="hold">
+                                          <p:stCondLst>
+                                            <p:cond delay="0"/>
+                                          </p:stCondLst>
+                                        </p:cTn>
+                                        <p:tgtEl>
+                                          <p:spTgt spid="3">
+                                            <p:txEl>
+                                              <p:pRg st="5" end="5"/>
+                                            </p:txEl>
+                                          </p:spTgt>
+                                        </p:tgtEl>
+                                        <p:attrNameLst>
+                                          <p:attrName>style.visibility</p:attrName>
+                                        </p:attrNameLst>
+                                      </p:cBhvr>
+                                      <p:to>
+                                        <p:strVal val="visible"/>
+                                      </p:to>
+                                    </p:set>
+                                    <p:animEffect transition="in" filter="fade">
+                                      <p:cBhvr>
+                                        <p:cTn id="13" dur="500"/>
+                                        <p:tgtEl>
+                                          <p:spTgt spid="3">
+                                            <p:txEl>
+                                              <p:pRg st="5" end="5"/>
+                                            </p:txEl>
+                                          </p:spTgt>
+                                        </p:tgtEl>
+                                      </p:cBhvr>
+                                    </p:animEffect>
+                                  </p:childTnLst>
+                                </p:cTn>
+                              </p:par>
+                              <p:par>
+                                <p:cTn id="14" presetID="10" presetClass="entr" presetSubtype="0" fill="hold" nodeType="withEffect">
+                                  <p:stCondLst>
+                                    <p:cond delay="0"/>
+                                  </p:stCondLst>
+                                  <p:childTnLst>
+                                    <p:set>
+                                      <p:cBhvr>
+                                        <p:cTn id="15" dur="1" fill="hold">
+                                          <p:stCondLst>
+                                            <p:cond delay="0"/>
+                                          </p:stCondLst>
+                                        </p:cTn>
+                                        <p:tgtEl>
+                                          <p:spTgt spid="3">
+                                            <p:txEl>
+                                              <p:pRg st="6" end="6"/>
+                                            </p:txEl>
+                                          </p:spTgt>
+                                        </p:tgtEl>
+                                        <p:attrNameLst>
+                                          <p:attrName>style.visibility</p:attrName>
+                                        </p:attrNameLst>
+                                      </p:cBhvr>
+                                      <p:to>
+                                        <p:strVal val="visible"/>
+                                      </p:to>
+                                    </p:set>
+                                    <p:animEffect transition="in" filter="fade">
+                                      <p:cBhvr>
+                                        <p:cTn id="16" dur="500"/>
+                                        <p:tgtEl>
+                                          <p:spTgt spid="3">
+                                            <p:txEl>
+                                              <p:pRg st="6" end="6"/>
+                                            </p:txEl>
+                                          </p:spTgt>
+                                        </p:tgtEl>
+                                      </p:cBhvr>
+                                    </p:animEffect>
+                                  </p:childTnLst>
+                                </p:cTn>
+                              </p:par>
+                            </p:childTnLst>
+                          </p:cTn>
+                        </p:par>
+                      </p:childTnLst>
+                    </p:cTn>
+                  </p:par>
+                  <p:par>
+                    <p:cTn id="17" fill="hold">
+                      <p:stCondLst>
+                        <p:cond delay="indefinite"/>
+                      </p:stCondLst>
+                      <p:childTnLst>
+                        <p:par>
+                          <p:cTn id="18" fill="hold">
+                            <p:stCondLst>
+                              <p:cond delay="0"/>
+                            </p:stCondLst>
+                            <p:childTnLst>
+                              <p:par>
+                                <p:cTn id="19" presetID="10" presetClass="entr" presetSubtype="0" fill="hold" nodeType="clickEffect">
+                                  <p:stCondLst>
+                                    <p:cond delay="0"/>
+                                  </p:stCondLst>
+                                  <p:childTnLst>
+                                    <p:set>
+                                      <p:cBhvr>
+                                        <p:cTn id="20" dur="1" fill="hold">
+                                          <p:stCondLst>
+                                            <p:cond delay="0"/>
+                                          </p:stCondLst>
+                                        </p:cTn>
+                                        <p:tgtEl>
+                                          <p:spTgt spid="3">
+                                            <p:txEl>
+                                              <p:pRg st="2" end="2"/>
+                                            </p:txEl>
+                                          </p:spTgt>
+                                        </p:tgtEl>
+                                        <p:attrNameLst>
+                                          <p:attrName>style.visibility</p:attrName>
+                                        </p:attrNameLst>
+                                      </p:cBhvr>
+                                      <p:to>
+                                        <p:strVal val="visible"/>
+                                      </p:to>
+                                    </p:set>
+                                    <p:animEffect transition="in" filter="fade">
+                                      <p:cBhvr>
+                                        <p:cTn id="21" dur="500"/>
+                                        <p:tgtEl>
+                                          <p:spTgt spid="3">
+                                            <p:txEl>
+                                              <p:pRg st="2" end="2"/>
+                                            </p:txEl>
+                                          </p:spTgt>
+                                        </p:tgtEl>
+                                      </p:cBhvr>
+                                    </p:animEffect>
+                                  </p:childTnLst>
+                                </p:cTn>
+                              </p:par>
+                            </p:childTnLst>
+                          </p:cTn>
+                        </p:par>
+                      </p:childTnLst>
+                    </p:cTn>
+                  </p:par>
+                  <p:par>
+                    <p:cTn id="22" fill="hold">
+                      <p:stCondLst>
+                        <p:cond delay="indefinite"/>
+                      </p:stCondLst>
+                      <p:childTnLst>
+                        <p:par>
+                          <p:cTn id="23" fill="hold">
+                            <p:stCondLst>
+                              <p:cond delay="0"/>
+                            </p:stCondLst>
+                            <p:childTnLst>
+                              <p:par>
+                                <p:cTn id="24" presetID="10" presetClass="entr" presetSubtype="0" fill="hold" nodeType="clickEffect">
+                                  <p:stCondLst>
+                                    <p:cond delay="0"/>
+                                  </p:stCondLst>
+                                  <p:childTnLst>
+                                    <p:set>
+                                      <p:cBhvr>
+                                        <p:cTn id="25" dur="1" fill="hold">
+                                          <p:stCondLst>
+                                            <p:cond delay="0"/>
+                                          </p:stCondLst>
+                                        </p:cTn>
+                                        <p:tgtEl>
+                                          <p:spTgt spid="3">
+                                            <p:txEl>
+                                              <p:pRg st="0" end="0"/>
+                                            </p:txEl>
+                                          </p:spTgt>
+                                        </p:tgtEl>
+                                        <p:attrNameLst>
+                                          <p:attrName>style.visibility</p:attrName>
+                                        </p:attrNameLst>
+                                      </p:cBhvr>
+                                      <p:to>
+                                        <p:strVal val="visible"/>
+                                      </p:to>
+                                    </p:set>
+                                    <p:animEffect transition="in" filter="fade">
+                                      <p:cBhvr>
+                                        <p:cTn id="26" dur="500"/>
+                                        <p:tgtEl>
+                                          <p:spTgt spid="3">
+                                            <p:txEl>
+                                              <p:pRg st="0" end="0"/>
+                                            </p:txEl>
+                                          </p:spTgt>
+                                        </p:tgtEl>
+                                      </p:cBhvr>
+                                    </p:animEffect>
+                                  </p:childTnLst>
+                                </p:cTn>
+                              </p:par>
+                            </p:childTnLst>
+                          </p:cTn>
+                        </p:par>
+                      </p:childTnLst>
+                    </p:cTn>
+                  </p:par>
+                </p:childTnLst>
+              </p:cTn>
+              <p:prevCondLst>
+                <p:cond evt="onPrev" delay="0">
+                  <p:tgtEl>
+                    <p:sldTgt/>
+                  </p:tgtEl>
+                </p:cond>
+              </p:prevCondLst>
+              <p:nextCondLst>
+                <p:cond evt="onNext" delay="0">
+                  <p:tgtEl>
+                    <p:sldTgt/>
+                  </p:tgtEl>
+                </p:cond>
+              </p:nextCondLst>
+            </p:seq>
+          </p:childTnLst>
+        </p:cTn>
+      </p:par>
+    </p:tnLst>
+  </p:timing>
 </p:sld>
 </file>
 
@@ -27728,6 +28740,96 @@
 </file>
 
 <file path=ppt/slides/slide30.xml><?xml version="1.0" encoding="utf-8"?>
+<p:sld xmlns:a="http://schemas.openxmlformats.org/drawingml/2006/main" xmlns:r="http://schemas.openxmlformats.org/officeDocument/2006/relationships" xmlns:p="http://schemas.openxmlformats.org/presentationml/2006/main">
+  <p:cSld>
+    <p:spTree>
+      <p:nvGrpSpPr>
+        <p:cNvPr id="1" name=""/>
+        <p:cNvGrpSpPr/>
+        <p:nvPr/>
+      </p:nvGrpSpPr>
+      <p:grpSpPr>
+        <a:xfrm>
+          <a:off x="0" y="0"/>
+          <a:ext cx="0" cy="0"/>
+          <a:chOff x="0" y="0"/>
+          <a:chExt cx="0" cy="0"/>
+        </a:xfrm>
+      </p:grpSpPr>
+      <p:sp>
+        <p:nvSpPr>
+          <p:cNvPr id="2" name="Title 1">
+            <a:extLst>
+              <a:ext uri="{FF2B5EF4-FFF2-40B4-BE49-F238E27FC236}">
+                <a16:creationId xmlns:a16="http://schemas.microsoft.com/office/drawing/2014/main" id="{C03D6CBC-3B8C-497E-AA5C-7D18180D6BC9}"/>
+              </a:ext>
+            </a:extLst>
+          </p:cNvPr>
+          <p:cNvSpPr>
+            <a:spLocks noGrp="1"/>
+          </p:cNvSpPr>
+          <p:nvPr>
+            <p:ph type="title"/>
+          </p:nvPr>
+        </p:nvSpPr>
+        <p:spPr>
+          <a:xfrm>
+            <a:off x="838200" y="529867"/>
+            <a:ext cx="7719381" cy="1096331"/>
+          </a:xfrm>
+        </p:spPr>
+        <p:txBody>
+          <a:bodyPr>
+            <a:normAutofit/>
+          </a:bodyPr>
+          <a:lstStyle/>
+          <a:p>
+            <a:r>
+              <a:rPr lang="pl-PL" dirty="0"/>
+              <a:t>Rejestrowanie serwisu</a:t>
+            </a:r>
+          </a:p>
+        </p:txBody>
+      </p:sp>
+      <p:graphicFrame>
+        <p:nvGraphicFramePr>
+          <p:cNvPr id="5" name="Content Placeholder 2"/>
+          <p:cNvGraphicFramePr>
+            <a:graphicFrameLocks noGrp="1"/>
+          </p:cNvGraphicFramePr>
+          <p:nvPr>
+            <p:ph idx="1"/>
+            <p:extLst>
+              <p:ext uri="{D42A27DB-BD31-4B8C-83A1-F6EECF244321}">
+                <p14:modId xmlns:p14="http://schemas.microsoft.com/office/powerpoint/2010/main" val="2593955844"/>
+              </p:ext>
+            </p:extLst>
+          </p:nvPr>
+        </p:nvGraphicFramePr>
+        <p:xfrm>
+          <a:off x="838200" y="2170710"/>
+          <a:ext cx="10515600" cy="4080974"/>
+        </p:xfrm>
+        <a:graphic>
+          <a:graphicData uri="http://schemas.openxmlformats.org/drawingml/2006/diagram">
+            <dgm:relIds xmlns:dgm="http://schemas.openxmlformats.org/drawingml/2006/diagram" xmlns:r="http://schemas.openxmlformats.org/officeDocument/2006/relationships" r:dm="rId2" r:lo="rId3" r:qs="rId4" r:cs="rId5"/>
+          </a:graphicData>
+        </a:graphic>
+      </p:graphicFrame>
+    </p:spTree>
+    <p:extLst>
+      <p:ext uri="{BB962C8B-B14F-4D97-AF65-F5344CB8AC3E}">
+        <p14:creationId xmlns:p14="http://schemas.microsoft.com/office/powerpoint/2010/main" val="3416033252"/>
+      </p:ext>
+    </p:extLst>
+  </p:cSld>
+  <p:clrMapOvr>
+    <a:masterClrMapping/>
+  </p:clrMapOvr>
+</p:sld>
+</file>
+
+<file path=ppt/slides/slide31.xml><?xml version="1.0" encoding="utf-8"?>
 <p:sld xmlns:a="http://schemas.openxmlformats.org/drawingml/2006/main" xmlns:r="http://schemas.openxmlformats.org/officeDocument/2006/relationships" xmlns:p="http://schemas.openxmlformats.org/presentationml/2006/main">
   <p:cSld>
     <p:spTree>
@@ -28315,352 +29417,6 @@
 </p:sld>
 </file>
 
-<file path=ppt/slides/slide31.xml><?xml version="1.0" encoding="utf-8"?>
-<p:sld xmlns:a="http://schemas.openxmlformats.org/drawingml/2006/main" xmlns:r="http://schemas.openxmlformats.org/officeDocument/2006/relationships" xmlns:p="http://schemas.openxmlformats.org/presentationml/2006/main">
-  <p:cSld>
-    <p:spTree>
-      <p:nvGrpSpPr>
-        <p:cNvPr id="1" name=""/>
-        <p:cNvGrpSpPr/>
-        <p:nvPr/>
-      </p:nvGrpSpPr>
-      <p:grpSpPr>
-        <a:xfrm>
-          <a:off x="0" y="0"/>
-          <a:ext cx="0" cy="0"/>
-          <a:chOff x="0" y="0"/>
-          <a:chExt cx="0" cy="0"/>
-        </a:xfrm>
-      </p:grpSpPr>
-      <p:sp>
-        <p:nvSpPr>
-          <p:cNvPr id="2" name="Title 1">
-            <a:extLst>
-              <a:ext uri="{FF2B5EF4-FFF2-40B4-BE49-F238E27FC236}">
-                <a16:creationId xmlns:a16="http://schemas.microsoft.com/office/drawing/2014/main" id="{B6026043-22FE-463F-9D6A-1015721FA627}"/>
-              </a:ext>
-            </a:extLst>
-          </p:cNvPr>
-          <p:cNvSpPr>
-            <a:spLocks noGrp="1"/>
-          </p:cNvSpPr>
-          <p:nvPr>
-            <p:ph type="title"/>
-          </p:nvPr>
-        </p:nvSpPr>
-        <p:spPr/>
-        <p:txBody>
-          <a:bodyPr/>
-          <a:lstStyle/>
-          <a:p>
-            <a:r>
-              <a:rPr lang="pl-PL" dirty="0"/>
-              <a:t>Wstrzykiwanie zależności</a:t>
-            </a:r>
-          </a:p>
-        </p:txBody>
-      </p:sp>
-      <p:sp>
-        <p:nvSpPr>
-          <p:cNvPr id="3" name="Content Placeholder 2">
-            <a:extLst>
-              <a:ext uri="{FF2B5EF4-FFF2-40B4-BE49-F238E27FC236}">
-                <a16:creationId xmlns:a16="http://schemas.microsoft.com/office/drawing/2014/main" id="{08D1D64D-B75C-41F5-920D-17573C304A73}"/>
-              </a:ext>
-            </a:extLst>
-          </p:cNvPr>
-          <p:cNvSpPr>
-            <a:spLocks noGrp="1"/>
-          </p:cNvSpPr>
-          <p:nvPr>
-            <p:ph idx="1"/>
-          </p:nvPr>
-        </p:nvSpPr>
-        <p:spPr/>
-        <p:txBody>
-          <a:bodyPr>
-            <a:normAutofit/>
-          </a:bodyPr>
-          <a:lstStyle/>
-          <a:p>
-            <a:pPr marL="0" indent="0">
-              <a:buNone/>
-            </a:pPr>
-            <a:r>
-              <a:rPr lang="pl-PL" sz="2400" dirty="0">
-                <a:solidFill>
-                  <a:schemeClr val="accent1"/>
-                </a:solidFill>
-                <a:latin typeface="Consolas" panose="020B0609020204030204" pitchFamily="49" charset="0"/>
-                <a:cs typeface="Consolas" panose="020B0609020204030204" pitchFamily="49" charset="0"/>
-              </a:rPr>
-              <a:t>import</a:t>
-            </a:r>
-            <a:r>
-              <a:rPr lang="pl-PL" sz="2400" dirty="0">
-                <a:latin typeface="Consolas" panose="020B0609020204030204" pitchFamily="49" charset="0"/>
-                <a:cs typeface="Consolas" panose="020B0609020204030204" pitchFamily="49" charset="0"/>
-              </a:rPr>
-              <a:t> {</a:t>
-            </a:r>
-            <a:r>
-              <a:rPr lang="pl-PL" sz="2400" dirty="0" err="1">
-                <a:latin typeface="Consolas" panose="020B0609020204030204" pitchFamily="49" charset="0"/>
-                <a:cs typeface="Consolas" panose="020B0609020204030204" pitchFamily="49" charset="0"/>
-              </a:rPr>
-              <a:t>HeroService</a:t>
-            </a:r>
-            <a:r>
-              <a:rPr lang="pl-PL" sz="2400" dirty="0">
-                <a:latin typeface="Consolas" panose="020B0609020204030204" pitchFamily="49" charset="0"/>
-                <a:cs typeface="Consolas" panose="020B0609020204030204" pitchFamily="49" charset="0"/>
-              </a:rPr>
-              <a:t>} </a:t>
-            </a:r>
-            <a:r>
-              <a:rPr lang="pl-PL" sz="2400" dirty="0">
-                <a:solidFill>
-                  <a:schemeClr val="accent1"/>
-                </a:solidFill>
-                <a:latin typeface="Consolas" panose="020B0609020204030204" pitchFamily="49" charset="0"/>
-                <a:cs typeface="Consolas" panose="020B0609020204030204" pitchFamily="49" charset="0"/>
-              </a:rPr>
-              <a:t>from</a:t>
-            </a:r>
-            <a:r>
-              <a:rPr lang="pl-PL" sz="2400" dirty="0">
-                <a:latin typeface="Consolas" panose="020B0609020204030204" pitchFamily="49" charset="0"/>
-                <a:cs typeface="Consolas" panose="020B0609020204030204" pitchFamily="49" charset="0"/>
-              </a:rPr>
-              <a:t> ’./hero-list/</a:t>
-            </a:r>
-            <a:r>
-              <a:rPr lang="pl-PL" sz="2400" dirty="0" err="1">
-                <a:latin typeface="Consolas" panose="020B0609020204030204" pitchFamily="49" charset="0"/>
-                <a:cs typeface="Consolas" panose="020B0609020204030204" pitchFamily="49" charset="0"/>
-              </a:rPr>
-              <a:t>hero.service.ts</a:t>
-            </a:r>
-            <a:r>
-              <a:rPr lang="pl-PL" sz="2400" dirty="0">
-                <a:latin typeface="Consolas" panose="020B0609020204030204" pitchFamily="49" charset="0"/>
-                <a:cs typeface="Consolas" panose="020B0609020204030204" pitchFamily="49" charset="0"/>
-              </a:rPr>
-              <a:t>’</a:t>
-            </a:r>
-          </a:p>
-          <a:p>
-            <a:pPr marL="0" indent="0">
-              <a:buNone/>
-            </a:pPr>
-            <a:r>
-              <a:rPr lang="pl-PL" sz="2400" dirty="0">
-                <a:solidFill>
-                  <a:srgbClr val="0070C0"/>
-                </a:solidFill>
-                <a:latin typeface="Consolas" panose="020B0609020204030204" pitchFamily="49" charset="0"/>
-                <a:cs typeface="Consolas" panose="020B0609020204030204" pitchFamily="49" charset="0"/>
-              </a:rPr>
-              <a:t>export </a:t>
-            </a:r>
-            <a:r>
-              <a:rPr lang="pl-PL" sz="2400" dirty="0" err="1">
-                <a:solidFill>
-                  <a:srgbClr val="0070C0"/>
-                </a:solidFill>
-                <a:latin typeface="Consolas" panose="020B0609020204030204" pitchFamily="49" charset="0"/>
-                <a:cs typeface="Consolas" panose="020B0609020204030204" pitchFamily="49" charset="0"/>
-              </a:rPr>
-              <a:t>class</a:t>
-            </a:r>
-            <a:r>
-              <a:rPr lang="pl-PL" sz="2400" dirty="0">
-                <a:latin typeface="Consolas" panose="020B0609020204030204" pitchFamily="49" charset="0"/>
-                <a:cs typeface="Consolas" panose="020B0609020204030204" pitchFamily="49" charset="0"/>
-              </a:rPr>
-              <a:t> </a:t>
-            </a:r>
-            <a:r>
-              <a:rPr lang="pl-PL" sz="2400" dirty="0" err="1">
-                <a:latin typeface="Consolas" panose="020B0609020204030204" pitchFamily="49" charset="0"/>
-                <a:cs typeface="Consolas" panose="020B0609020204030204" pitchFamily="49" charset="0"/>
-              </a:rPr>
-              <a:t>HeroListComponent</a:t>
-            </a:r>
-            <a:r>
-              <a:rPr lang="pl-PL" sz="2400" dirty="0">
-                <a:latin typeface="Consolas" panose="020B0609020204030204" pitchFamily="49" charset="0"/>
-                <a:cs typeface="Consolas" panose="020B0609020204030204" pitchFamily="49" charset="0"/>
-              </a:rPr>
-              <a:t>{</a:t>
-            </a:r>
-          </a:p>
-          <a:p>
-            <a:pPr marL="0" indent="0">
-              <a:buNone/>
-            </a:pPr>
-            <a:r>
-              <a:rPr lang="pl-PL" sz="2400" dirty="0">
-                <a:latin typeface="Consolas" panose="020B0609020204030204" pitchFamily="49" charset="0"/>
-                <a:cs typeface="Consolas" panose="020B0609020204030204" pitchFamily="49" charset="0"/>
-              </a:rPr>
-              <a:t>	</a:t>
-            </a:r>
-            <a:r>
-              <a:rPr lang="pl-PL" sz="2400" dirty="0" err="1">
-                <a:solidFill>
-                  <a:srgbClr val="0070C0"/>
-                </a:solidFill>
-                <a:latin typeface="Consolas" panose="020B0609020204030204" pitchFamily="49" charset="0"/>
-                <a:cs typeface="Consolas" panose="020B0609020204030204" pitchFamily="49" charset="0"/>
-              </a:rPr>
-              <a:t>private</a:t>
-            </a:r>
-            <a:r>
-              <a:rPr lang="pl-PL" sz="2400" dirty="0">
-                <a:latin typeface="Consolas" panose="020B0609020204030204" pitchFamily="49" charset="0"/>
-                <a:cs typeface="Consolas" panose="020B0609020204030204" pitchFamily="49" charset="0"/>
-              </a:rPr>
-              <a:t> _</a:t>
-            </a:r>
-            <a:r>
-              <a:rPr lang="pl-PL" sz="2400" dirty="0" err="1">
-                <a:latin typeface="Consolas" panose="020B0609020204030204" pitchFamily="49" charset="0"/>
-                <a:cs typeface="Consolas" panose="020B0609020204030204" pitchFamily="49" charset="0"/>
-              </a:rPr>
-              <a:t>heroService:HeroService</a:t>
-            </a:r>
-            <a:r>
-              <a:rPr lang="pl-PL" sz="2400" dirty="0">
-                <a:latin typeface="Consolas" panose="020B0609020204030204" pitchFamily="49" charset="0"/>
-                <a:cs typeface="Consolas" panose="020B0609020204030204" pitchFamily="49" charset="0"/>
-              </a:rPr>
-              <a:t>;</a:t>
-            </a:r>
-          </a:p>
-          <a:p>
-            <a:pPr marL="0" indent="0">
-              <a:buNone/>
-            </a:pPr>
-            <a:r>
-              <a:rPr lang="pl-PL" sz="2400" dirty="0">
-                <a:latin typeface="Consolas" panose="020B0609020204030204" pitchFamily="49" charset="0"/>
-                <a:cs typeface="Consolas" panose="020B0609020204030204" pitchFamily="49" charset="0"/>
-              </a:rPr>
-              <a:t>	</a:t>
-            </a:r>
-            <a:r>
-              <a:rPr lang="pl-PL" sz="2400" dirty="0" err="1">
-                <a:solidFill>
-                  <a:schemeClr val="accent1"/>
-                </a:solidFill>
-                <a:latin typeface="Consolas" panose="020B0609020204030204" pitchFamily="49" charset="0"/>
-                <a:cs typeface="Consolas" panose="020B0609020204030204" pitchFamily="49" charset="0"/>
-              </a:rPr>
-              <a:t>constructor</a:t>
-            </a:r>
-            <a:r>
-              <a:rPr lang="pl-PL" sz="2400" dirty="0">
-                <a:latin typeface="Consolas" panose="020B0609020204030204" pitchFamily="49" charset="0"/>
-                <a:cs typeface="Consolas" panose="020B0609020204030204" pitchFamily="49" charset="0"/>
-              </a:rPr>
-              <a:t>(</a:t>
-            </a:r>
-            <a:r>
-              <a:rPr lang="pl-PL" sz="2400" dirty="0" err="1">
-                <a:latin typeface="Consolas" panose="020B0609020204030204" pitchFamily="49" charset="0"/>
-                <a:cs typeface="Consolas" panose="020B0609020204030204" pitchFamily="49" charset="0"/>
-              </a:rPr>
-              <a:t>heroService:HeroService</a:t>
-            </a:r>
-            <a:r>
-              <a:rPr lang="pl-PL" sz="2400" dirty="0">
-                <a:latin typeface="Consolas" panose="020B0609020204030204" pitchFamily="49" charset="0"/>
-                <a:cs typeface="Consolas" panose="020B0609020204030204" pitchFamily="49" charset="0"/>
-              </a:rPr>
-              <a:t>){</a:t>
-            </a:r>
-          </a:p>
-          <a:p>
-            <a:pPr marL="0" indent="0">
-              <a:buNone/>
-            </a:pPr>
-            <a:r>
-              <a:rPr lang="pl-PL" sz="2400" dirty="0">
-                <a:latin typeface="Consolas" panose="020B0609020204030204" pitchFamily="49" charset="0"/>
-                <a:cs typeface="Consolas" panose="020B0609020204030204" pitchFamily="49" charset="0"/>
-              </a:rPr>
-              <a:t>		_</a:t>
-            </a:r>
-            <a:r>
-              <a:rPr lang="pl-PL" sz="2400" dirty="0" err="1">
-                <a:latin typeface="Consolas" panose="020B0609020204030204" pitchFamily="49" charset="0"/>
-                <a:cs typeface="Consolas" panose="020B0609020204030204" pitchFamily="49" charset="0"/>
-              </a:rPr>
-              <a:t>heroService</a:t>
-            </a:r>
-            <a:r>
-              <a:rPr lang="pl-PL" sz="2400" dirty="0">
-                <a:latin typeface="Consolas" panose="020B0609020204030204" pitchFamily="49" charset="0"/>
-                <a:cs typeface="Consolas" panose="020B0609020204030204" pitchFamily="49" charset="0"/>
-              </a:rPr>
-              <a:t> = </a:t>
-            </a:r>
-            <a:r>
-              <a:rPr lang="pl-PL" sz="2400" dirty="0" err="1">
-                <a:latin typeface="Consolas" panose="020B0609020204030204" pitchFamily="49" charset="0"/>
-                <a:cs typeface="Consolas" panose="020B0609020204030204" pitchFamily="49" charset="0"/>
-              </a:rPr>
-              <a:t>heroService</a:t>
-            </a:r>
-            <a:r>
-              <a:rPr lang="pl-PL" sz="2400" dirty="0">
-                <a:latin typeface="Consolas" panose="020B0609020204030204" pitchFamily="49" charset="0"/>
-                <a:cs typeface="Consolas" panose="020B0609020204030204" pitchFamily="49" charset="0"/>
-              </a:rPr>
-              <a:t>;</a:t>
-            </a:r>
-          </a:p>
-          <a:p>
-            <a:pPr marL="0" indent="0">
-              <a:buNone/>
-            </a:pPr>
-            <a:r>
-              <a:rPr lang="pl-PL" sz="2400" dirty="0">
-                <a:latin typeface="Consolas" panose="020B0609020204030204" pitchFamily="49" charset="0"/>
-                <a:cs typeface="Consolas" panose="020B0609020204030204" pitchFamily="49" charset="0"/>
-              </a:rPr>
-              <a:t>	}</a:t>
-            </a:r>
-          </a:p>
-          <a:p>
-            <a:pPr marL="0" indent="0">
-              <a:buNone/>
-            </a:pPr>
-            <a:r>
-              <a:rPr lang="pl-PL" sz="2400" dirty="0">
-                <a:latin typeface="Consolas" panose="020B0609020204030204" pitchFamily="49" charset="0"/>
-                <a:cs typeface="Consolas" panose="020B0609020204030204" pitchFamily="49" charset="0"/>
-              </a:rPr>
-              <a:t>}</a:t>
-            </a:r>
-            <a:endParaRPr lang="pl-PL" sz="2400" dirty="0"/>
-          </a:p>
-        </p:txBody>
-      </p:sp>
-    </p:spTree>
-    <p:extLst>
-      <p:ext uri="{BB962C8B-B14F-4D97-AF65-F5344CB8AC3E}">
-        <p14:creationId xmlns:p14="http://schemas.microsoft.com/office/powerpoint/2010/main" val="1760407958"/>
-      </p:ext>
-    </p:extLst>
-  </p:cSld>
-  <p:clrMapOvr>
-    <a:masterClrMapping/>
-  </p:clrMapOvr>
-</p:sld>
-</file>
-
 <file path=ppt/slides/slide32.xml><?xml version="1.0" encoding="utf-8"?>
 <p:sld xmlns:a="http://schemas.openxmlformats.org/drawingml/2006/main" xmlns:r="http://schemas.openxmlformats.org/officeDocument/2006/relationships" xmlns:p="http://schemas.openxmlformats.org/presentationml/2006/main">
   <p:cSld>
@@ -28737,28 +29493,24 @@
                 <a:solidFill>
                   <a:schemeClr val="accent1"/>
                 </a:solidFill>
-                <a:latin typeface="Consolas" panose="020B0609020204030204" pitchFamily="49" charset="0"/>
                 <a:cs typeface="Consolas" panose="020B0609020204030204" pitchFamily="49" charset="0"/>
               </a:rPr>
               <a:t>import</a:t>
             </a:r>
             <a:r>
               <a:rPr lang="pl-PL" sz="2400" dirty="0">
-                <a:latin typeface="Consolas" panose="020B0609020204030204" pitchFamily="49" charset="0"/>
                 <a:cs typeface="Consolas" panose="020B0609020204030204" pitchFamily="49" charset="0"/>
               </a:rPr>
               <a:t> {</a:t>
             </a:r>
             <a:r>
               <a:rPr lang="pl-PL" sz="2400" dirty="0" err="1">
-                <a:latin typeface="Consolas" panose="020B0609020204030204" pitchFamily="49" charset="0"/>
                 <a:cs typeface="Consolas" panose="020B0609020204030204" pitchFamily="49" charset="0"/>
               </a:rPr>
               <a:t>HeroService</a:t>
             </a:r>
             <a:r>
               <a:rPr lang="pl-PL" sz="2400" dirty="0">
-                <a:latin typeface="Consolas" panose="020B0609020204030204" pitchFamily="49" charset="0"/>
                 <a:cs typeface="Consolas" panose="020B0609020204030204" pitchFamily="49" charset="0"/>
               </a:rPr>
               <a:t>} </a:t>
@@ -28768,28 +29520,24 @@
                 <a:solidFill>
                   <a:schemeClr val="accent1"/>
                 </a:solidFill>
-                <a:latin typeface="Consolas" panose="020B0609020204030204" pitchFamily="49" charset="0"/>
                 <a:cs typeface="Consolas" panose="020B0609020204030204" pitchFamily="49" charset="0"/>
               </a:rPr>
               <a:t>from</a:t>
             </a:r>
             <a:r>
               <a:rPr lang="pl-PL" sz="2400" dirty="0">
-                <a:latin typeface="Consolas" panose="020B0609020204030204" pitchFamily="49" charset="0"/>
                 <a:cs typeface="Consolas" panose="020B0609020204030204" pitchFamily="49" charset="0"/>
               </a:rPr>
               <a:t> ’./hero-list/</a:t>
             </a:r>
             <a:r>
               <a:rPr lang="pl-PL" sz="2400" dirty="0" err="1">
-                <a:latin typeface="Consolas" panose="020B0609020204030204" pitchFamily="49" charset="0"/>
                 <a:cs typeface="Consolas" panose="020B0609020204030204" pitchFamily="49" charset="0"/>
               </a:rPr>
               <a:t>hero.service.ts</a:t>
             </a:r>
             <a:r>
               <a:rPr lang="pl-PL" sz="2400" dirty="0">
-                <a:latin typeface="Consolas" panose="020B0609020204030204" pitchFamily="49" charset="0"/>
                 <a:cs typeface="Consolas" panose="020B0609020204030204" pitchFamily="49" charset="0"/>
               </a:rPr>
               <a:t>’</a:t>
@@ -28804,7 +29552,6 @@
                 <a:solidFill>
                   <a:srgbClr val="0070C0"/>
                 </a:solidFill>
-                <a:latin typeface="Consolas" panose="020B0609020204030204" pitchFamily="49" charset="0"/>
                 <a:cs typeface="Consolas" panose="020B0609020204030204" pitchFamily="49" charset="0"/>
               </a:rPr>
               <a:t>export </a:t>
@@ -28814,28 +29561,340 @@
                 <a:solidFill>
                   <a:srgbClr val="0070C0"/>
                 </a:solidFill>
-                <a:latin typeface="Consolas" panose="020B0609020204030204" pitchFamily="49" charset="0"/>
                 <a:cs typeface="Consolas" panose="020B0609020204030204" pitchFamily="49" charset="0"/>
               </a:rPr>
               <a:t>class</a:t>
             </a:r>
             <a:r>
               <a:rPr lang="pl-PL" sz="2400" dirty="0">
-                <a:latin typeface="Consolas" panose="020B0609020204030204" pitchFamily="49" charset="0"/>
                 <a:cs typeface="Consolas" panose="020B0609020204030204" pitchFamily="49" charset="0"/>
               </a:rPr>
               <a:t> </a:t>
             </a:r>
             <a:r>
               <a:rPr lang="pl-PL" sz="2400" dirty="0" err="1">
-                <a:latin typeface="Consolas" panose="020B0609020204030204" pitchFamily="49" charset="0"/>
                 <a:cs typeface="Consolas" panose="020B0609020204030204" pitchFamily="49" charset="0"/>
               </a:rPr>
               <a:t>HeroListComponent</a:t>
             </a:r>
             <a:r>
               <a:rPr lang="pl-PL" sz="2400" dirty="0">
-                <a:latin typeface="Consolas" panose="020B0609020204030204" pitchFamily="49" charset="0"/>
+                <a:cs typeface="Consolas" panose="020B0609020204030204" pitchFamily="49" charset="0"/>
+              </a:rPr>
+              <a:t>{</a:t>
+            </a:r>
+          </a:p>
+          <a:p>
+            <a:pPr marL="0" indent="0">
+              <a:buNone/>
+            </a:pPr>
+            <a:r>
+              <a:rPr lang="pl-PL" sz="2400" dirty="0">
+                <a:cs typeface="Consolas" panose="020B0609020204030204" pitchFamily="49" charset="0"/>
+              </a:rPr>
+              <a:t>	</a:t>
+            </a:r>
+            <a:r>
+              <a:rPr lang="pl-PL" sz="2400" dirty="0" err="1">
+                <a:solidFill>
+                  <a:srgbClr val="0070C0"/>
+                </a:solidFill>
+                <a:cs typeface="Consolas" panose="020B0609020204030204" pitchFamily="49" charset="0"/>
+              </a:rPr>
+              <a:t>private</a:t>
+            </a:r>
+            <a:r>
+              <a:rPr lang="pl-PL" sz="2400" dirty="0">
+                <a:cs typeface="Consolas" panose="020B0609020204030204" pitchFamily="49" charset="0"/>
+              </a:rPr>
+              <a:t> _</a:t>
+            </a:r>
+            <a:r>
+              <a:rPr lang="pl-PL" sz="2400" dirty="0" err="1">
+                <a:cs typeface="Consolas" panose="020B0609020204030204" pitchFamily="49" charset="0"/>
+              </a:rPr>
+              <a:t>heroService:HeroService</a:t>
+            </a:r>
+            <a:r>
+              <a:rPr lang="pl-PL" sz="2400" dirty="0">
+                <a:cs typeface="Consolas" panose="020B0609020204030204" pitchFamily="49" charset="0"/>
+              </a:rPr>
+              <a:t>;</a:t>
+            </a:r>
+          </a:p>
+          <a:p>
+            <a:pPr marL="0" indent="0">
+              <a:buNone/>
+            </a:pPr>
+            <a:r>
+              <a:rPr lang="pl-PL" sz="2400" dirty="0">
+                <a:cs typeface="Consolas" panose="020B0609020204030204" pitchFamily="49" charset="0"/>
+              </a:rPr>
+              <a:t>	</a:t>
+            </a:r>
+            <a:r>
+              <a:rPr lang="pl-PL" sz="2400" dirty="0" err="1">
+                <a:solidFill>
+                  <a:schemeClr val="accent1"/>
+                </a:solidFill>
+                <a:cs typeface="Consolas" panose="020B0609020204030204" pitchFamily="49" charset="0"/>
+              </a:rPr>
+              <a:t>constructor</a:t>
+            </a:r>
+            <a:r>
+              <a:rPr lang="pl-PL" sz="2400" dirty="0">
+                <a:cs typeface="Consolas" panose="020B0609020204030204" pitchFamily="49" charset="0"/>
+              </a:rPr>
+              <a:t>(</a:t>
+            </a:r>
+            <a:r>
+              <a:rPr lang="pl-PL" sz="2400" dirty="0" err="1">
+                <a:cs typeface="Consolas" panose="020B0609020204030204" pitchFamily="49" charset="0"/>
+              </a:rPr>
+              <a:t>heroService:HeroService</a:t>
+            </a:r>
+            <a:r>
+              <a:rPr lang="pl-PL" sz="2400" dirty="0">
+                <a:cs typeface="Consolas" panose="020B0609020204030204" pitchFamily="49" charset="0"/>
+              </a:rPr>
+              <a:t>){</a:t>
+            </a:r>
+          </a:p>
+          <a:p>
+            <a:pPr marL="0" indent="0">
+              <a:buNone/>
+            </a:pPr>
+            <a:r>
+              <a:rPr lang="pl-PL" sz="2400" dirty="0">
+                <a:cs typeface="Consolas" panose="020B0609020204030204" pitchFamily="49" charset="0"/>
+              </a:rPr>
+              <a:t>		_</a:t>
+            </a:r>
+            <a:r>
+              <a:rPr lang="pl-PL" sz="2400" dirty="0" err="1">
+                <a:cs typeface="Consolas" panose="020B0609020204030204" pitchFamily="49" charset="0"/>
+              </a:rPr>
+              <a:t>heroService</a:t>
+            </a:r>
+            <a:r>
+              <a:rPr lang="pl-PL" sz="2400" dirty="0">
+                <a:cs typeface="Consolas" panose="020B0609020204030204" pitchFamily="49" charset="0"/>
+              </a:rPr>
+              <a:t> = </a:t>
+            </a:r>
+            <a:r>
+              <a:rPr lang="pl-PL" sz="2400" dirty="0" err="1">
+                <a:cs typeface="Consolas" panose="020B0609020204030204" pitchFamily="49" charset="0"/>
+              </a:rPr>
+              <a:t>heroService</a:t>
+            </a:r>
+            <a:r>
+              <a:rPr lang="pl-PL" sz="2400" dirty="0">
+                <a:cs typeface="Consolas" panose="020B0609020204030204" pitchFamily="49" charset="0"/>
+              </a:rPr>
+              <a:t>;</a:t>
+            </a:r>
+          </a:p>
+          <a:p>
+            <a:pPr marL="0" indent="0">
+              <a:buNone/>
+            </a:pPr>
+            <a:r>
+              <a:rPr lang="pl-PL" sz="2400" dirty="0">
+                <a:cs typeface="Consolas" panose="020B0609020204030204" pitchFamily="49" charset="0"/>
+              </a:rPr>
+              <a:t>	}</a:t>
+            </a:r>
+          </a:p>
+          <a:p>
+            <a:pPr marL="0" indent="0">
+              <a:buNone/>
+            </a:pPr>
+            <a:r>
+              <a:rPr lang="pl-PL" sz="2400" dirty="0">
+                <a:cs typeface="Consolas" panose="020B0609020204030204" pitchFamily="49" charset="0"/>
+              </a:rPr>
+              <a:t>}</a:t>
+            </a:r>
+            <a:endParaRPr lang="pl-PL" sz="2400" dirty="0"/>
+          </a:p>
+        </p:txBody>
+      </p:sp>
+    </p:spTree>
+    <p:extLst>
+      <p:ext uri="{BB962C8B-B14F-4D97-AF65-F5344CB8AC3E}">
+        <p14:creationId xmlns:p14="http://schemas.microsoft.com/office/powerpoint/2010/main" val="1760407958"/>
+      </p:ext>
+    </p:extLst>
+  </p:cSld>
+  <p:clrMapOvr>
+    <a:masterClrMapping/>
+  </p:clrMapOvr>
+</p:sld>
+</file>
+
+<file path=ppt/slides/slide33.xml><?xml version="1.0" encoding="utf-8"?>
+<p:sld xmlns:a="http://schemas.openxmlformats.org/drawingml/2006/main" xmlns:r="http://schemas.openxmlformats.org/officeDocument/2006/relationships" xmlns:p="http://schemas.openxmlformats.org/presentationml/2006/main">
+  <p:cSld>
+    <p:spTree>
+      <p:nvGrpSpPr>
+        <p:cNvPr id="1" name=""/>
+        <p:cNvGrpSpPr/>
+        <p:nvPr/>
+      </p:nvGrpSpPr>
+      <p:grpSpPr>
+        <a:xfrm>
+          <a:off x="0" y="0"/>
+          <a:ext cx="0" cy="0"/>
+          <a:chOff x="0" y="0"/>
+          <a:chExt cx="0" cy="0"/>
+        </a:xfrm>
+      </p:grpSpPr>
+      <p:sp>
+        <p:nvSpPr>
+          <p:cNvPr id="2" name="Title 1">
+            <a:extLst>
+              <a:ext uri="{FF2B5EF4-FFF2-40B4-BE49-F238E27FC236}">
+                <a16:creationId xmlns:a16="http://schemas.microsoft.com/office/drawing/2014/main" id="{B6026043-22FE-463F-9D6A-1015721FA627}"/>
+              </a:ext>
+            </a:extLst>
+          </p:cNvPr>
+          <p:cNvSpPr>
+            <a:spLocks noGrp="1"/>
+          </p:cNvSpPr>
+          <p:nvPr>
+            <p:ph type="title"/>
+          </p:nvPr>
+        </p:nvSpPr>
+        <p:spPr/>
+        <p:txBody>
+          <a:bodyPr/>
+          <a:lstStyle/>
+          <a:p>
+            <a:r>
+              <a:rPr lang="pl-PL" dirty="0"/>
+              <a:t>Wstrzykiwanie zależności</a:t>
+            </a:r>
+          </a:p>
+        </p:txBody>
+      </p:sp>
+      <p:sp>
+        <p:nvSpPr>
+          <p:cNvPr id="3" name="Content Placeholder 2">
+            <a:extLst>
+              <a:ext uri="{FF2B5EF4-FFF2-40B4-BE49-F238E27FC236}">
+                <a16:creationId xmlns:a16="http://schemas.microsoft.com/office/drawing/2014/main" id="{08D1D64D-B75C-41F5-920D-17573C304A73}"/>
+              </a:ext>
+            </a:extLst>
+          </p:cNvPr>
+          <p:cNvSpPr>
+            <a:spLocks noGrp="1"/>
+          </p:cNvSpPr>
+          <p:nvPr>
+            <p:ph idx="1"/>
+          </p:nvPr>
+        </p:nvSpPr>
+        <p:spPr/>
+        <p:txBody>
+          <a:bodyPr>
+            <a:normAutofit/>
+          </a:bodyPr>
+          <a:lstStyle/>
+          <a:p>
+            <a:pPr marL="0" indent="0">
+              <a:buNone/>
+            </a:pPr>
+            <a:r>
+              <a:rPr lang="pl-PL" sz="2400" dirty="0">
+                <a:solidFill>
+                  <a:schemeClr val="accent1"/>
+                </a:solidFill>
+                <a:cs typeface="Consolas" panose="020B0609020204030204" pitchFamily="49" charset="0"/>
+              </a:rPr>
+              <a:t>import</a:t>
+            </a:r>
+            <a:r>
+              <a:rPr lang="pl-PL" sz="2400" dirty="0">
+                <a:cs typeface="Consolas" panose="020B0609020204030204" pitchFamily="49" charset="0"/>
+              </a:rPr>
+              <a:t> {</a:t>
+            </a:r>
+            <a:r>
+              <a:rPr lang="pl-PL" sz="2400" dirty="0" err="1">
+                <a:cs typeface="Consolas" panose="020B0609020204030204" pitchFamily="49" charset="0"/>
+              </a:rPr>
+              <a:t>HeroService</a:t>
+            </a:r>
+            <a:r>
+              <a:rPr lang="pl-PL" sz="2400" dirty="0">
+                <a:cs typeface="Consolas" panose="020B0609020204030204" pitchFamily="49" charset="0"/>
+              </a:rPr>
+              <a:t>} </a:t>
+            </a:r>
+            <a:r>
+              <a:rPr lang="pl-PL" sz="2400" dirty="0">
+                <a:solidFill>
+                  <a:schemeClr val="accent1"/>
+                </a:solidFill>
+                <a:cs typeface="Consolas" panose="020B0609020204030204" pitchFamily="49" charset="0"/>
+              </a:rPr>
+              <a:t>from</a:t>
+            </a:r>
+            <a:r>
+              <a:rPr lang="pl-PL" sz="2400" dirty="0">
+                <a:cs typeface="Consolas" panose="020B0609020204030204" pitchFamily="49" charset="0"/>
+              </a:rPr>
+              <a:t> ’./hero-list/</a:t>
+            </a:r>
+            <a:r>
+              <a:rPr lang="pl-PL" sz="2400" dirty="0" err="1">
+                <a:cs typeface="Consolas" panose="020B0609020204030204" pitchFamily="49" charset="0"/>
+              </a:rPr>
+              <a:t>hero.service.ts</a:t>
+            </a:r>
+            <a:r>
+              <a:rPr lang="pl-PL" sz="2400" dirty="0">
+                <a:cs typeface="Consolas" panose="020B0609020204030204" pitchFamily="49" charset="0"/>
+              </a:rPr>
+              <a:t>’</a:t>
+            </a:r>
+          </a:p>
+          <a:p>
+            <a:pPr marL="0" indent="0">
+              <a:buNone/>
+            </a:pPr>
+            <a:r>
+              <a:rPr lang="pl-PL" sz="2400" dirty="0">
+                <a:solidFill>
+                  <a:srgbClr val="0070C0"/>
+                </a:solidFill>
+                <a:cs typeface="Consolas" panose="020B0609020204030204" pitchFamily="49" charset="0"/>
+              </a:rPr>
+              <a:t>export </a:t>
+            </a:r>
+            <a:r>
+              <a:rPr lang="pl-PL" sz="2400" dirty="0" err="1">
+                <a:solidFill>
+                  <a:srgbClr val="0070C0"/>
+                </a:solidFill>
+                <a:cs typeface="Consolas" panose="020B0609020204030204" pitchFamily="49" charset="0"/>
+              </a:rPr>
+              <a:t>class</a:t>
+            </a:r>
+            <a:r>
+              <a:rPr lang="pl-PL" sz="2400" dirty="0">
+                <a:cs typeface="Consolas" panose="020B0609020204030204" pitchFamily="49" charset="0"/>
+              </a:rPr>
+              <a:t> </a:t>
+            </a:r>
+            <a:r>
+              <a:rPr lang="pl-PL" sz="2400" dirty="0" err="1">
+                <a:cs typeface="Consolas" panose="020B0609020204030204" pitchFamily="49" charset="0"/>
+              </a:rPr>
+              <a:t>HeroListComponent</a:t>
+            </a:r>
+            <a:r>
+              <a:rPr lang="pl-PL" sz="2400" dirty="0">
                 <a:cs typeface="Consolas" panose="020B0609020204030204" pitchFamily="49" charset="0"/>
               </a:rPr>
               <a:t>{</a:t>
@@ -28846,7 +29905,6 @@
               <a:buNone/>
             </a:pPr>
             <a:endParaRPr lang="pl-PL" sz="2400" dirty="0">
-              <a:latin typeface="Consolas" panose="020B0609020204030204" pitchFamily="49" charset="0"/>
               <a:cs typeface="Consolas" panose="020B0609020204030204" pitchFamily="49" charset="0"/>
             </a:endParaRPr>
           </a:p>
@@ -28856,7 +29914,6 @@
             </a:pPr>
             <a:r>
               <a:rPr lang="pl-PL" sz="2400" dirty="0">
-                <a:latin typeface="Consolas" panose="020B0609020204030204" pitchFamily="49" charset="0"/>
                 <a:cs typeface="Consolas" panose="020B0609020204030204" pitchFamily="49" charset="0"/>
               </a:rPr>
               <a:t>	</a:t>
@@ -28866,14 +29923,12 @@
                 <a:solidFill>
                   <a:schemeClr val="accent1"/>
                 </a:solidFill>
-                <a:latin typeface="Consolas" panose="020B0609020204030204" pitchFamily="49" charset="0"/>
                 <a:cs typeface="Consolas" panose="020B0609020204030204" pitchFamily="49" charset="0"/>
               </a:rPr>
               <a:t>constructor</a:t>
             </a:r>
             <a:r>
               <a:rPr lang="pl-PL" sz="2400" dirty="0">
-                <a:latin typeface="Consolas" panose="020B0609020204030204" pitchFamily="49" charset="0"/>
                 <a:cs typeface="Consolas" panose="020B0609020204030204" pitchFamily="49" charset="0"/>
               </a:rPr>
               <a:t>(</a:t>
@@ -28883,28 +29938,24 @@
                 <a:solidFill>
                   <a:schemeClr val="accent1"/>
                 </a:solidFill>
-                <a:latin typeface="Consolas" panose="020B0609020204030204" pitchFamily="49" charset="0"/>
                 <a:cs typeface="Consolas" panose="020B0609020204030204" pitchFamily="49" charset="0"/>
               </a:rPr>
               <a:t>private</a:t>
             </a:r>
             <a:r>
               <a:rPr lang="pl-PL" sz="2400" dirty="0">
-                <a:latin typeface="Consolas" panose="020B0609020204030204" pitchFamily="49" charset="0"/>
                 <a:cs typeface="Consolas" panose="020B0609020204030204" pitchFamily="49" charset="0"/>
               </a:rPr>
               <a:t> </a:t>
             </a:r>
             <a:r>
               <a:rPr lang="pl-PL" sz="2400" dirty="0" err="1">
-                <a:latin typeface="Consolas" panose="020B0609020204030204" pitchFamily="49" charset="0"/>
                 <a:cs typeface="Consolas" panose="020B0609020204030204" pitchFamily="49" charset="0"/>
               </a:rPr>
               <a:t>heroService:HeroService</a:t>
             </a:r>
             <a:r>
               <a:rPr lang="pl-PL" sz="2400" dirty="0">
-                <a:latin typeface="Consolas" panose="020B0609020204030204" pitchFamily="49" charset="0"/>
                 <a:cs typeface="Consolas" panose="020B0609020204030204" pitchFamily="49" charset="0"/>
               </a:rPr>
               <a:t>){</a:t>
@@ -28916,7 +29967,6 @@
             </a:pPr>
             <a:r>
               <a:rPr lang="pl-PL" sz="2400" dirty="0">
-                <a:latin typeface="Consolas" panose="020B0609020204030204" pitchFamily="49" charset="0"/>
                 <a:cs typeface="Consolas" panose="020B0609020204030204" pitchFamily="49" charset="0"/>
               </a:rPr>
               <a:t>	}</a:t>
@@ -28928,7 +29978,6 @@
             </a:pPr>
             <a:r>
               <a:rPr lang="pl-PL" sz="2400" dirty="0">
-                <a:latin typeface="Consolas" panose="020B0609020204030204" pitchFamily="49" charset="0"/>
                 <a:cs typeface="Consolas" panose="020B0609020204030204" pitchFamily="49" charset="0"/>
               </a:rPr>
               <a:t>}</a:t>
@@ -28950,7 +29999,7 @@
 </p:sld>
 </file>
 
-<file path=ppt/slides/slide33.xml><?xml version="1.0" encoding="utf-8"?>
+<file path=ppt/slides/slide34.xml><?xml version="1.0" encoding="utf-8"?>
 <p:sld xmlns:a="http://schemas.openxmlformats.org/drawingml/2006/main" xmlns:r="http://schemas.openxmlformats.org/officeDocument/2006/relationships" xmlns:p="http://schemas.openxmlformats.org/presentationml/2006/main">
   <p:cSld>
     <p:spTree>
@@ -29026,7 +30075,7 @@
             </a:r>
             <a:r>
               <a:rPr lang="pl-PL" dirty="0"/>
-              <a:t> do formatowania waluty w złotych polskich</a:t>
+              <a:t>, który zamieni grupę na obrazek</a:t>
             </a:r>
           </a:p>
           <a:p>
@@ -29112,7 +30161,7 @@
 </p:sld>
 </file>
 
-<file path=ppt/slides/slide34.xml><?xml version="1.0" encoding="utf-8"?>
+<file path=ppt/slides/slide35.xml><?xml version="1.0" encoding="utf-8"?>
 <p:sld xmlns:a="http://schemas.openxmlformats.org/drawingml/2006/main" xmlns:r="http://schemas.openxmlformats.org/officeDocument/2006/relationships" xmlns:p="http://schemas.openxmlformats.org/presentationml/2006/main">
   <p:cSld>
     <p:spTree>
@@ -29369,7 +30418,7 @@
 </p:sld>
 </file>
 
-<file path=ppt/slides/slide35.xml><?xml version="1.0" encoding="utf-8"?>
+<file path=ppt/slides/slide36.xml><?xml version="1.0" encoding="utf-8"?>
 <p:sld xmlns:a="http://schemas.openxmlformats.org/drawingml/2006/main" xmlns:r="http://schemas.openxmlformats.org/officeDocument/2006/relationships" xmlns:p="http://schemas.openxmlformats.org/presentationml/2006/main">
   <p:cSld>
     <p:spTree>
@@ -29467,9 +30516,10 @@
           </a:p>
           <a:p>
             <a:r>
-              <a:rPr lang="pl-PL" dirty="0"/>
-              <a:t>Tworzenie formularza</a:t>
-            </a:r>
+              <a:rPr lang="pl-PL" dirty="0" err="1"/>
+              <a:t>Injectors</a:t>
+            </a:r>
+            <a:endParaRPr lang="pl-PL" dirty="0"/>
           </a:p>
         </p:txBody>
       </p:sp>
@@ -29690,114 +30740,6 @@
       </p:sp>
       <p:sp>
         <p:nvSpPr>
-          <p:cNvPr id="8" name="Objaśnienie liniowe 1 (obramowanie i kreska) 4">
-            <a:extLst>
-              <a:ext uri="{FF2B5EF4-FFF2-40B4-BE49-F238E27FC236}">
-                <a16:creationId xmlns:a16="http://schemas.microsoft.com/office/drawing/2014/main" id="{5FA88641-B448-4664-922D-CEDA67B1E951}"/>
-              </a:ext>
-            </a:extLst>
-          </p:cNvPr>
-          <p:cNvSpPr/>
-          <p:nvPr/>
-        </p:nvSpPr>
-        <p:spPr>
-          <a:xfrm>
-            <a:off x="5505135" y="4027082"/>
-            <a:ext cx="2160240" cy="936104"/>
-          </a:xfrm>
-          <a:prstGeom prst="accentBorderCallout1">
-            <a:avLst>
-              <a:gd name="adj1" fmla="val 18750"/>
-              <a:gd name="adj2" fmla="val -8333"/>
-              <a:gd name="adj3" fmla="val -79248"/>
-              <a:gd name="adj4" fmla="val -36465"/>
-            </a:avLst>
-          </a:prstGeom>
-        </p:spPr>
-        <p:style>
-          <a:lnRef idx="2">
-            <a:schemeClr val="accent2">
-              <a:shade val="50000"/>
-            </a:schemeClr>
-          </a:lnRef>
-          <a:fillRef idx="1">
-            <a:schemeClr val="accent2"/>
-          </a:fillRef>
-          <a:effectRef idx="0">
-            <a:schemeClr val="accent2"/>
-          </a:effectRef>
-          <a:fontRef idx="minor">
-            <a:schemeClr val="lt1"/>
-          </a:fontRef>
-        </p:style>
-        <p:txBody>
-          <a:bodyPr rtlCol="0" anchor="ctr"/>
-          <a:lstStyle/>
-          <a:p>
-            <a:pPr algn="ctr"/>
-            <a:r>
-              <a:rPr lang="pl-PL" sz="2400" dirty="0"/>
-              <a:t>Źródło bindingu ’’</a:t>
-            </a:r>
-          </a:p>
-        </p:txBody>
-      </p:sp>
-      <p:sp>
-        <p:nvSpPr>
-          <p:cNvPr id="6" name="Objaśnienie liniowe 1 (obramowanie i kreska) 3">
-            <a:extLst>
-              <a:ext uri="{FF2B5EF4-FFF2-40B4-BE49-F238E27FC236}">
-                <a16:creationId xmlns:a16="http://schemas.microsoft.com/office/drawing/2014/main" id="{FB7A5B4B-E9EF-407E-8251-C052BDE2ED66}"/>
-              </a:ext>
-            </a:extLst>
-          </p:cNvPr>
-          <p:cNvSpPr/>
-          <p:nvPr/>
-        </p:nvSpPr>
-        <p:spPr>
-          <a:xfrm>
-            <a:off x="2942849" y="4041955"/>
-            <a:ext cx="2160240" cy="936104"/>
-          </a:xfrm>
-          <a:prstGeom prst="accentBorderCallout1">
-            <a:avLst>
-              <a:gd name="adj1" fmla="val 18750"/>
-              <a:gd name="adj2" fmla="val -8333"/>
-              <a:gd name="adj3" fmla="val -76852"/>
-              <a:gd name="adj4" fmla="val 13112"/>
-            </a:avLst>
-          </a:prstGeom>
-        </p:spPr>
-        <p:style>
-          <a:lnRef idx="2">
-            <a:schemeClr val="accent2">
-              <a:shade val="50000"/>
-            </a:schemeClr>
-          </a:lnRef>
-          <a:fillRef idx="1">
-            <a:schemeClr val="accent2"/>
-          </a:fillRef>
-          <a:effectRef idx="0">
-            <a:schemeClr val="accent2"/>
-          </a:effectRef>
-          <a:fontRef idx="minor">
-            <a:schemeClr val="lt1"/>
-          </a:fontRef>
-        </p:style>
-        <p:txBody>
-          <a:bodyPr rtlCol="0" anchor="ctr"/>
-          <a:lstStyle/>
-          <a:p>
-            <a:pPr algn="ctr"/>
-            <a:r>
-              <a:rPr lang="pl-PL" sz="2400" dirty="0"/>
-              <a:t>Cel bindingu    []</a:t>
-            </a:r>
-          </a:p>
-        </p:txBody>
-      </p:sp>
-      <p:sp>
-        <p:nvSpPr>
           <p:cNvPr id="3" name="Content Placeholder 2">
             <a:extLst>
               <a:ext uri="{FF2B5EF4-FFF2-40B4-BE49-F238E27FC236}">
@@ -29840,7 +30782,7 @@
               <a:t> [</a:t>
             </a:r>
             <a:r>
-              <a:rPr lang="pl-PL" dirty="0">
+              <a:rPr lang="pl-PL" dirty="0" err="1">
                 <a:solidFill>
                   <a:srgbClr val="FF0000"/>
                 </a:solidFill>
@@ -29852,12 +30794,12 @@
               <a:t>]=‘</a:t>
             </a:r>
             <a:r>
-              <a:rPr lang="pl-PL" dirty="0">
+              <a:rPr lang="pl-PL" dirty="0" err="1">
                 <a:solidFill>
                   <a:srgbClr val="FF0000"/>
                 </a:solidFill>
               </a:rPr>
-              <a:t>product.imageUrl</a:t>
+              <a:t>hero.imageUrl</a:t>
             </a:r>
             <a:r>
               <a:rPr lang="pl-PL" dirty="0"/>
@@ -29893,7 +30835,7 @@
               <a:t> </a:t>
             </a:r>
             <a:r>
-              <a:rPr lang="pl-PL" dirty="0">
+              <a:rPr lang="pl-PL" dirty="0" err="1">
                 <a:solidFill>
                   <a:srgbClr val="FF0000"/>
                 </a:solidFill>
@@ -29905,12 +30847,12 @@
               <a:t>={{</a:t>
             </a:r>
             <a:r>
-              <a:rPr lang="pl-PL" dirty="0">
+              <a:rPr lang="pl-PL" dirty="0" err="1">
                 <a:solidFill>
                   <a:srgbClr val="FF0000"/>
                 </a:solidFill>
               </a:rPr>
-              <a:t>product.imageUrl</a:t>
+              <a:t>hero.imageUrl</a:t>
             </a:r>
             <a:r>
               <a:rPr lang="pl-PL" dirty="0"/>
@@ -29963,7 +30905,23 @@
                   <a:srgbClr val="0070C0"/>
                 </a:solidFill>
               </a:rPr>
-              <a:t>’http://openclipart.org/{{product.imageUrl}}’</a:t>
+              <a:t>’http://openclipart.org/{{</a:t>
+            </a:r>
+            <a:r>
+              <a:rPr lang="pl-PL" dirty="0" err="1">
+                <a:solidFill>
+                  <a:srgbClr val="0070C0"/>
+                </a:solidFill>
+              </a:rPr>
+              <a:t>hero.imageUrl</a:t>
+            </a:r>
+            <a:r>
+              <a:rPr lang="pl-PL" dirty="0">
+                <a:solidFill>
+                  <a:srgbClr val="0070C0"/>
+                </a:solidFill>
+              </a:rPr>
+              <a:t>}}’</a:t>
             </a:r>
             <a:r>
               <a:rPr lang="pl-PL" dirty="0"/>
@@ -30014,7 +30972,7 @@
                             </p:stCondLst>
                             <p:childTnLst>
                               <p:par>
-                                <p:cTn id="5" presetID="10" presetClass="entr" presetSubtype="0" fill="hold" grpId="0" nodeType="clickEffect">
+                                <p:cTn id="5" presetID="10" presetClass="entr" presetSubtype="0" fill="hold" nodeType="clickEffect">
                                   <p:stCondLst>
                                     <p:cond delay="0"/>
                                   </p:stCondLst>
@@ -30027,7 +30985,11 @@
                                           </p:stCondLst>
                                         </p:cTn>
                                         <p:tgtEl>
-                                          <p:spTgt spid="4"/>
+                                          <p:spTgt spid="3">
+                                            <p:txEl>
+                                              <p:pRg st="0" end="0"/>
+                                            </p:txEl>
+                                          </p:spTgt>
                                         </p:tgtEl>
                                         <p:attrNameLst>
                                           <p:attrName>style.visibility</p:attrName>
@@ -30041,7 +31003,11 @@
                                       <p:cBhvr>
                                         <p:cTn id="7" dur="500"/>
                                         <p:tgtEl>
-                                          <p:spTgt spid="4"/>
+                                          <p:spTgt spid="3">
+                                            <p:txEl>
+                                              <p:pRg st="0" end="0"/>
+                                            </p:txEl>
+                                          </p:spTgt>
                                         </p:tgtEl>
                                       </p:cBhvr>
                                     </p:animEffect>
@@ -30080,7 +31046,7 @@
                                           </p:stCondLst>
                                         </p:cTn>
                                         <p:tgtEl>
-                                          <p:spTgt spid="5"/>
+                                          <p:spTgt spid="4"/>
                                         </p:tgtEl>
                                         <p:attrNameLst>
                                           <p:attrName>style.visibility</p:attrName>
@@ -30094,7 +31060,7 @@
                                       <p:cBhvr>
                                         <p:cTn id="12" dur="500"/>
                                         <p:tgtEl>
-                                          <p:spTgt spid="5"/>
+                                          <p:spTgt spid="4"/>
                                         </p:tgtEl>
                                       </p:cBhvr>
                                     </p:animEffect>
@@ -30133,7 +31099,7 @@
                                           </p:stCondLst>
                                         </p:cTn>
                                         <p:tgtEl>
-                                          <p:spTgt spid="6"/>
+                                          <p:spTgt spid="5"/>
                                         </p:tgtEl>
                                         <p:attrNameLst>
                                           <p:attrName>style.visibility</p:attrName>
@@ -30147,7 +31113,7 @@
                                       <p:cBhvr>
                                         <p:cTn id="17" dur="500"/>
                                         <p:tgtEl>
-                                          <p:spTgt spid="6"/>
+                                          <p:spTgt spid="5"/>
                                         </p:tgtEl>
                                       </p:cBhvr>
                                     </p:animEffect>
@@ -30173,7 +31139,7 @@
                             </p:stCondLst>
                             <p:childTnLst>
                               <p:par>
-                                <p:cTn id="20" presetID="10" presetClass="entr" presetSubtype="0" fill="hold" grpId="0" nodeType="clickEffect">
+                                <p:cTn id="20" presetID="1" presetClass="exit" presetSubtype="0" fill="hold" grpId="1" nodeType="clickEffect">
                                   <p:stCondLst>
                                     <p:cond delay="0"/>
                                   </p:stCondLst>
@@ -30181,113 +31147,6 @@
                                     <p:set>
                                       <p:cBhvr>
                                         <p:cTn id="21" dur="1" fill="hold">
-                                          <p:stCondLst>
-                                            <p:cond delay="0"/>
-                                          </p:stCondLst>
-                                        </p:cTn>
-                                        <p:tgtEl>
-                                          <p:spTgt spid="8"/>
-                                        </p:tgtEl>
-                                        <p:attrNameLst>
-                                          <p:attrName>style.visibility</p:attrName>
-                                        </p:attrNameLst>
-                                      </p:cBhvr>
-                                      <p:to>
-                                        <p:strVal val="visible"/>
-                                      </p:to>
-                                    </p:set>
-                                    <p:animEffect transition="in" filter="fade">
-                                      <p:cBhvr>
-                                        <p:cTn id="22" dur="500"/>
-                                        <p:tgtEl>
-                                          <p:spTgt spid="8"/>
-                                        </p:tgtEl>
-                                      </p:cBhvr>
-                                    </p:animEffect>
-                                  </p:childTnLst>
-                                </p:cTn>
-                              </p:par>
-                            </p:childTnLst>
-                          </p:cTn>
-                        </p:par>
-                      </p:childTnLst>
-                    </p:cTn>
-                  </p:par>
-                  <p:par>
-                    <p:cTn id="23" fill="hold">
-                      <p:stCondLst>
-                        <p:cond delay="indefinite"/>
-                      </p:stCondLst>
-                      <p:childTnLst>
-                        <p:par>
-                          <p:cTn id="24" fill="hold">
-                            <p:stCondLst>
-                              <p:cond delay="0"/>
-                            </p:stCondLst>
-                            <p:childTnLst>
-                              <p:par>
-                                <p:cTn id="25" presetID="1" presetClass="exit" presetSubtype="0" fill="hold" grpId="1" nodeType="clickEffect">
-                                  <p:stCondLst>
-                                    <p:cond delay="0"/>
-                                  </p:stCondLst>
-                                  <p:childTnLst>
-                                    <p:set>
-                                      <p:cBhvr>
-                                        <p:cTn id="26" dur="1" fill="hold">
-                                          <p:stCondLst>
-                                            <p:cond delay="0"/>
-                                          </p:stCondLst>
-                                        </p:cTn>
-                                        <p:tgtEl>
-                                          <p:spTgt spid="6"/>
-                                        </p:tgtEl>
-                                        <p:attrNameLst>
-                                          <p:attrName>style.visibility</p:attrName>
-                                        </p:attrNameLst>
-                                      </p:cBhvr>
-                                      <p:to>
-                                        <p:strVal val="hidden"/>
-                                      </p:to>
-                                    </p:set>
-                                  </p:childTnLst>
-                                </p:cTn>
-                              </p:par>
-                              <p:par>
-                                <p:cTn id="27" presetID="1" presetClass="exit" presetSubtype="0" fill="hold" grpId="1" nodeType="withEffect">
-                                  <p:stCondLst>
-                                    <p:cond delay="0"/>
-                                  </p:stCondLst>
-                                  <p:childTnLst>
-                                    <p:set>
-                                      <p:cBhvr>
-                                        <p:cTn id="28" dur="1" fill="hold">
-                                          <p:stCondLst>
-                                            <p:cond delay="0"/>
-                                          </p:stCondLst>
-                                        </p:cTn>
-                                        <p:tgtEl>
-                                          <p:spTgt spid="8"/>
-                                        </p:tgtEl>
-                                        <p:attrNameLst>
-                                          <p:attrName>style.visibility</p:attrName>
-                                        </p:attrNameLst>
-                                      </p:cBhvr>
-                                      <p:to>
-                                        <p:strVal val="hidden"/>
-                                      </p:to>
-                                    </p:set>
-                                  </p:childTnLst>
-                                </p:cTn>
-                              </p:par>
-                              <p:par>
-                                <p:cTn id="29" presetID="1" presetClass="exit" presetSubtype="0" fill="hold" grpId="1" nodeType="withEffect">
-                                  <p:stCondLst>
-                                    <p:cond delay="0"/>
-                                  </p:stCondLst>
-                                  <p:childTnLst>
-                                    <p:set>
-                                      <p:cBhvr>
-                                        <p:cTn id="30" dur="1" fill="hold">
                                           <p:stCondLst>
                                             <p:cond delay="0"/>
                                           </p:stCondLst>
@@ -30307,14 +31166,14 @@
                                 </p:cTn>
                               </p:par>
                               <p:par>
-                                <p:cTn id="31" presetID="1" presetClass="exit" presetSubtype="0" fill="hold" grpId="1" nodeType="withEffect">
+                                <p:cTn id="22" presetID="1" presetClass="exit" presetSubtype="0" fill="hold" grpId="1" nodeType="withEffect">
                                   <p:stCondLst>
                                     <p:cond delay="0"/>
                                   </p:stCondLst>
                                   <p:childTnLst>
                                     <p:set>
                                       <p:cBhvr>
-                                        <p:cTn id="32" dur="1" fill="hold">
+                                        <p:cTn id="23" dur="1" fill="hold">
                                           <p:stCondLst>
                                             <p:cond delay="0"/>
                                           </p:stCondLst>
@@ -30333,15 +31192,24 @@
                                   </p:childTnLst>
                                 </p:cTn>
                               </p:par>
+                            </p:childTnLst>
+                          </p:cTn>
+                        </p:par>
+                        <p:par>
+                          <p:cTn id="24" fill="hold">
+                            <p:stCondLst>
+                              <p:cond delay="0"/>
+                            </p:stCondLst>
+                            <p:childTnLst>
                               <p:par>
-                                <p:cTn id="33" presetID="10" presetClass="entr" presetSubtype="0" fill="hold" nodeType="withEffect">
+                                <p:cTn id="25" presetID="10" presetClass="entr" presetSubtype="0" fill="hold" nodeType="afterEffect">
                                   <p:stCondLst>
                                     <p:cond delay="0"/>
                                   </p:stCondLst>
                                   <p:childTnLst>
                                     <p:set>
                                       <p:cBhvr>
-                                        <p:cTn id="34" dur="1" fill="hold">
+                                        <p:cTn id="26" dur="1" fill="hold">
                                           <p:stCondLst>
                                             <p:cond delay="0"/>
                                           </p:stCondLst>
@@ -30363,7 +31231,7 @@
                                     </p:set>
                                     <p:animEffect transition="in" filter="fade">
                                       <p:cBhvr>
-                                        <p:cTn id="35" dur="500"/>
+                                        <p:cTn id="27" dur="500"/>
                                         <p:tgtEl>
                                           <p:spTgt spid="3">
                                             <p:txEl>
@@ -30383,26 +31251,26 @@
                     </p:cTn>
                   </p:par>
                   <p:par>
-                    <p:cTn id="36" fill="hold">
+                    <p:cTn id="28" fill="hold">
                       <p:stCondLst>
                         <p:cond delay="indefinite"/>
                       </p:stCondLst>
                       <p:childTnLst>
                         <p:par>
-                          <p:cTn id="37" fill="hold">
+                          <p:cTn id="29" fill="hold">
                             <p:stCondLst>
                               <p:cond delay="0"/>
                             </p:stCondLst>
                             <p:childTnLst>
                               <p:par>
-                                <p:cTn id="38" presetID="10" presetClass="entr" presetSubtype="0" fill="hold" nodeType="clickEffect">
+                                <p:cTn id="30" presetID="10" presetClass="entr" presetSubtype="0" fill="hold" nodeType="clickEffect">
                                   <p:stCondLst>
                                     <p:cond delay="0"/>
                                   </p:stCondLst>
                                   <p:childTnLst>
                                     <p:set>
                                       <p:cBhvr>
-                                        <p:cTn id="39" dur="1" fill="hold">
+                                        <p:cTn id="31" dur="1" fill="hold">
                                           <p:stCondLst>
                                             <p:cond delay="0"/>
                                           </p:stCondLst>
@@ -30424,7 +31292,7 @@
                                     </p:set>
                                     <p:animEffect transition="in" filter="fade">
                                       <p:cBhvr>
-                                        <p:cTn id="40" dur="500"/>
+                                        <p:cTn id="32" dur="500"/>
                                         <p:tgtEl>
                                           <p:spTgt spid="3">
                                             <p:txEl>
@@ -30469,10 +31337,6 @@
       <p:bldP spid="4" grpId="1" animBg="1"/>
       <p:bldP spid="5" grpId="0" animBg="1"/>
       <p:bldP spid="5" grpId="1" animBg="1"/>
-      <p:bldP spid="8" grpId="0" animBg="1"/>
-      <p:bldP spid="8" grpId="1" animBg="1"/>
-      <p:bldP spid="6" grpId="0" animBg="1"/>
-      <p:bldP spid="6" grpId="1" animBg="1"/>
     </p:bldLst>
   </p:timing>
 </p:sld>
@@ -30518,7 +31382,7 @@
           <a:p>
             <a:r>
               <a:rPr lang="pl-PL" dirty="0"/>
-              <a:t>Event binding</a:t>
+              <a:t>Input binding</a:t>
             </a:r>
           </a:p>
         </p:txBody>
@@ -30616,44 +31480,23 @@
                   <a:schemeClr val="accent1"/>
                 </a:solidFill>
               </a:rPr>
-              <a:t>[src]=’product.imageUrl’</a:t>
-            </a:r>
-            <a:r>
-              <a:rPr lang="pl-PL" dirty="0"/>
-              <a:t>/&gt;</a:t>
-            </a:r>
-          </a:p>
-          <a:p>
-            <a:pPr marL="0" indent="0">
-              <a:buNone/>
-            </a:pPr>
-            <a:r>
-              <a:rPr lang="pl-PL" dirty="0"/>
-              <a:t>&lt;button </a:t>
+              <a:t>[src]=’</a:t>
+            </a:r>
+            <a:r>
+              <a:rPr lang="pl-PL" dirty="0" err="1">
+                <a:solidFill>
+                  <a:schemeClr val="accent1"/>
+                </a:solidFill>
+              </a:rPr>
+              <a:t>hero.imageUrl</a:t>
             </a:r>
             <a:r>
               <a:rPr lang="pl-PL" dirty="0">
                 <a:solidFill>
-                  <a:srgbClr val="FF0000"/>
+                  <a:schemeClr val="accent1"/>
                 </a:solidFill>
               </a:rPr>
-              <a:t>(click)=’</a:t>
-            </a:r>
-            <a:r>
-              <a:rPr lang="pl-PL" dirty="0" err="1">
-                <a:solidFill>
-                  <a:srgbClr val="FF0000"/>
-                </a:solidFill>
-              </a:rPr>
-              <a:t>toggleLogo</a:t>
-            </a:r>
-            <a:r>
-              <a:rPr lang="pl-PL" dirty="0">
-                <a:solidFill>
-                  <a:srgbClr val="FF0000"/>
-                </a:solidFill>
-              </a:rPr>
-              <a:t>()’</a:t>
+              <a:t>’</a:t>
             </a:r>
             <a:r>
               <a:rPr lang="pl-PL" dirty="0"/>
@@ -30726,6 +31569,9 @@
             </a:pPr>
             <a:r>
               <a:rPr lang="pl-PL" dirty="0">
+                <a:solidFill>
+                  <a:srgbClr val="0070C0"/>
+                </a:solidFill>
                 <a:latin typeface="Consolas" panose="020B0609020204030204" pitchFamily="49" charset="0"/>
                 <a:cs typeface="Consolas" panose="020B0609020204030204" pitchFamily="49" charset="0"/>
               </a:rPr>
@@ -30733,6 +31579,9 @@
             </a:r>
             <a:r>
               <a:rPr lang="pl-PL" dirty="0" err="1">
+                <a:solidFill>
+                  <a:srgbClr val="0070C0"/>
+                </a:solidFill>
                 <a:latin typeface="Consolas" panose="020B0609020204030204" pitchFamily="49" charset="0"/>
                 <a:cs typeface="Consolas" panose="020B0609020204030204" pitchFamily="49" charset="0"/>
               </a:rPr>
@@ -30787,7 +31636,7 @@
                 <a:latin typeface="Consolas" panose="020B0609020204030204" pitchFamily="49" charset="0"/>
                 <a:cs typeface="Consolas" panose="020B0609020204030204" pitchFamily="49" charset="0"/>
               </a:rPr>
-              <a:t>heroes:any</a:t>
+              <a:t>hero:any</a:t>
             </a:r>
             <a:r>
               <a:rPr lang="pl-PL" dirty="0">
@@ -30797,33 +31646,15 @@
                 <a:latin typeface="Consolas" panose="020B0609020204030204" pitchFamily="49" charset="0"/>
                 <a:cs typeface="Consolas" panose="020B0609020204030204" pitchFamily="49" charset="0"/>
               </a:rPr>
-              <a:t>[]=[…];</a:t>
-            </a:r>
-          </a:p>
-          <a:p>
-            <a:pPr marL="0" indent="0">
-              <a:buNone/>
-            </a:pPr>
-            <a:r>
-              <a:rPr lang="pl-PL" dirty="0" err="1">
-                <a:solidFill>
-                  <a:srgbClr val="FF0000"/>
-                </a:solidFill>
-                <a:latin typeface="Consolas" panose="020B0609020204030204" pitchFamily="49" charset="0"/>
-                <a:cs typeface="Consolas" panose="020B0609020204030204" pitchFamily="49" charset="0"/>
-              </a:rPr>
-              <a:t>toggleLogo</a:t>
-            </a:r>
-            <a:r>
-              <a:rPr lang="pl-PL" dirty="0">
-                <a:solidFill>
-                  <a:srgbClr val="FF0000"/>
-                </a:solidFill>
-                <a:latin typeface="Consolas" panose="020B0609020204030204" pitchFamily="49" charset="0"/>
-                <a:cs typeface="Consolas" panose="020B0609020204030204" pitchFamily="49" charset="0"/>
-              </a:rPr>
-              <a:t>():void{};</a:t>
-            </a:r>
+              <a:t>={…};</a:t>
+            </a:r>
+            <a:endParaRPr lang="pl-PL" dirty="0">
+              <a:solidFill>
+                <a:srgbClr val="FF0000"/>
+              </a:solidFill>
+              <a:latin typeface="Consolas" panose="020B0609020204030204" pitchFamily="49" charset="0"/>
+              <a:cs typeface="Consolas" panose="020B0609020204030204" pitchFamily="49" charset="0"/>
+            </a:endParaRPr>
           </a:p>
           <a:p>
             <a:pPr marL="0" indent="0">
@@ -30921,10 +31752,10 @@
       </p:cxnSp>
       <p:sp>
         <p:nvSpPr>
-          <p:cNvPr id="12" name="Objaśnienie liniowe 1 (obramowanie i kreska) 3">
+          <p:cNvPr id="14" name="Objaśnienie liniowe 1 (obramowanie i kreska) 3">
             <a:extLst>
               <a:ext uri="{FF2B5EF4-FFF2-40B4-BE49-F238E27FC236}">
-                <a16:creationId xmlns:a16="http://schemas.microsoft.com/office/drawing/2014/main" id="{16BBC6B6-5B05-43AC-820C-DDEDC5AF218F}"/>
+                <a16:creationId xmlns:a16="http://schemas.microsoft.com/office/drawing/2014/main" id="{AD29B87C-C592-4AD0-B6B9-B816F60DB130}"/>
               </a:ext>
             </a:extLst>
           </p:cNvPr>
@@ -30933,15 +31764,15 @@
         </p:nvSpPr>
         <p:spPr>
           <a:xfrm>
-            <a:off x="421668" y="4987977"/>
+            <a:off x="421668" y="4109190"/>
             <a:ext cx="2160240" cy="936104"/>
           </a:xfrm>
           <a:prstGeom prst="accentBorderCallout1">
             <a:avLst>
               <a:gd name="adj1" fmla="val 18750"/>
               <a:gd name="adj2" fmla="val -8333"/>
-              <a:gd name="adj3" fmla="val -76852"/>
-              <a:gd name="adj4" fmla="val 13112"/>
+              <a:gd name="adj3" fmla="val -71106"/>
+              <a:gd name="adj4" fmla="val 39879"/>
             </a:avLst>
           </a:prstGeom>
         </p:spPr>
@@ -30968,17 +31799,17 @@
             <a:pPr algn="ctr"/>
             <a:r>
               <a:rPr lang="pl-PL" sz="2400" dirty="0"/>
-              <a:t>Wybrany event   ()</a:t>
+              <a:t>Cel bindingu    []</a:t>
             </a:r>
           </a:p>
         </p:txBody>
       </p:sp>
       <p:sp>
         <p:nvSpPr>
-          <p:cNvPr id="13" name="Objaśnienie liniowe 1 (obramowanie i kreska) 3">
+          <p:cNvPr id="16" name="Objaśnienie liniowe 1 (obramowanie i kreska) 4">
             <a:extLst>
               <a:ext uri="{FF2B5EF4-FFF2-40B4-BE49-F238E27FC236}">
-                <a16:creationId xmlns:a16="http://schemas.microsoft.com/office/drawing/2014/main" id="{2A2B1853-014D-4975-BBB3-8CF2484A4557}"/>
+                <a16:creationId xmlns:a16="http://schemas.microsoft.com/office/drawing/2014/main" id="{43E07B0A-2AA5-40B5-823C-29C647AE3E5D}"/>
               </a:ext>
             </a:extLst>
           </p:cNvPr>
@@ -30987,15 +31818,15 @@
         </p:nvSpPr>
         <p:spPr>
           <a:xfrm>
-            <a:off x="2899957" y="4987977"/>
-            <a:ext cx="2524450" cy="936104"/>
+            <a:off x="2887447" y="4117600"/>
+            <a:ext cx="2160240" cy="936104"/>
           </a:xfrm>
           <a:prstGeom prst="accentBorderCallout1">
             <a:avLst>
               <a:gd name="adj1" fmla="val 18750"/>
               <a:gd name="adj2" fmla="val -8333"/>
-              <a:gd name="adj3" fmla="val -78508"/>
-              <a:gd name="adj4" fmla="val -27064"/>
+              <a:gd name="adj3" fmla="val -69193"/>
+              <a:gd name="adj4" fmla="val 5241"/>
             </a:avLst>
           </a:prstGeom>
         </p:spPr>
@@ -31022,53 +31853,11 @@
             <a:pPr algn="ctr"/>
             <a:r>
               <a:rPr lang="pl-PL" sz="2400" dirty="0"/>
-              <a:t>Szablon wyrażenia   ()</a:t>
+              <a:t>Źródło bindingu ’’</a:t>
             </a:r>
           </a:p>
         </p:txBody>
       </p:sp>
-      <p:cxnSp>
-        <p:nvCxnSpPr>
-          <p:cNvPr id="15" name="Straight Arrow Connector 14">
-            <a:extLst>
-              <a:ext uri="{FF2B5EF4-FFF2-40B4-BE49-F238E27FC236}">
-                <a16:creationId xmlns:a16="http://schemas.microsoft.com/office/drawing/2014/main" id="{454E21D0-52E5-4C93-BA2B-3277F39D8B90}"/>
-              </a:ext>
-            </a:extLst>
-          </p:cNvPr>
-          <p:cNvCxnSpPr>
-            <a:cxnSpLocks/>
-          </p:cNvCxnSpPr>
-          <p:nvPr/>
-        </p:nvCxnSpPr>
-        <p:spPr>
-          <a:xfrm flipH="1" flipV="1">
-            <a:off x="3859078" y="4114521"/>
-            <a:ext cx="1146874" cy="179966"/>
-          </a:xfrm>
-          <a:prstGeom prst="straightConnector1">
-            <a:avLst/>
-          </a:prstGeom>
-          <a:ln w="57150">
-            <a:headEnd type="triangle"/>
-            <a:tailEnd type="none"/>
-          </a:ln>
-        </p:spPr>
-        <p:style>
-          <a:lnRef idx="3">
-            <a:schemeClr val="accent2"/>
-          </a:lnRef>
-          <a:fillRef idx="0">
-            <a:schemeClr val="accent2"/>
-          </a:fillRef>
-          <a:effectRef idx="2">
-            <a:schemeClr val="accent2"/>
-          </a:effectRef>
-          <a:fontRef idx="minor">
-            <a:schemeClr val="tx1"/>
-          </a:fontRef>
-        </p:style>
-      </p:cxnSp>
     </p:spTree>
     <p:extLst>
       <p:ext uri="{BB962C8B-B14F-4D97-AF65-F5344CB8AC3E}">
@@ -31100,7 +31889,7 @@
                             </p:stCondLst>
                             <p:childTnLst>
                               <p:par>
-                                <p:cTn id="5" presetID="10" presetClass="entr" presetSubtype="0" fill="hold" grpId="0" nodeType="clickEffect">
+                                <p:cTn id="5" presetID="10" presetClass="entr" presetSubtype="0" fill="hold" nodeType="clickEffect">
                                   <p:stCondLst>
                                     <p:cond delay="0"/>
                                   </p:stCondLst>
@@ -31113,7 +31902,11 @@
                                           </p:stCondLst>
                                         </p:cTn>
                                         <p:tgtEl>
-                                          <p:spTgt spid="12"/>
+                                          <p:spTgt spid="7">
+                                            <p:txEl>
+                                              <p:pRg st="1" end="1"/>
+                                            </p:txEl>
+                                          </p:spTgt>
                                         </p:tgtEl>
                                         <p:attrNameLst>
                                           <p:attrName>style.visibility</p:attrName>
@@ -31127,7 +31920,11 @@
                                       <p:cBhvr>
                                         <p:cTn id="7" dur="500"/>
                                         <p:tgtEl>
-                                          <p:spTgt spid="12"/>
+                                          <p:spTgt spid="7">
+                                            <p:txEl>
+                                              <p:pRg st="1" end="1"/>
+                                            </p:txEl>
+                                          </p:spTgt>
                                         </p:tgtEl>
                                       </p:cBhvr>
                                     </p:animEffect>
@@ -31153,7 +31950,7 @@
                             </p:stCondLst>
                             <p:childTnLst>
                               <p:par>
-                                <p:cTn id="10" presetID="10" presetClass="entr" presetSubtype="0" fill="hold" grpId="0" nodeType="clickEffect">
+                                <p:cTn id="10" presetID="10" presetClass="entr" presetSubtype="0" fill="hold" nodeType="clickEffect">
                                   <p:stCondLst>
                                     <p:cond delay="0"/>
                                   </p:stCondLst>
@@ -31161,6 +31958,1091 @@
                                     <p:set>
                                       <p:cBhvr>
                                         <p:cTn id="11" dur="1" fill="hold">
+                                          <p:stCondLst>
+                                            <p:cond delay="0"/>
+                                          </p:stCondLst>
+                                        </p:cTn>
+                                        <p:tgtEl>
+                                          <p:spTgt spid="5">
+                                            <p:txEl>
+                                              <p:pRg st="0" end="0"/>
+                                            </p:txEl>
+                                          </p:spTgt>
+                                        </p:tgtEl>
+                                        <p:attrNameLst>
+                                          <p:attrName>style.visibility</p:attrName>
+                                        </p:attrNameLst>
+                                      </p:cBhvr>
+                                      <p:to>
+                                        <p:strVal val="visible"/>
+                                      </p:to>
+                                    </p:set>
+                                    <p:animEffect transition="in" filter="fade">
+                                      <p:cBhvr>
+                                        <p:cTn id="12" dur="500"/>
+                                        <p:tgtEl>
+                                          <p:spTgt spid="5">
+                                            <p:txEl>
+                                              <p:pRg st="0" end="0"/>
+                                            </p:txEl>
+                                          </p:spTgt>
+                                        </p:tgtEl>
+                                      </p:cBhvr>
+                                    </p:animEffect>
+                                  </p:childTnLst>
+                                </p:cTn>
+                              </p:par>
+                            </p:childTnLst>
+                          </p:cTn>
+                        </p:par>
+                        <p:par>
+                          <p:cTn id="13" fill="hold">
+                            <p:stCondLst>
+                              <p:cond delay="500"/>
+                            </p:stCondLst>
+                            <p:childTnLst>
+                              <p:par>
+                                <p:cTn id="14" presetID="10" presetClass="entr" presetSubtype="0" fill="hold" nodeType="afterEffect">
+                                  <p:stCondLst>
+                                    <p:cond delay="0"/>
+                                  </p:stCondLst>
+                                  <p:childTnLst>
+                                    <p:set>
+                                      <p:cBhvr>
+                                        <p:cTn id="15" dur="1" fill="hold">
+                                          <p:stCondLst>
+                                            <p:cond delay="0"/>
+                                          </p:stCondLst>
+                                        </p:cTn>
+                                        <p:tgtEl>
+                                          <p:spTgt spid="9"/>
+                                        </p:tgtEl>
+                                        <p:attrNameLst>
+                                          <p:attrName>style.visibility</p:attrName>
+                                        </p:attrNameLst>
+                                      </p:cBhvr>
+                                      <p:to>
+                                        <p:strVal val="visible"/>
+                                      </p:to>
+                                    </p:set>
+                                    <p:animEffect transition="in" filter="fade">
+                                      <p:cBhvr>
+                                        <p:cTn id="16" dur="500"/>
+                                        <p:tgtEl>
+                                          <p:spTgt spid="9"/>
+                                        </p:tgtEl>
+                                      </p:cBhvr>
+                                    </p:animEffect>
+                                  </p:childTnLst>
+                                </p:cTn>
+                              </p:par>
+                            </p:childTnLst>
+                          </p:cTn>
+                        </p:par>
+                      </p:childTnLst>
+                    </p:cTn>
+                  </p:par>
+                  <p:par>
+                    <p:cTn id="17" fill="hold">
+                      <p:stCondLst>
+                        <p:cond delay="indefinite"/>
+                      </p:stCondLst>
+                      <p:childTnLst>
+                        <p:par>
+                          <p:cTn id="18" fill="hold">
+                            <p:stCondLst>
+                              <p:cond delay="0"/>
+                            </p:stCondLst>
+                            <p:childTnLst>
+                              <p:par>
+                                <p:cTn id="19" presetID="10" presetClass="entr" presetSubtype="0" fill="hold" nodeType="clickEffect">
+                                  <p:stCondLst>
+                                    <p:cond delay="0"/>
+                                  </p:stCondLst>
+                                  <p:childTnLst>
+                                    <p:set>
+                                      <p:cBhvr>
+                                        <p:cTn id="20" dur="1" fill="hold">
+                                          <p:stCondLst>
+                                            <p:cond delay="0"/>
+                                          </p:stCondLst>
+                                        </p:cTn>
+                                        <p:tgtEl>
+                                          <p:spTgt spid="7">
+                                            <p:txEl>
+                                              <p:pRg st="2" end="2"/>
+                                            </p:txEl>
+                                          </p:spTgt>
+                                        </p:tgtEl>
+                                        <p:attrNameLst>
+                                          <p:attrName>style.visibility</p:attrName>
+                                        </p:attrNameLst>
+                                      </p:cBhvr>
+                                      <p:to>
+                                        <p:strVal val="visible"/>
+                                      </p:to>
+                                    </p:set>
+                                    <p:animEffect transition="in" filter="fade">
+                                      <p:cBhvr>
+                                        <p:cTn id="21" dur="500"/>
+                                        <p:tgtEl>
+                                          <p:spTgt spid="7">
+                                            <p:txEl>
+                                              <p:pRg st="2" end="2"/>
+                                            </p:txEl>
+                                          </p:spTgt>
+                                        </p:tgtEl>
+                                      </p:cBhvr>
+                                    </p:animEffect>
+                                  </p:childTnLst>
+                                </p:cTn>
+                              </p:par>
+                            </p:childTnLst>
+                          </p:cTn>
+                        </p:par>
+                      </p:childTnLst>
+                    </p:cTn>
+                  </p:par>
+                  <p:par>
+                    <p:cTn id="22" fill="hold">
+                      <p:stCondLst>
+                        <p:cond delay="indefinite"/>
+                      </p:stCondLst>
+                      <p:childTnLst>
+                        <p:par>
+                          <p:cTn id="23" fill="hold">
+                            <p:stCondLst>
+                              <p:cond delay="0"/>
+                            </p:stCondLst>
+                            <p:childTnLst>
+                              <p:par>
+                                <p:cTn id="24" presetID="10" presetClass="entr" presetSubtype="0" fill="hold" nodeType="clickEffect">
+                                  <p:stCondLst>
+                                    <p:cond delay="0"/>
+                                  </p:stCondLst>
+                                  <p:childTnLst>
+                                    <p:set>
+                                      <p:cBhvr>
+                                        <p:cTn id="25" dur="1" fill="hold">
+                                          <p:stCondLst>
+                                            <p:cond delay="0"/>
+                                          </p:stCondLst>
+                                        </p:cTn>
+                                        <p:tgtEl>
+                                          <p:spTgt spid="5">
+                                            <p:txEl>
+                                              <p:pRg st="1" end="1"/>
+                                            </p:txEl>
+                                          </p:spTgt>
+                                        </p:tgtEl>
+                                        <p:attrNameLst>
+                                          <p:attrName>style.visibility</p:attrName>
+                                        </p:attrNameLst>
+                                      </p:cBhvr>
+                                      <p:to>
+                                        <p:strVal val="visible"/>
+                                      </p:to>
+                                    </p:set>
+                                    <p:animEffect transition="in" filter="fade">
+                                      <p:cBhvr>
+                                        <p:cTn id="26" dur="500"/>
+                                        <p:tgtEl>
+                                          <p:spTgt spid="5">
+                                            <p:txEl>
+                                              <p:pRg st="1" end="1"/>
+                                            </p:txEl>
+                                          </p:spTgt>
+                                        </p:tgtEl>
+                                      </p:cBhvr>
+                                    </p:animEffect>
+                                  </p:childTnLst>
+                                </p:cTn>
+                              </p:par>
+                            </p:childTnLst>
+                          </p:cTn>
+                        </p:par>
+                        <p:par>
+                          <p:cTn id="27" fill="hold">
+                            <p:stCondLst>
+                              <p:cond delay="500"/>
+                            </p:stCondLst>
+                            <p:childTnLst>
+                              <p:par>
+                                <p:cTn id="28" presetID="10" presetClass="entr" presetSubtype="0" fill="hold" nodeType="afterEffect">
+                                  <p:stCondLst>
+                                    <p:cond delay="0"/>
+                                  </p:stCondLst>
+                                  <p:childTnLst>
+                                    <p:set>
+                                      <p:cBhvr>
+                                        <p:cTn id="29" dur="1" fill="hold">
+                                          <p:stCondLst>
+                                            <p:cond delay="0"/>
+                                          </p:stCondLst>
+                                        </p:cTn>
+                                        <p:tgtEl>
+                                          <p:spTgt spid="10"/>
+                                        </p:tgtEl>
+                                        <p:attrNameLst>
+                                          <p:attrName>style.visibility</p:attrName>
+                                        </p:attrNameLst>
+                                      </p:cBhvr>
+                                      <p:to>
+                                        <p:strVal val="visible"/>
+                                      </p:to>
+                                    </p:set>
+                                    <p:animEffect transition="in" filter="fade">
+                                      <p:cBhvr>
+                                        <p:cTn id="30" dur="500"/>
+                                        <p:tgtEl>
+                                          <p:spTgt spid="10"/>
+                                        </p:tgtEl>
+                                      </p:cBhvr>
+                                    </p:animEffect>
+                                  </p:childTnLst>
+                                </p:cTn>
+                              </p:par>
+                            </p:childTnLst>
+                          </p:cTn>
+                        </p:par>
+                      </p:childTnLst>
+                    </p:cTn>
+                  </p:par>
+                  <p:par>
+                    <p:cTn id="31" fill="hold">
+                      <p:stCondLst>
+                        <p:cond delay="indefinite"/>
+                      </p:stCondLst>
+                      <p:childTnLst>
+                        <p:par>
+                          <p:cTn id="32" fill="hold">
+                            <p:stCondLst>
+                              <p:cond delay="0"/>
+                            </p:stCondLst>
+                            <p:childTnLst>
+                              <p:par>
+                                <p:cTn id="33" presetID="10" presetClass="entr" presetSubtype="0" fill="hold" grpId="0" nodeType="clickEffect">
+                                  <p:stCondLst>
+                                    <p:cond delay="0"/>
+                                  </p:stCondLst>
+                                  <p:childTnLst>
+                                    <p:set>
+                                      <p:cBhvr>
+                                        <p:cTn id="34" dur="1" fill="hold">
+                                          <p:stCondLst>
+                                            <p:cond delay="0"/>
+                                          </p:stCondLst>
+                                        </p:cTn>
+                                        <p:tgtEl>
+                                          <p:spTgt spid="14"/>
+                                        </p:tgtEl>
+                                        <p:attrNameLst>
+                                          <p:attrName>style.visibility</p:attrName>
+                                        </p:attrNameLst>
+                                      </p:cBhvr>
+                                      <p:to>
+                                        <p:strVal val="visible"/>
+                                      </p:to>
+                                    </p:set>
+                                    <p:animEffect transition="in" filter="fade">
+                                      <p:cBhvr>
+                                        <p:cTn id="35" dur="500"/>
+                                        <p:tgtEl>
+                                          <p:spTgt spid="14"/>
+                                        </p:tgtEl>
+                                      </p:cBhvr>
+                                    </p:animEffect>
+                                  </p:childTnLst>
+                                </p:cTn>
+                              </p:par>
+                            </p:childTnLst>
+                          </p:cTn>
+                        </p:par>
+                      </p:childTnLst>
+                    </p:cTn>
+                  </p:par>
+                  <p:par>
+                    <p:cTn id="36" fill="hold">
+                      <p:stCondLst>
+                        <p:cond delay="indefinite"/>
+                      </p:stCondLst>
+                      <p:childTnLst>
+                        <p:par>
+                          <p:cTn id="37" fill="hold">
+                            <p:stCondLst>
+                              <p:cond delay="0"/>
+                            </p:stCondLst>
+                            <p:childTnLst>
+                              <p:par>
+                                <p:cTn id="38" presetID="10" presetClass="entr" presetSubtype="0" fill="hold" grpId="0" nodeType="clickEffect">
+                                  <p:stCondLst>
+                                    <p:cond delay="0"/>
+                                  </p:stCondLst>
+                                  <p:childTnLst>
+                                    <p:set>
+                                      <p:cBhvr>
+                                        <p:cTn id="39" dur="1" fill="hold">
+                                          <p:stCondLst>
+                                            <p:cond delay="0"/>
+                                          </p:stCondLst>
+                                        </p:cTn>
+                                        <p:tgtEl>
+                                          <p:spTgt spid="16"/>
+                                        </p:tgtEl>
+                                        <p:attrNameLst>
+                                          <p:attrName>style.visibility</p:attrName>
+                                        </p:attrNameLst>
+                                      </p:cBhvr>
+                                      <p:to>
+                                        <p:strVal val="visible"/>
+                                      </p:to>
+                                    </p:set>
+                                    <p:animEffect transition="in" filter="fade">
+                                      <p:cBhvr>
+                                        <p:cTn id="40" dur="500"/>
+                                        <p:tgtEl>
+                                          <p:spTgt spid="16"/>
+                                        </p:tgtEl>
+                                      </p:cBhvr>
+                                    </p:animEffect>
+                                  </p:childTnLst>
+                                </p:cTn>
+                              </p:par>
+                            </p:childTnLst>
+                          </p:cTn>
+                        </p:par>
+                      </p:childTnLst>
+                    </p:cTn>
+                  </p:par>
+                </p:childTnLst>
+              </p:cTn>
+              <p:prevCondLst>
+                <p:cond evt="onPrev" delay="0">
+                  <p:tgtEl>
+                    <p:sldTgt/>
+                  </p:tgtEl>
+                </p:cond>
+              </p:prevCondLst>
+              <p:nextCondLst>
+                <p:cond evt="onNext" delay="0">
+                  <p:tgtEl>
+                    <p:sldTgt/>
+                  </p:tgtEl>
+                </p:cond>
+              </p:nextCondLst>
+            </p:seq>
+          </p:childTnLst>
+        </p:cTn>
+      </p:par>
+    </p:tnLst>
+    <p:bldLst>
+      <p:bldP spid="14" grpId="0" animBg="1"/>
+      <p:bldP spid="16" grpId="0" animBg="1"/>
+    </p:bldLst>
+  </p:timing>
+</p:sld>
+</file>
+
+<file path=ppt/slides/slide6.xml><?xml version="1.0" encoding="utf-8"?>
+<p:sld xmlns:a="http://schemas.openxmlformats.org/drawingml/2006/main" xmlns:r="http://schemas.openxmlformats.org/officeDocument/2006/relationships" xmlns:p="http://schemas.openxmlformats.org/presentationml/2006/main">
+  <p:cSld>
+    <p:spTree>
+      <p:nvGrpSpPr>
+        <p:cNvPr id="1" name=""/>
+        <p:cNvGrpSpPr/>
+        <p:nvPr/>
+      </p:nvGrpSpPr>
+      <p:grpSpPr>
+        <a:xfrm>
+          <a:off x="0" y="0"/>
+          <a:ext cx="0" cy="0"/>
+          <a:chOff x="0" y="0"/>
+          <a:chExt cx="0" cy="0"/>
+        </a:xfrm>
+      </p:grpSpPr>
+      <p:sp>
+        <p:nvSpPr>
+          <p:cNvPr id="2" name="Title 1">
+            <a:extLst>
+              <a:ext uri="{FF2B5EF4-FFF2-40B4-BE49-F238E27FC236}">
+                <a16:creationId xmlns:a16="http://schemas.microsoft.com/office/drawing/2014/main" id="{EE8D8849-B1A5-46BE-9C84-BE2A3848F2D1}"/>
+              </a:ext>
+            </a:extLst>
+          </p:cNvPr>
+          <p:cNvSpPr>
+            <a:spLocks noGrp="1"/>
+          </p:cNvSpPr>
+          <p:nvPr>
+            <p:ph type="title"/>
+          </p:nvPr>
+        </p:nvSpPr>
+        <p:spPr/>
+        <p:txBody>
+          <a:bodyPr/>
+          <a:lstStyle/>
+          <a:p>
+            <a:r>
+              <a:rPr lang="pl-PL" dirty="0"/>
+              <a:t>Event binding</a:t>
+            </a:r>
+          </a:p>
+        </p:txBody>
+      </p:sp>
+      <p:sp>
+        <p:nvSpPr>
+          <p:cNvPr id="4" name="Text Placeholder 3">
+            <a:extLst>
+              <a:ext uri="{FF2B5EF4-FFF2-40B4-BE49-F238E27FC236}">
+                <a16:creationId xmlns:a16="http://schemas.microsoft.com/office/drawing/2014/main" id="{DF982295-00B2-4358-B0C6-4A7CB3DCEACC}"/>
+              </a:ext>
+            </a:extLst>
+          </p:cNvPr>
+          <p:cNvSpPr>
+            <a:spLocks noGrp="1"/>
+          </p:cNvSpPr>
+          <p:nvPr>
+            <p:ph type="body" idx="1"/>
+          </p:nvPr>
+        </p:nvSpPr>
+        <p:spPr>
+          <a:xfrm>
+            <a:off x="157864" y="1681163"/>
+            <a:ext cx="4848090" cy="823912"/>
+          </a:xfrm>
+        </p:spPr>
+        <p:txBody>
+          <a:bodyPr/>
+          <a:lstStyle/>
+          <a:p>
+            <a:r>
+              <a:rPr lang="pl-PL" dirty="0"/>
+              <a:t>Szablon</a:t>
+            </a:r>
+          </a:p>
+        </p:txBody>
+      </p:sp>
+      <p:sp>
+        <p:nvSpPr>
+          <p:cNvPr id="5" name="Content Placeholder 4">
+            <a:extLst>
+              <a:ext uri="{FF2B5EF4-FFF2-40B4-BE49-F238E27FC236}">
+                <a16:creationId xmlns:a16="http://schemas.microsoft.com/office/drawing/2014/main" id="{C8AADA38-D7A3-41F2-A481-37E76A58E79A}"/>
+              </a:ext>
+            </a:extLst>
+          </p:cNvPr>
+          <p:cNvSpPr>
+            <a:spLocks noGrp="1"/>
+          </p:cNvSpPr>
+          <p:nvPr>
+            <p:ph sz="half" idx="2"/>
+          </p:nvPr>
+        </p:nvSpPr>
+        <p:spPr>
+          <a:xfrm>
+            <a:off x="157863" y="2514600"/>
+            <a:ext cx="4848090" cy="3684588"/>
+          </a:xfrm>
+        </p:spPr>
+        <p:txBody>
+          <a:bodyPr/>
+          <a:lstStyle/>
+          <a:p>
+            <a:pPr marL="0" indent="0">
+              <a:buNone/>
+            </a:pPr>
+            <a:r>
+              <a:rPr lang="pl-PL" dirty="0"/>
+              <a:t>&lt;button </a:t>
+            </a:r>
+            <a:r>
+              <a:rPr lang="pl-PL" dirty="0">
+                <a:solidFill>
+                  <a:srgbClr val="FF0000"/>
+                </a:solidFill>
+              </a:rPr>
+              <a:t>(click)=’</a:t>
+            </a:r>
+            <a:r>
+              <a:rPr lang="pl-PL" dirty="0" err="1">
+                <a:solidFill>
+                  <a:srgbClr val="FF0000"/>
+                </a:solidFill>
+              </a:rPr>
+              <a:t>toggleLogo</a:t>
+            </a:r>
+            <a:r>
+              <a:rPr lang="pl-PL" dirty="0">
+                <a:solidFill>
+                  <a:srgbClr val="FF0000"/>
+                </a:solidFill>
+              </a:rPr>
+              <a:t>()’</a:t>
+            </a:r>
+            <a:r>
+              <a:rPr lang="pl-PL" dirty="0"/>
+              <a:t>/&gt;</a:t>
+            </a:r>
+          </a:p>
+        </p:txBody>
+      </p:sp>
+      <p:sp>
+        <p:nvSpPr>
+          <p:cNvPr id="6" name="Text Placeholder 5">
+            <a:extLst>
+              <a:ext uri="{FF2B5EF4-FFF2-40B4-BE49-F238E27FC236}">
+                <a16:creationId xmlns:a16="http://schemas.microsoft.com/office/drawing/2014/main" id="{0202C44F-D22F-4454-8CFC-DA0C1897A2A5}"/>
+              </a:ext>
+            </a:extLst>
+          </p:cNvPr>
+          <p:cNvSpPr>
+            <a:spLocks noGrp="1"/>
+          </p:cNvSpPr>
+          <p:nvPr>
+            <p:ph type="body" sz="quarter" idx="3"/>
+          </p:nvPr>
+        </p:nvSpPr>
+        <p:spPr>
+          <a:xfrm>
+            <a:off x="5005952" y="1681163"/>
+            <a:ext cx="7031360" cy="823912"/>
+          </a:xfrm>
+        </p:spPr>
+        <p:txBody>
+          <a:bodyPr/>
+          <a:lstStyle/>
+          <a:p>
+            <a:r>
+              <a:rPr lang="pl-PL" dirty="0"/>
+              <a:t>Klasa</a:t>
+            </a:r>
+          </a:p>
+        </p:txBody>
+      </p:sp>
+      <p:sp>
+        <p:nvSpPr>
+          <p:cNvPr id="7" name="Content Placeholder 6">
+            <a:extLst>
+              <a:ext uri="{FF2B5EF4-FFF2-40B4-BE49-F238E27FC236}">
+                <a16:creationId xmlns:a16="http://schemas.microsoft.com/office/drawing/2014/main" id="{1A972D07-3939-4E4F-A3C3-4F089CFCAA65}"/>
+              </a:ext>
+            </a:extLst>
+          </p:cNvPr>
+          <p:cNvSpPr>
+            <a:spLocks noGrp="1"/>
+          </p:cNvSpPr>
+          <p:nvPr>
+            <p:ph sz="quarter" idx="4"/>
+          </p:nvPr>
+        </p:nvSpPr>
+        <p:spPr>
+          <a:xfrm>
+            <a:off x="5005953" y="2505075"/>
+            <a:ext cx="7067227" cy="3684588"/>
+          </a:xfrm>
+        </p:spPr>
+        <p:txBody>
+          <a:bodyPr/>
+          <a:lstStyle/>
+          <a:p>
+            <a:pPr marL="0" indent="0">
+              <a:buNone/>
+            </a:pPr>
+            <a:r>
+              <a:rPr lang="pl-PL" dirty="0">
+                <a:solidFill>
+                  <a:srgbClr val="0070C0"/>
+                </a:solidFill>
+                <a:latin typeface="Consolas" panose="020B0609020204030204" pitchFamily="49" charset="0"/>
+                <a:cs typeface="Consolas" panose="020B0609020204030204" pitchFamily="49" charset="0"/>
+              </a:rPr>
+              <a:t>export </a:t>
+            </a:r>
+            <a:r>
+              <a:rPr lang="pl-PL" dirty="0" err="1">
+                <a:solidFill>
+                  <a:srgbClr val="0070C0"/>
+                </a:solidFill>
+                <a:latin typeface="Consolas" panose="020B0609020204030204" pitchFamily="49" charset="0"/>
+                <a:cs typeface="Consolas" panose="020B0609020204030204" pitchFamily="49" charset="0"/>
+              </a:rPr>
+              <a:t>class</a:t>
+            </a:r>
+            <a:r>
+              <a:rPr lang="pl-PL" dirty="0">
+                <a:latin typeface="Consolas" panose="020B0609020204030204" pitchFamily="49" charset="0"/>
+                <a:cs typeface="Consolas" panose="020B0609020204030204" pitchFamily="49" charset="0"/>
+              </a:rPr>
+              <a:t> </a:t>
+            </a:r>
+            <a:r>
+              <a:rPr lang="pl-PL" dirty="0" err="1">
+                <a:latin typeface="Consolas" panose="020B0609020204030204" pitchFamily="49" charset="0"/>
+                <a:cs typeface="Consolas" panose="020B0609020204030204" pitchFamily="49" charset="0"/>
+              </a:rPr>
+              <a:t>HeroesListComponent</a:t>
+            </a:r>
+            <a:r>
+              <a:rPr lang="pl-PL" dirty="0">
+                <a:latin typeface="Consolas" panose="020B0609020204030204" pitchFamily="49" charset="0"/>
+                <a:cs typeface="Consolas" panose="020B0609020204030204" pitchFamily="49" charset="0"/>
+              </a:rPr>
+              <a:t>{</a:t>
+            </a:r>
+            <a:endParaRPr lang="pl-PL" dirty="0">
+              <a:solidFill>
+                <a:schemeClr val="accent1"/>
+              </a:solidFill>
+              <a:latin typeface="Consolas" panose="020B0609020204030204" pitchFamily="49" charset="0"/>
+              <a:cs typeface="Consolas" panose="020B0609020204030204" pitchFamily="49" charset="0"/>
+            </a:endParaRPr>
+          </a:p>
+          <a:p>
+            <a:pPr marL="0" indent="0">
+              <a:buNone/>
+            </a:pPr>
+            <a:r>
+              <a:rPr lang="pl-PL" dirty="0" err="1">
+                <a:solidFill>
+                  <a:srgbClr val="FF0000"/>
+                </a:solidFill>
+                <a:latin typeface="Consolas" panose="020B0609020204030204" pitchFamily="49" charset="0"/>
+                <a:cs typeface="Consolas" panose="020B0609020204030204" pitchFamily="49" charset="0"/>
+              </a:rPr>
+              <a:t>toggleLogo</a:t>
+            </a:r>
+            <a:r>
+              <a:rPr lang="pl-PL" dirty="0">
+                <a:solidFill>
+                  <a:srgbClr val="FF0000"/>
+                </a:solidFill>
+                <a:latin typeface="Consolas" panose="020B0609020204030204" pitchFamily="49" charset="0"/>
+                <a:cs typeface="Consolas" panose="020B0609020204030204" pitchFamily="49" charset="0"/>
+              </a:rPr>
+              <a:t>():void{};</a:t>
+            </a:r>
+          </a:p>
+          <a:p>
+            <a:pPr marL="0" indent="0">
+              <a:buNone/>
+            </a:pPr>
+            <a:r>
+              <a:rPr lang="pl-PL" dirty="0">
+                <a:latin typeface="Consolas" panose="020B0609020204030204" pitchFamily="49" charset="0"/>
+                <a:cs typeface="Consolas" panose="020B0609020204030204" pitchFamily="49" charset="0"/>
+              </a:rPr>
+              <a:t>}</a:t>
+            </a:r>
+          </a:p>
+        </p:txBody>
+      </p:sp>
+      <p:sp>
+        <p:nvSpPr>
+          <p:cNvPr id="12" name="Objaśnienie liniowe 1 (obramowanie i kreska) 3">
+            <a:extLst>
+              <a:ext uri="{FF2B5EF4-FFF2-40B4-BE49-F238E27FC236}">
+                <a16:creationId xmlns:a16="http://schemas.microsoft.com/office/drawing/2014/main" id="{16BBC6B6-5B05-43AC-820C-DDEDC5AF218F}"/>
+              </a:ext>
+            </a:extLst>
+          </p:cNvPr>
+          <p:cNvSpPr/>
+          <p:nvPr/>
+        </p:nvSpPr>
+        <p:spPr>
+          <a:xfrm>
+            <a:off x="421668" y="3643271"/>
+            <a:ext cx="2160240" cy="936104"/>
+          </a:xfrm>
+          <a:prstGeom prst="accentBorderCallout1">
+            <a:avLst>
+              <a:gd name="adj1" fmla="val 18750"/>
+              <a:gd name="adj2" fmla="val -8333"/>
+              <a:gd name="adj3" fmla="val -79725"/>
+              <a:gd name="adj4" fmla="val 61665"/>
+            </a:avLst>
+          </a:prstGeom>
+        </p:spPr>
+        <p:style>
+          <a:lnRef idx="2">
+            <a:schemeClr val="accent2">
+              <a:shade val="50000"/>
+            </a:schemeClr>
+          </a:lnRef>
+          <a:fillRef idx="1">
+            <a:schemeClr val="accent2"/>
+          </a:fillRef>
+          <a:effectRef idx="0">
+            <a:schemeClr val="accent2"/>
+          </a:effectRef>
+          <a:fontRef idx="minor">
+            <a:schemeClr val="lt1"/>
+          </a:fontRef>
+        </p:style>
+        <p:txBody>
+          <a:bodyPr rtlCol="0" anchor="ctr"/>
+          <a:lstStyle/>
+          <a:p>
+            <a:pPr algn="ctr"/>
+            <a:r>
+              <a:rPr lang="pl-PL" sz="2400" dirty="0"/>
+              <a:t>Wybrany event   ()</a:t>
+            </a:r>
+          </a:p>
+        </p:txBody>
+      </p:sp>
+      <p:sp>
+        <p:nvSpPr>
+          <p:cNvPr id="13" name="Objaśnienie liniowe 1 (obramowanie i kreska) 3">
+            <a:extLst>
+              <a:ext uri="{FF2B5EF4-FFF2-40B4-BE49-F238E27FC236}">
+                <a16:creationId xmlns:a16="http://schemas.microsoft.com/office/drawing/2014/main" id="{2A2B1853-014D-4975-BBB3-8CF2484A4557}"/>
+              </a:ext>
+            </a:extLst>
+          </p:cNvPr>
+          <p:cNvSpPr/>
+          <p:nvPr/>
+        </p:nvSpPr>
+        <p:spPr>
+          <a:xfrm>
+            <a:off x="3033492" y="3643271"/>
+            <a:ext cx="2524450" cy="936104"/>
+          </a:xfrm>
+          <a:prstGeom prst="accentBorderCallout1">
+            <a:avLst>
+              <a:gd name="adj1" fmla="val 18750"/>
+              <a:gd name="adj2" fmla="val -8333"/>
+              <a:gd name="adj3" fmla="val -72762"/>
+              <a:gd name="adj4" fmla="val 11288"/>
+            </a:avLst>
+          </a:prstGeom>
+        </p:spPr>
+        <p:style>
+          <a:lnRef idx="2">
+            <a:schemeClr val="accent2">
+              <a:shade val="50000"/>
+            </a:schemeClr>
+          </a:lnRef>
+          <a:fillRef idx="1">
+            <a:schemeClr val="accent2"/>
+          </a:fillRef>
+          <a:effectRef idx="0">
+            <a:schemeClr val="accent2"/>
+          </a:effectRef>
+          <a:fontRef idx="minor">
+            <a:schemeClr val="lt1"/>
+          </a:fontRef>
+        </p:style>
+        <p:txBody>
+          <a:bodyPr rtlCol="0" anchor="ctr"/>
+          <a:lstStyle/>
+          <a:p>
+            <a:pPr algn="ctr"/>
+            <a:r>
+              <a:rPr lang="pl-PL" sz="2400" dirty="0"/>
+              <a:t>Szablon wyrażenia   </a:t>
+            </a:r>
+          </a:p>
+        </p:txBody>
+      </p:sp>
+      <p:cxnSp>
+        <p:nvCxnSpPr>
+          <p:cNvPr id="15" name="Straight Arrow Connector 14">
+            <a:extLst>
+              <a:ext uri="{FF2B5EF4-FFF2-40B4-BE49-F238E27FC236}">
+                <a16:creationId xmlns:a16="http://schemas.microsoft.com/office/drawing/2014/main" id="{454E21D0-52E5-4C93-BA2B-3277F39D8B90}"/>
+              </a:ext>
+            </a:extLst>
+          </p:cNvPr>
+          <p:cNvCxnSpPr>
+            <a:cxnSpLocks/>
+          </p:cNvCxnSpPr>
+          <p:nvPr/>
+        </p:nvCxnSpPr>
+        <p:spPr>
+          <a:xfrm flipH="1" flipV="1">
+            <a:off x="4432516" y="2842156"/>
+            <a:ext cx="681012" cy="486831"/>
+          </a:xfrm>
+          <a:prstGeom prst="straightConnector1">
+            <a:avLst/>
+          </a:prstGeom>
+          <a:ln w="57150">
+            <a:headEnd type="triangle"/>
+            <a:tailEnd type="none"/>
+          </a:ln>
+        </p:spPr>
+        <p:style>
+          <a:lnRef idx="3">
+            <a:schemeClr val="accent2"/>
+          </a:lnRef>
+          <a:fillRef idx="0">
+            <a:schemeClr val="accent2"/>
+          </a:fillRef>
+          <a:effectRef idx="2">
+            <a:schemeClr val="accent2"/>
+          </a:effectRef>
+          <a:fontRef idx="minor">
+            <a:schemeClr val="tx1"/>
+          </a:fontRef>
+        </p:style>
+      </p:cxnSp>
+    </p:spTree>
+    <p:extLst>
+      <p:ext uri="{BB962C8B-B14F-4D97-AF65-F5344CB8AC3E}">
+        <p14:creationId xmlns:p14="http://schemas.microsoft.com/office/powerpoint/2010/main" val="2223644931"/>
+      </p:ext>
+    </p:extLst>
+  </p:cSld>
+  <p:clrMapOvr>
+    <a:masterClrMapping/>
+  </p:clrMapOvr>
+  <p:timing>
+    <p:tnLst>
+      <p:par>
+        <p:cTn id="1" dur="indefinite" restart="never" nodeType="tmRoot">
+          <p:childTnLst>
+            <p:seq concurrent="1" nextAc="seek">
+              <p:cTn id="2" dur="indefinite" nodeType="mainSeq">
+                <p:childTnLst>
+                  <p:par>
+                    <p:cTn id="3" fill="hold">
+                      <p:stCondLst>
+                        <p:cond delay="indefinite"/>
+                      </p:stCondLst>
+                      <p:childTnLst>
+                        <p:par>
+                          <p:cTn id="4" fill="hold">
+                            <p:stCondLst>
+                              <p:cond delay="0"/>
+                            </p:stCondLst>
+                            <p:childTnLst>
+                              <p:par>
+                                <p:cTn id="5" presetID="10" presetClass="entr" presetSubtype="0" fill="hold" nodeType="clickEffect">
+                                  <p:stCondLst>
+                                    <p:cond delay="0"/>
+                                  </p:stCondLst>
+                                  <p:childTnLst>
+                                    <p:set>
+                                      <p:cBhvr>
+                                        <p:cTn id="6" dur="1" fill="hold">
+                                          <p:stCondLst>
+                                            <p:cond delay="0"/>
+                                          </p:stCondLst>
+                                        </p:cTn>
+                                        <p:tgtEl>
+                                          <p:spTgt spid="5">
+                                            <p:txEl>
+                                              <p:pRg st="0" end="0"/>
+                                            </p:txEl>
+                                          </p:spTgt>
+                                        </p:tgtEl>
+                                        <p:attrNameLst>
+                                          <p:attrName>style.visibility</p:attrName>
+                                        </p:attrNameLst>
+                                      </p:cBhvr>
+                                      <p:to>
+                                        <p:strVal val="visible"/>
+                                      </p:to>
+                                    </p:set>
+                                    <p:animEffect transition="in" filter="fade">
+                                      <p:cBhvr>
+                                        <p:cTn id="7" dur="500"/>
+                                        <p:tgtEl>
+                                          <p:spTgt spid="5">
+                                            <p:txEl>
+                                              <p:pRg st="0" end="0"/>
+                                            </p:txEl>
+                                          </p:spTgt>
+                                        </p:tgtEl>
+                                      </p:cBhvr>
+                                    </p:animEffect>
+                                  </p:childTnLst>
+                                </p:cTn>
+                              </p:par>
+                            </p:childTnLst>
+                          </p:cTn>
+                        </p:par>
+                      </p:childTnLst>
+                    </p:cTn>
+                  </p:par>
+                  <p:par>
+                    <p:cTn id="8" fill="hold">
+                      <p:stCondLst>
+                        <p:cond delay="indefinite"/>
+                      </p:stCondLst>
+                      <p:childTnLst>
+                        <p:par>
+                          <p:cTn id="9" fill="hold">
+                            <p:stCondLst>
+                              <p:cond delay="0"/>
+                            </p:stCondLst>
+                            <p:childTnLst>
+                              <p:par>
+                                <p:cTn id="10" presetID="10" presetClass="entr" presetSubtype="0" fill="hold" nodeType="clickEffect">
+                                  <p:stCondLst>
+                                    <p:cond delay="0"/>
+                                  </p:stCondLst>
+                                  <p:childTnLst>
+                                    <p:set>
+                                      <p:cBhvr>
+                                        <p:cTn id="11" dur="1" fill="hold">
+                                          <p:stCondLst>
+                                            <p:cond delay="0"/>
+                                          </p:stCondLst>
+                                        </p:cTn>
+                                        <p:tgtEl>
+                                          <p:spTgt spid="7">
+                                            <p:txEl>
+                                              <p:pRg st="1" end="1"/>
+                                            </p:txEl>
+                                          </p:spTgt>
+                                        </p:tgtEl>
+                                        <p:attrNameLst>
+                                          <p:attrName>style.visibility</p:attrName>
+                                        </p:attrNameLst>
+                                      </p:cBhvr>
+                                      <p:to>
+                                        <p:strVal val="visible"/>
+                                      </p:to>
+                                    </p:set>
+                                    <p:animEffect transition="in" filter="fade">
+                                      <p:cBhvr>
+                                        <p:cTn id="12" dur="500"/>
+                                        <p:tgtEl>
+                                          <p:spTgt spid="7">
+                                            <p:txEl>
+                                              <p:pRg st="1" end="1"/>
+                                            </p:txEl>
+                                          </p:spTgt>
+                                        </p:tgtEl>
+                                      </p:cBhvr>
+                                    </p:animEffect>
+                                  </p:childTnLst>
+                                </p:cTn>
+                              </p:par>
+                            </p:childTnLst>
+                          </p:cTn>
+                        </p:par>
+                        <p:par>
+                          <p:cTn id="13" fill="hold">
+                            <p:stCondLst>
+                              <p:cond delay="500"/>
+                            </p:stCondLst>
+                            <p:childTnLst>
+                              <p:par>
+                                <p:cTn id="14" presetID="10" presetClass="entr" presetSubtype="0" fill="hold" nodeType="afterEffect">
+                                  <p:stCondLst>
+                                    <p:cond delay="0"/>
+                                  </p:stCondLst>
+                                  <p:childTnLst>
+                                    <p:set>
+                                      <p:cBhvr>
+                                        <p:cTn id="15" dur="1" fill="hold">
+                                          <p:stCondLst>
+                                            <p:cond delay="0"/>
+                                          </p:stCondLst>
+                                        </p:cTn>
+                                        <p:tgtEl>
+                                          <p:spTgt spid="15"/>
+                                        </p:tgtEl>
+                                        <p:attrNameLst>
+                                          <p:attrName>style.visibility</p:attrName>
+                                        </p:attrNameLst>
+                                      </p:cBhvr>
+                                      <p:to>
+                                        <p:strVal val="visible"/>
+                                      </p:to>
+                                    </p:set>
+                                    <p:animEffect transition="in" filter="fade">
+                                      <p:cBhvr>
+                                        <p:cTn id="16" dur="500"/>
+                                        <p:tgtEl>
+                                          <p:spTgt spid="15"/>
+                                        </p:tgtEl>
+                                      </p:cBhvr>
+                                    </p:animEffect>
+                                  </p:childTnLst>
+                                </p:cTn>
+                              </p:par>
+                            </p:childTnLst>
+                          </p:cTn>
+                        </p:par>
+                      </p:childTnLst>
+                    </p:cTn>
+                  </p:par>
+                  <p:par>
+                    <p:cTn id="17" fill="hold">
+                      <p:stCondLst>
+                        <p:cond delay="indefinite"/>
+                      </p:stCondLst>
+                      <p:childTnLst>
+                        <p:par>
+                          <p:cTn id="18" fill="hold">
+                            <p:stCondLst>
+                              <p:cond delay="0"/>
+                            </p:stCondLst>
+                            <p:childTnLst>
+                              <p:par>
+                                <p:cTn id="19" presetID="10" presetClass="entr" presetSubtype="0" fill="hold" grpId="0" nodeType="clickEffect">
+                                  <p:stCondLst>
+                                    <p:cond delay="0"/>
+                                  </p:stCondLst>
+                                  <p:childTnLst>
+                                    <p:set>
+                                      <p:cBhvr>
+                                        <p:cTn id="20" dur="1" fill="hold">
+                                          <p:stCondLst>
+                                            <p:cond delay="0"/>
+                                          </p:stCondLst>
+                                        </p:cTn>
+                                        <p:tgtEl>
+                                          <p:spTgt spid="12"/>
+                                        </p:tgtEl>
+                                        <p:attrNameLst>
+                                          <p:attrName>style.visibility</p:attrName>
+                                        </p:attrNameLst>
+                                      </p:cBhvr>
+                                      <p:to>
+                                        <p:strVal val="visible"/>
+                                      </p:to>
+                                    </p:set>
+                                    <p:animEffect transition="in" filter="fade">
+                                      <p:cBhvr>
+                                        <p:cTn id="21" dur="500"/>
+                                        <p:tgtEl>
+                                          <p:spTgt spid="12"/>
+                                        </p:tgtEl>
+                                      </p:cBhvr>
+                                    </p:animEffect>
+                                  </p:childTnLst>
+                                </p:cTn>
+                              </p:par>
+                            </p:childTnLst>
+                          </p:cTn>
+                        </p:par>
+                      </p:childTnLst>
+                    </p:cTn>
+                  </p:par>
+                  <p:par>
+                    <p:cTn id="22" fill="hold">
+                      <p:stCondLst>
+                        <p:cond delay="indefinite"/>
+                      </p:stCondLst>
+                      <p:childTnLst>
+                        <p:par>
+                          <p:cTn id="23" fill="hold">
+                            <p:stCondLst>
+                              <p:cond delay="0"/>
+                            </p:stCondLst>
+                            <p:childTnLst>
+                              <p:par>
+                                <p:cTn id="24" presetID="10" presetClass="entr" presetSubtype="0" fill="hold" grpId="0" nodeType="clickEffect">
+                                  <p:stCondLst>
+                                    <p:cond delay="0"/>
+                                  </p:stCondLst>
+                                  <p:childTnLst>
+                                    <p:set>
+                                      <p:cBhvr>
+                                        <p:cTn id="25" dur="1" fill="hold">
                                           <p:stCondLst>
                                             <p:cond delay="0"/>
                                           </p:stCondLst>
@@ -31178,150 +33060,9 @@
                                     </p:set>
                                     <p:animEffect transition="in" filter="fade">
                                       <p:cBhvr>
-                                        <p:cTn id="12" dur="500"/>
+                                        <p:cTn id="26" dur="500"/>
                                         <p:tgtEl>
                                           <p:spTgt spid="13"/>
-                                        </p:tgtEl>
-                                      </p:cBhvr>
-                                    </p:animEffect>
-                                  </p:childTnLst>
-                                </p:cTn>
-                              </p:par>
-                            </p:childTnLst>
-                          </p:cTn>
-                        </p:par>
-                      </p:childTnLst>
-                    </p:cTn>
-                  </p:par>
-                  <p:par>
-                    <p:cTn id="13" fill="hold">
-                      <p:stCondLst>
-                        <p:cond delay="indefinite"/>
-                      </p:stCondLst>
-                      <p:childTnLst>
-                        <p:par>
-                          <p:cTn id="14" fill="hold">
-                            <p:stCondLst>
-                              <p:cond delay="0"/>
-                            </p:stCondLst>
-                            <p:childTnLst>
-                              <p:par>
-                                <p:cTn id="15" presetID="10" presetClass="entr" presetSubtype="0" fill="hold" nodeType="clickEffect">
-                                  <p:stCondLst>
-                                    <p:cond delay="0"/>
-                                  </p:stCondLst>
-                                  <p:childTnLst>
-                                    <p:set>
-                                      <p:cBhvr>
-                                        <p:cTn id="16" dur="1" fill="hold">
-                                          <p:stCondLst>
-                                            <p:cond delay="0"/>
-                                          </p:stCondLst>
-                                        </p:cTn>
-                                        <p:tgtEl>
-                                          <p:spTgt spid="9"/>
-                                        </p:tgtEl>
-                                        <p:attrNameLst>
-                                          <p:attrName>style.visibility</p:attrName>
-                                        </p:attrNameLst>
-                                      </p:cBhvr>
-                                      <p:to>
-                                        <p:strVal val="visible"/>
-                                      </p:to>
-                                    </p:set>
-                                    <p:animEffect transition="in" filter="fade">
-                                      <p:cBhvr>
-                                        <p:cTn id="17" dur="500"/>
-                                        <p:tgtEl>
-                                          <p:spTgt spid="9"/>
-                                        </p:tgtEl>
-                                      </p:cBhvr>
-                                    </p:animEffect>
-                                  </p:childTnLst>
-                                </p:cTn>
-                              </p:par>
-                              <p:par>
-                                <p:cTn id="18" presetID="10" presetClass="entr" presetSubtype="0" fill="hold" nodeType="withEffect">
-                                  <p:stCondLst>
-                                    <p:cond delay="0"/>
-                                  </p:stCondLst>
-                                  <p:childTnLst>
-                                    <p:set>
-                                      <p:cBhvr>
-                                        <p:cTn id="19" dur="1" fill="hold">
-                                          <p:stCondLst>
-                                            <p:cond delay="0"/>
-                                          </p:stCondLst>
-                                        </p:cTn>
-                                        <p:tgtEl>
-                                          <p:spTgt spid="10"/>
-                                        </p:tgtEl>
-                                        <p:attrNameLst>
-                                          <p:attrName>style.visibility</p:attrName>
-                                        </p:attrNameLst>
-                                      </p:cBhvr>
-                                      <p:to>
-                                        <p:strVal val="visible"/>
-                                      </p:to>
-                                    </p:set>
-                                    <p:animEffect transition="in" filter="fade">
-                                      <p:cBhvr>
-                                        <p:cTn id="20" dur="500"/>
-                                        <p:tgtEl>
-                                          <p:spTgt spid="10"/>
-                                        </p:tgtEl>
-                                      </p:cBhvr>
-                                    </p:animEffect>
-                                  </p:childTnLst>
-                                </p:cTn>
-                              </p:par>
-                            </p:childTnLst>
-                          </p:cTn>
-                        </p:par>
-                      </p:childTnLst>
-                    </p:cTn>
-                  </p:par>
-                  <p:par>
-                    <p:cTn id="21" fill="hold">
-                      <p:stCondLst>
-                        <p:cond delay="indefinite"/>
-                      </p:stCondLst>
-                      <p:childTnLst>
-                        <p:par>
-                          <p:cTn id="22" fill="hold">
-                            <p:stCondLst>
-                              <p:cond delay="0"/>
-                            </p:stCondLst>
-                            <p:childTnLst>
-                              <p:par>
-                                <p:cTn id="23" presetID="10" presetClass="entr" presetSubtype="0" fill="hold" nodeType="clickEffect">
-                                  <p:stCondLst>
-                                    <p:cond delay="0"/>
-                                  </p:stCondLst>
-                                  <p:childTnLst>
-                                    <p:set>
-                                      <p:cBhvr>
-                                        <p:cTn id="24" dur="1" fill="hold">
-                                          <p:stCondLst>
-                                            <p:cond delay="0"/>
-                                          </p:stCondLst>
-                                        </p:cTn>
-                                        <p:tgtEl>
-                                          <p:spTgt spid="15"/>
-                                        </p:tgtEl>
-                                        <p:attrNameLst>
-                                          <p:attrName>style.visibility</p:attrName>
-                                        </p:attrNameLst>
-                                      </p:cBhvr>
-                                      <p:to>
-                                        <p:strVal val="visible"/>
-                                      </p:to>
-                                    </p:set>
-                                    <p:animEffect transition="in" filter="fade">
-                                      <p:cBhvr>
-                                        <p:cTn id="25" dur="500"/>
-                                        <p:tgtEl>
-                                          <p:spTgt spid="15"/>
                                         </p:tgtEl>
                                       </p:cBhvr>
                                     </p:animEffect>
@@ -31363,7 +33104,7 @@
 </p:sld>
 </file>
 
-<file path=ppt/slides/slide6.xml><?xml version="1.0" encoding="utf-8"?>
+<file path=ppt/slides/slide7.xml><?xml version="1.0" encoding="utf-8"?>
 <p:sld xmlns:a="http://schemas.openxmlformats.org/drawingml/2006/main" xmlns:r="http://schemas.openxmlformats.org/officeDocument/2006/relationships" xmlns:p="http://schemas.openxmlformats.org/presentationml/2006/main">
   <p:cSld>
     <p:spTree>
@@ -31467,7 +33208,19 @@
             </a:pPr>
             <a:r>
               <a:rPr lang="pl-PL" dirty="0"/>
-              <a:t>&lt;input [(ngModel)]=’listFilter’&gt;</a:t>
+              <a:t>&lt;input </a:t>
+            </a:r>
+            <a:r>
+              <a:rPr lang="pl-PL" dirty="0">
+                <a:solidFill>
+                  <a:schemeClr val="accent2"/>
+                </a:solidFill>
+              </a:rPr>
+              <a:t>[(ngModel)]=’listFilter’</a:t>
+            </a:r>
+            <a:r>
+              <a:rPr lang="pl-PL" dirty="0"/>
+              <a:t>&gt;</a:t>
             </a:r>
           </a:p>
         </p:txBody>
@@ -31558,6 +33311,9 @@
             </a:pPr>
             <a:r>
               <a:rPr lang="pl-PL" dirty="0">
+                <a:solidFill>
+                  <a:schemeClr val="accent2"/>
+                </a:solidFill>
                 <a:latin typeface="Consolas" panose="020B0609020204030204" pitchFamily="49" charset="0"/>
                 <a:cs typeface="Consolas" panose="020B0609020204030204" pitchFamily="49" charset="0"/>
               </a:rPr>
@@ -31842,6 +33598,9 @@
                     <p:cTn id="3" fill="hold">
                       <p:stCondLst>
                         <p:cond delay="indefinite"/>
+                        <p:cond evt="onBegin" delay="0">
+                          <p:tn val="2"/>
+                        </p:cond>
                       </p:stCondLst>
                       <p:childTnLst>
                         <p:par>
@@ -31851,7 +33610,7 @@
                             </p:stCondLst>
                             <p:childTnLst>
                               <p:par>
-                                <p:cTn id="5" presetID="10" presetClass="entr" presetSubtype="0" fill="hold" nodeType="clickEffect">
+                                <p:cTn id="5" presetID="10" presetClass="entr" presetSubtype="0" fill="hold" grpId="0" nodeType="afterEffect">
                                   <p:stCondLst>
                                     <p:cond delay="0"/>
                                   </p:stCondLst>
@@ -31864,7 +33623,11 @@
                                           </p:stCondLst>
                                         </p:cTn>
                                         <p:tgtEl>
-                                          <p:spTgt spid="25"/>
+                                          <p:spTgt spid="6">
+                                            <p:txEl>
+                                              <p:pRg st="1" end="1"/>
+                                            </p:txEl>
+                                          </p:spTgt>
                                         </p:tgtEl>
                                         <p:attrNameLst>
                                           <p:attrName>style.visibility</p:attrName>
@@ -31878,7 +33641,11 @@
                                       <p:cBhvr>
                                         <p:cTn id="7" dur="500"/>
                                         <p:tgtEl>
-                                          <p:spTgt spid="25"/>
+                                          <p:spTgt spid="6">
+                                            <p:txEl>
+                                              <p:pRg st="1" end="1"/>
+                                            </p:txEl>
+                                          </p:spTgt>
                                         </p:tgtEl>
                                       </p:cBhvr>
                                     </p:animEffect>
@@ -31904,7 +33671,7 @@
                             </p:stCondLst>
                             <p:childTnLst>
                               <p:par>
-                                <p:cTn id="10" presetID="10" presetClass="entr" presetSubtype="0" fill="hold" nodeType="clickEffect">
+                                <p:cTn id="10" presetID="10" presetClass="entr" presetSubtype="0" fill="hold" grpId="0" nodeType="clickEffect">
                                   <p:stCondLst>
                                     <p:cond delay="0"/>
                                   </p:stCondLst>
@@ -31917,7 +33684,11 @@
                                           </p:stCondLst>
                                         </p:cTn>
                                         <p:tgtEl>
-                                          <p:spTgt spid="26"/>
+                                          <p:spTgt spid="4">
+                                            <p:txEl>
+                                              <p:pRg st="0" end="0"/>
+                                            </p:txEl>
+                                          </p:spTgt>
                                         </p:tgtEl>
                                         <p:attrNameLst>
                                           <p:attrName>style.visibility</p:attrName>
@@ -31931,7 +33702,11 @@
                                       <p:cBhvr>
                                         <p:cTn id="12" dur="500"/>
                                         <p:tgtEl>
-                                          <p:spTgt spid="26"/>
+                                          <p:spTgt spid="4">
+                                            <p:txEl>
+                                              <p:pRg st="0" end="0"/>
+                                            </p:txEl>
+                                          </p:spTgt>
                                         </p:tgtEl>
                                       </p:cBhvr>
                                     </p:animEffect>
@@ -31957,283 +33732,14 @@
                             </p:stCondLst>
                             <p:childTnLst>
                               <p:par>
-                                <p:cTn id="15" presetID="10" presetClass="exit" presetSubtype="0" fill="hold" nodeType="clickEffect">
-                                  <p:stCondLst>
-                                    <p:cond delay="0"/>
-                                  </p:stCondLst>
-                                  <p:childTnLst>
-                                    <p:animEffect transition="out" filter="fade">
-                                      <p:cBhvr>
-                                        <p:cTn id="16" dur="500"/>
-                                        <p:tgtEl>
-                                          <p:spTgt spid="25"/>
-                                        </p:tgtEl>
-                                      </p:cBhvr>
-                                    </p:animEffect>
-                                    <p:set>
-                                      <p:cBhvr>
-                                        <p:cTn id="17" dur="1" fill="hold">
-                                          <p:stCondLst>
-                                            <p:cond delay="499"/>
-                                          </p:stCondLst>
-                                        </p:cTn>
-                                        <p:tgtEl>
-                                          <p:spTgt spid="25"/>
-                                        </p:tgtEl>
-                                        <p:attrNameLst>
-                                          <p:attrName>style.visibility</p:attrName>
-                                        </p:attrNameLst>
-                                      </p:cBhvr>
-                                      <p:to>
-                                        <p:strVal val="hidden"/>
-                                      </p:to>
-                                    </p:set>
-                                  </p:childTnLst>
-                                </p:cTn>
-                              </p:par>
-                              <p:par>
-                                <p:cTn id="18" presetID="10" presetClass="exit" presetSubtype="0" fill="hold" nodeType="withEffect">
-                                  <p:stCondLst>
-                                    <p:cond delay="0"/>
-                                  </p:stCondLst>
-                                  <p:childTnLst>
-                                    <p:animEffect transition="out" filter="fade">
-                                      <p:cBhvr>
-                                        <p:cTn id="19" dur="500"/>
-                                        <p:tgtEl>
-                                          <p:spTgt spid="26"/>
-                                        </p:tgtEl>
-                                      </p:cBhvr>
-                                    </p:animEffect>
-                                    <p:set>
-                                      <p:cBhvr>
-                                        <p:cTn id="20" dur="1" fill="hold">
-                                          <p:stCondLst>
-                                            <p:cond delay="499"/>
-                                          </p:stCondLst>
-                                        </p:cTn>
-                                        <p:tgtEl>
-                                          <p:spTgt spid="26"/>
-                                        </p:tgtEl>
-                                        <p:attrNameLst>
-                                          <p:attrName>style.visibility</p:attrName>
-                                        </p:attrNameLst>
-                                      </p:cBhvr>
-                                      <p:to>
-                                        <p:strVal val="hidden"/>
-                                      </p:to>
-                                    </p:set>
-                                  </p:childTnLst>
-                                </p:cTn>
-                              </p:par>
-                            </p:childTnLst>
-                          </p:cTn>
-                        </p:par>
-                        <p:par>
-                          <p:cTn id="21" fill="hold">
-                            <p:stCondLst>
-                              <p:cond delay="500"/>
-                            </p:stCondLst>
-                            <p:childTnLst>
-                              <p:par>
-                                <p:cTn id="22" presetID="10" presetClass="entr" presetSubtype="0" fill="hold" grpId="0" nodeType="afterEffect">
+                                <p:cTn id="15" presetID="10" presetClass="entr" presetSubtype="0" fill="hold" nodeType="clickEffect">
                                   <p:stCondLst>
                                     <p:cond delay="0"/>
                                   </p:stCondLst>
                                   <p:childTnLst>
                                     <p:set>
                                       <p:cBhvr>
-                                        <p:cTn id="23" dur="1" fill="hold">
-                                          <p:stCondLst>
-                                            <p:cond delay="0"/>
-                                          </p:stCondLst>
-                                        </p:cTn>
-                                        <p:tgtEl>
-                                          <p:spTgt spid="4">
-                                            <p:txEl>
-                                              <p:pRg st="0" end="0"/>
-                                            </p:txEl>
-                                          </p:spTgt>
-                                        </p:tgtEl>
-                                        <p:attrNameLst>
-                                          <p:attrName>style.visibility</p:attrName>
-                                        </p:attrNameLst>
-                                      </p:cBhvr>
-                                      <p:to>
-                                        <p:strVal val="visible"/>
-                                      </p:to>
-                                    </p:set>
-                                    <p:animEffect transition="in" filter="fade">
-                                      <p:cBhvr>
-                                        <p:cTn id="24" dur="500"/>
-                                        <p:tgtEl>
-                                          <p:spTgt spid="4">
-                                            <p:txEl>
-                                              <p:pRg st="0" end="0"/>
-                                            </p:txEl>
-                                          </p:spTgt>
-                                        </p:tgtEl>
-                                      </p:cBhvr>
-                                    </p:animEffect>
-                                  </p:childTnLst>
-                                </p:cTn>
-                              </p:par>
-                              <p:par>
-                                <p:cTn id="25" presetID="10" presetClass="entr" presetSubtype="0" fill="hold" grpId="0" nodeType="withEffect">
-                                  <p:stCondLst>
-                                    <p:cond delay="0"/>
-                                  </p:stCondLst>
-                                  <p:childTnLst>
-                                    <p:set>
-                                      <p:cBhvr>
-                                        <p:cTn id="26" dur="1" fill="hold">
-                                          <p:stCondLst>
-                                            <p:cond delay="0"/>
-                                          </p:stCondLst>
-                                        </p:cTn>
-                                        <p:tgtEl>
-                                          <p:spTgt spid="6">
-                                            <p:txEl>
-                                              <p:pRg st="0" end="0"/>
-                                            </p:txEl>
-                                          </p:spTgt>
-                                        </p:tgtEl>
-                                        <p:attrNameLst>
-                                          <p:attrName>style.visibility</p:attrName>
-                                        </p:attrNameLst>
-                                      </p:cBhvr>
-                                      <p:to>
-                                        <p:strVal val="visible"/>
-                                      </p:to>
-                                    </p:set>
-                                    <p:animEffect transition="in" filter="fade">
-                                      <p:cBhvr>
-                                        <p:cTn id="27" dur="500"/>
-                                        <p:tgtEl>
-                                          <p:spTgt spid="6">
-                                            <p:txEl>
-                                              <p:pRg st="0" end="0"/>
-                                            </p:txEl>
-                                          </p:spTgt>
-                                        </p:tgtEl>
-                                      </p:cBhvr>
-                                    </p:animEffect>
-                                  </p:childTnLst>
-                                </p:cTn>
-                              </p:par>
-                              <p:par>
-                                <p:cTn id="28" presetID="10" presetClass="entr" presetSubtype="0" fill="hold" grpId="0" nodeType="withEffect">
-                                  <p:stCondLst>
-                                    <p:cond delay="0"/>
-                                  </p:stCondLst>
-                                  <p:childTnLst>
-                                    <p:set>
-                                      <p:cBhvr>
-                                        <p:cTn id="29" dur="1" fill="hold">
-                                          <p:stCondLst>
-                                            <p:cond delay="0"/>
-                                          </p:stCondLst>
-                                        </p:cTn>
-                                        <p:tgtEl>
-                                          <p:spTgt spid="6">
-                                            <p:txEl>
-                                              <p:pRg st="1" end="1"/>
-                                            </p:txEl>
-                                          </p:spTgt>
-                                        </p:tgtEl>
-                                        <p:attrNameLst>
-                                          <p:attrName>style.visibility</p:attrName>
-                                        </p:attrNameLst>
-                                      </p:cBhvr>
-                                      <p:to>
-                                        <p:strVal val="visible"/>
-                                      </p:to>
-                                    </p:set>
-                                    <p:animEffect transition="in" filter="fade">
-                                      <p:cBhvr>
-                                        <p:cTn id="30" dur="500"/>
-                                        <p:tgtEl>
-                                          <p:spTgt spid="6">
-                                            <p:txEl>
-                                              <p:pRg st="1" end="1"/>
-                                            </p:txEl>
-                                          </p:spTgt>
-                                        </p:tgtEl>
-                                      </p:cBhvr>
-                                    </p:animEffect>
-                                  </p:childTnLst>
-                                </p:cTn>
-                              </p:par>
-                              <p:par>
-                                <p:cTn id="31" presetID="10" presetClass="entr" presetSubtype="0" fill="hold" grpId="0" nodeType="withEffect">
-                                  <p:stCondLst>
-                                    <p:cond delay="0"/>
-                                  </p:stCondLst>
-                                  <p:childTnLst>
-                                    <p:set>
-                                      <p:cBhvr>
-                                        <p:cTn id="32" dur="1" fill="hold">
-                                          <p:stCondLst>
-                                            <p:cond delay="0"/>
-                                          </p:stCondLst>
-                                        </p:cTn>
-                                        <p:tgtEl>
-                                          <p:spTgt spid="6">
-                                            <p:txEl>
-                                              <p:pRg st="2" end="2"/>
-                                            </p:txEl>
-                                          </p:spTgt>
-                                        </p:tgtEl>
-                                        <p:attrNameLst>
-                                          <p:attrName>style.visibility</p:attrName>
-                                        </p:attrNameLst>
-                                      </p:cBhvr>
-                                      <p:to>
-                                        <p:strVal val="visible"/>
-                                      </p:to>
-                                    </p:set>
-                                    <p:animEffect transition="in" filter="fade">
-                                      <p:cBhvr>
-                                        <p:cTn id="33" dur="500"/>
-                                        <p:tgtEl>
-                                          <p:spTgt spid="6">
-                                            <p:txEl>
-                                              <p:pRg st="2" end="2"/>
-                                            </p:txEl>
-                                          </p:spTgt>
-                                        </p:tgtEl>
-                                      </p:cBhvr>
-                                    </p:animEffect>
-                                  </p:childTnLst>
-                                </p:cTn>
-                              </p:par>
-                            </p:childTnLst>
-                          </p:cTn>
-                        </p:par>
-                      </p:childTnLst>
-                    </p:cTn>
-                  </p:par>
-                  <p:par>
-                    <p:cTn id="34" fill="hold">
-                      <p:stCondLst>
-                        <p:cond delay="indefinite"/>
-                      </p:stCondLst>
-                      <p:childTnLst>
-                        <p:par>
-                          <p:cTn id="35" fill="hold">
-                            <p:stCondLst>
-                              <p:cond delay="0"/>
-                            </p:stCondLst>
-                            <p:childTnLst>
-                              <p:par>
-                                <p:cTn id="36" presetID="10" presetClass="entr" presetSubtype="0" fill="hold" nodeType="clickEffect">
-                                  <p:stCondLst>
-                                    <p:cond delay="0"/>
-                                  </p:stCondLst>
-                                  <p:childTnLst>
-                                    <p:set>
-                                      <p:cBhvr>
-                                        <p:cTn id="37" dur="1" fill="hold">
+                                        <p:cTn id="16" dur="1" fill="hold">
                                           <p:stCondLst>
                                             <p:cond delay="0"/>
                                           </p:stCondLst>
@@ -32251,9 +33757,115 @@
                                     </p:set>
                                     <p:animEffect transition="in" filter="fade">
                                       <p:cBhvr>
-                                        <p:cTn id="38" dur="500"/>
+                                        <p:cTn id="17" dur="500"/>
                                         <p:tgtEl>
                                           <p:spTgt spid="28"/>
+                                        </p:tgtEl>
+                                      </p:cBhvr>
+                                    </p:animEffect>
+                                  </p:childTnLst>
+                                </p:cTn>
+                              </p:par>
+                            </p:childTnLst>
+                          </p:cTn>
+                        </p:par>
+                      </p:childTnLst>
+                    </p:cTn>
+                  </p:par>
+                  <p:par>
+                    <p:cTn id="18" fill="hold">
+                      <p:stCondLst>
+                        <p:cond delay="indefinite"/>
+                      </p:stCondLst>
+                      <p:childTnLst>
+                        <p:par>
+                          <p:cTn id="19" fill="hold">
+                            <p:stCondLst>
+                              <p:cond delay="0"/>
+                            </p:stCondLst>
+                            <p:childTnLst>
+                              <p:par>
+                                <p:cTn id="20" presetID="10" presetClass="entr" presetSubtype="0" fill="hold" nodeType="clickEffect">
+                                  <p:stCondLst>
+                                    <p:cond delay="0"/>
+                                  </p:stCondLst>
+                                  <p:childTnLst>
+                                    <p:set>
+                                      <p:cBhvr>
+                                        <p:cTn id="21" dur="1" fill="hold">
+                                          <p:stCondLst>
+                                            <p:cond delay="0"/>
+                                          </p:stCondLst>
+                                        </p:cTn>
+                                        <p:tgtEl>
+                                          <p:spTgt spid="25"/>
+                                        </p:tgtEl>
+                                        <p:attrNameLst>
+                                          <p:attrName>style.visibility</p:attrName>
+                                        </p:attrNameLst>
+                                      </p:cBhvr>
+                                      <p:to>
+                                        <p:strVal val="visible"/>
+                                      </p:to>
+                                    </p:set>
+                                    <p:animEffect transition="in" filter="fade">
+                                      <p:cBhvr>
+                                        <p:cTn id="22" dur="500"/>
+                                        <p:tgtEl>
+                                          <p:spTgt spid="25"/>
+                                        </p:tgtEl>
+                                      </p:cBhvr>
+                                    </p:animEffect>
+                                  </p:childTnLst>
+                                </p:cTn>
+                              </p:par>
+                            </p:childTnLst>
+                          </p:cTn>
+                        </p:par>
+                      </p:childTnLst>
+                    </p:cTn>
+                  </p:par>
+                  <p:par>
+                    <p:cTn id="23" fill="hold">
+                      <p:stCondLst>
+                        <p:cond delay="indefinite"/>
+                      </p:stCondLst>
+                      <p:childTnLst>
+                        <p:par>
+                          <p:cTn id="24" fill="hold">
+                            <p:stCondLst>
+                              <p:cond delay="0"/>
+                            </p:stCondLst>
+                            <p:childTnLst>
+                              <p:par>
+                                <p:cTn id="25" presetID="10" presetClass="entr" presetSubtype="0" fill="hold" nodeType="clickEffect">
+                                  <p:stCondLst>
+                                    <p:cond delay="0"/>
+                                  </p:stCondLst>
+                                  <p:childTnLst>
+                                    <p:set>
+                                      <p:cBhvr>
+                                        <p:cTn id="26" dur="1" fill="hold">
+                                          <p:stCondLst>
+                                            <p:cond delay="0"/>
+                                          </p:stCondLst>
+                                        </p:cTn>
+                                        <p:tgtEl>
+                                          <p:spTgt spid="26"/>
+                                        </p:tgtEl>
+                                        <p:attrNameLst>
+                                          <p:attrName>style.visibility</p:attrName>
+                                        </p:attrNameLst>
+                                      </p:cBhvr>
+                                      <p:to>
+                                        <p:strVal val="visible"/>
+                                      </p:to>
+                                    </p:set>
+                                    <p:animEffect transition="in" filter="fade">
+                                      <p:cBhvr>
+                                        <p:cTn id="27" dur="500"/>
+                                        <p:tgtEl>
+                                          <p:spTgt spid="26"/>
                                         </p:tgtEl>
                                       </p:cBhvr>
                                     </p:animEffect>
@@ -32295,7 +33907,7 @@
 </p:sld>
 </file>
 
-<file path=ppt/slides/slide7.xml><?xml version="1.0" encoding="utf-8"?>
+<file path=ppt/slides/slide8.xml><?xml version="1.0" encoding="utf-8"?>
 <p:sld xmlns:a="http://schemas.openxmlformats.org/drawingml/2006/main" xmlns:r="http://schemas.openxmlformats.org/officeDocument/2006/relationships" xmlns:p="http://schemas.openxmlformats.org/presentationml/2006/main">
   <p:cSld>
     <p:bg>
@@ -32642,7 +34254,7 @@
 </p:sld>
 </file>
 
-<file path=ppt/slides/slide8.xml><?xml version="1.0" encoding="utf-8"?>
+<file path=ppt/slides/slide9.xml><?xml version="1.0" encoding="utf-8"?>
 <p:sld xmlns:a="http://schemas.openxmlformats.org/drawingml/2006/main" xmlns:r="http://schemas.openxmlformats.org/officeDocument/2006/relationships" xmlns:p="http://schemas.openxmlformats.org/presentationml/2006/main">
   <p:cSld>
     <p:spTree>
@@ -32729,416 +34341,6 @@
   <p:clrMapOvr>
     <a:masterClrMapping/>
   </p:clrMapOvr>
-</p:sld>
-</file>
-
-<file path=ppt/slides/slide9.xml><?xml version="1.0" encoding="utf-8"?>
-<p:sld xmlns:a="http://schemas.openxmlformats.org/drawingml/2006/main" xmlns:r="http://schemas.openxmlformats.org/officeDocument/2006/relationships" xmlns:p="http://schemas.openxmlformats.org/presentationml/2006/main">
-  <p:cSld>
-    <p:spTree>
-      <p:nvGrpSpPr>
-        <p:cNvPr id="1" name=""/>
-        <p:cNvGrpSpPr/>
-        <p:nvPr/>
-      </p:nvGrpSpPr>
-      <p:grpSpPr>
-        <a:xfrm>
-          <a:off x="0" y="0"/>
-          <a:ext cx="0" cy="0"/>
-          <a:chOff x="0" y="0"/>
-          <a:chExt cx="0" cy="0"/>
-        </a:xfrm>
-      </p:grpSpPr>
-      <p:sp>
-        <p:nvSpPr>
-          <p:cNvPr id="2" name="Title 1">
-            <a:extLst>
-              <a:ext uri="{FF2B5EF4-FFF2-40B4-BE49-F238E27FC236}">
-                <a16:creationId xmlns:a16="http://schemas.microsoft.com/office/drawing/2014/main" id="{AFE3B5B6-E517-4B1B-BE1D-1CC09524561F}"/>
-              </a:ext>
-            </a:extLst>
-          </p:cNvPr>
-          <p:cNvSpPr>
-            <a:spLocks noGrp="1"/>
-          </p:cNvSpPr>
-          <p:nvPr>
-            <p:ph type="title"/>
-          </p:nvPr>
-        </p:nvSpPr>
-        <p:spPr/>
-        <p:txBody>
-          <a:bodyPr/>
-          <a:lstStyle/>
-          <a:p>
-            <a:r>
-              <a:rPr lang="pl-PL" dirty="0"/>
-              <a:t>Pipes-przykłady</a:t>
-            </a:r>
-          </a:p>
-        </p:txBody>
-      </p:sp>
-      <p:sp>
-        <p:nvSpPr>
-          <p:cNvPr id="3" name="Content Placeholder 2">
-            <a:extLst>
-              <a:ext uri="{FF2B5EF4-FFF2-40B4-BE49-F238E27FC236}">
-                <a16:creationId xmlns:a16="http://schemas.microsoft.com/office/drawing/2014/main" id="{62D6AC99-FE43-46BF-9744-34AF76CBEEDC}"/>
-              </a:ext>
-            </a:extLst>
-          </p:cNvPr>
-          <p:cNvSpPr>
-            <a:spLocks noGrp="1"/>
-          </p:cNvSpPr>
-          <p:nvPr>
-            <p:ph idx="1"/>
-          </p:nvPr>
-        </p:nvSpPr>
-        <p:spPr/>
-        <p:txBody>
-          <a:bodyPr/>
-          <a:lstStyle/>
-          <a:p>
-            <a:pPr marL="0" indent="0">
-              <a:buNone/>
-            </a:pPr>
-            <a:r>
-              <a:rPr lang="pl-PL" dirty="0"/>
-              <a:t>{{pageTitle </a:t>
-            </a:r>
-            <a:r>
-              <a:rPr lang="pl-PL" dirty="0">
-                <a:solidFill>
-                  <a:srgbClr val="FF0000"/>
-                </a:solidFill>
-              </a:rPr>
-              <a:t>| lowercase</a:t>
-            </a:r>
-            <a:r>
-              <a:rPr lang="pl-PL" dirty="0"/>
-              <a:t>}}</a:t>
-            </a:r>
-          </a:p>
-          <a:p>
-            <a:pPr marL="0" indent="0">
-              <a:buNone/>
-            </a:pPr>
-            <a:r>
-              <a:rPr lang="pl-PL" dirty="0">
-                <a:solidFill>
-                  <a:schemeClr val="accent2">
-                    <a:lumMod val="75000"/>
-                  </a:schemeClr>
-                </a:solidFill>
-              </a:rPr>
-              <a:t>&lt;img</a:t>
-            </a:r>
-            <a:r>
-              <a:rPr lang="pl-PL" dirty="0"/>
-              <a:t> [src]=‘product.Name</a:t>
-            </a:r>
-            <a:r>
-              <a:rPr lang="pl-PL" dirty="0">
-                <a:solidFill>
-                  <a:srgbClr val="FF0000"/>
-                </a:solidFill>
-              </a:rPr>
-              <a:t> | uppercase</a:t>
-            </a:r>
-            <a:r>
-              <a:rPr lang="pl-PL" dirty="0"/>
-              <a:t>’ </a:t>
-            </a:r>
-            <a:r>
-              <a:rPr lang="pl-PL" dirty="0">
-                <a:solidFill>
-                  <a:schemeClr val="accent2">
-                    <a:lumMod val="75000"/>
-                  </a:schemeClr>
-                </a:solidFill>
-              </a:rPr>
-              <a:t>&gt;</a:t>
-            </a:r>
-          </a:p>
-          <a:p>
-            <a:pPr marL="0" indent="0">
-              <a:buNone/>
-            </a:pPr>
-            <a:r>
-              <a:rPr lang="pl-PL" dirty="0"/>
-              <a:t>{{product.Price </a:t>
-            </a:r>
-            <a:r>
-              <a:rPr lang="pl-PL" dirty="0">
-                <a:solidFill>
-                  <a:srgbClr val="FF0000"/>
-                </a:solidFill>
-              </a:rPr>
-              <a:t>| currency | lowercase</a:t>
-            </a:r>
-            <a:r>
-              <a:rPr lang="pl-PL" dirty="0"/>
-              <a:t>}}</a:t>
-            </a:r>
-          </a:p>
-          <a:p>
-            <a:pPr marL="0" indent="0">
-              <a:buNone/>
-            </a:pPr>
-            <a:r>
-              <a:rPr lang="pl-PL" dirty="0"/>
-              <a:t>{{product.Price </a:t>
-            </a:r>
-            <a:r>
-              <a:rPr lang="pl-PL" dirty="0">
-                <a:solidFill>
-                  <a:srgbClr val="FF0000"/>
-                </a:solidFill>
-              </a:rPr>
-              <a:t>| currency :”PLN”:true:”1.2-2”</a:t>
-            </a:r>
-            <a:r>
-              <a:rPr lang="pl-PL" dirty="0"/>
-              <a:t>}}</a:t>
-            </a:r>
-          </a:p>
-          <a:p>
-            <a:pPr marL="0" indent="0">
-              <a:buNone/>
-            </a:pPr>
-            <a:endParaRPr lang="pl-PL" dirty="0"/>
-          </a:p>
-        </p:txBody>
-      </p:sp>
-    </p:spTree>
-    <p:extLst>
-      <p:ext uri="{BB962C8B-B14F-4D97-AF65-F5344CB8AC3E}">
-        <p14:creationId xmlns:p14="http://schemas.microsoft.com/office/powerpoint/2010/main" val="2597913285"/>
-      </p:ext>
-    </p:extLst>
-  </p:cSld>
-  <p:clrMapOvr>
-    <a:masterClrMapping/>
-  </p:clrMapOvr>
-  <p:timing>
-    <p:tnLst>
-      <p:par>
-        <p:cTn id="1" dur="indefinite" restart="never" nodeType="tmRoot">
-          <p:childTnLst>
-            <p:seq concurrent="1" nextAc="seek">
-              <p:cTn id="2" dur="indefinite" nodeType="mainSeq">
-                <p:childTnLst>
-                  <p:par>
-                    <p:cTn id="3" fill="hold">
-                      <p:stCondLst>
-                        <p:cond delay="indefinite"/>
-                      </p:stCondLst>
-                      <p:childTnLst>
-                        <p:par>
-                          <p:cTn id="4" fill="hold">
-                            <p:stCondLst>
-                              <p:cond delay="0"/>
-                            </p:stCondLst>
-                            <p:childTnLst>
-                              <p:par>
-                                <p:cTn id="5" presetID="10" presetClass="entr" presetSubtype="0" fill="hold" nodeType="clickEffect">
-                                  <p:stCondLst>
-                                    <p:cond delay="0"/>
-                                  </p:stCondLst>
-                                  <p:childTnLst>
-                                    <p:set>
-                                      <p:cBhvr>
-                                        <p:cTn id="6" dur="1" fill="hold">
-                                          <p:stCondLst>
-                                            <p:cond delay="0"/>
-                                          </p:stCondLst>
-                                        </p:cTn>
-                                        <p:tgtEl>
-                                          <p:spTgt spid="3">
-                                            <p:txEl>
-                                              <p:pRg st="0" end="0"/>
-                                            </p:txEl>
-                                          </p:spTgt>
-                                        </p:tgtEl>
-                                        <p:attrNameLst>
-                                          <p:attrName>style.visibility</p:attrName>
-                                        </p:attrNameLst>
-                                      </p:cBhvr>
-                                      <p:to>
-                                        <p:strVal val="visible"/>
-                                      </p:to>
-                                    </p:set>
-                                    <p:animEffect transition="in" filter="fade">
-                                      <p:cBhvr>
-                                        <p:cTn id="7" dur="500"/>
-                                        <p:tgtEl>
-                                          <p:spTgt spid="3">
-                                            <p:txEl>
-                                              <p:pRg st="0" end="0"/>
-                                            </p:txEl>
-                                          </p:spTgt>
-                                        </p:tgtEl>
-                                      </p:cBhvr>
-                                    </p:animEffect>
-                                  </p:childTnLst>
-                                </p:cTn>
-                              </p:par>
-                              <p:par>
-                                <p:cTn id="8" presetID="10" presetClass="entr" presetSubtype="0" fill="hold" nodeType="withEffect">
-                                  <p:stCondLst>
-                                    <p:cond delay="0"/>
-                                  </p:stCondLst>
-                                  <p:childTnLst>
-                                    <p:set>
-                                      <p:cBhvr>
-                                        <p:cTn id="9" dur="1" fill="hold">
-                                          <p:stCondLst>
-                                            <p:cond delay="0"/>
-                                          </p:stCondLst>
-                                        </p:cTn>
-                                        <p:tgtEl>
-                                          <p:spTgt spid="3">
-                                            <p:txEl>
-                                              <p:pRg st="1" end="1"/>
-                                            </p:txEl>
-                                          </p:spTgt>
-                                        </p:tgtEl>
-                                        <p:attrNameLst>
-                                          <p:attrName>style.visibility</p:attrName>
-                                        </p:attrNameLst>
-                                      </p:cBhvr>
-                                      <p:to>
-                                        <p:strVal val="visible"/>
-                                      </p:to>
-                                    </p:set>
-                                    <p:animEffect transition="in" filter="fade">
-                                      <p:cBhvr>
-                                        <p:cTn id="10" dur="500"/>
-                                        <p:tgtEl>
-                                          <p:spTgt spid="3">
-                                            <p:txEl>
-                                              <p:pRg st="1" end="1"/>
-                                            </p:txEl>
-                                          </p:spTgt>
-                                        </p:tgtEl>
-                                      </p:cBhvr>
-                                    </p:animEffect>
-                                  </p:childTnLst>
-                                </p:cTn>
-                              </p:par>
-                              <p:par>
-                                <p:cTn id="11" presetID="10" presetClass="entr" presetSubtype="0" fill="hold" nodeType="withEffect">
-                                  <p:stCondLst>
-                                    <p:cond delay="0"/>
-                                  </p:stCondLst>
-                                  <p:childTnLst>
-                                    <p:set>
-                                      <p:cBhvr>
-                                        <p:cTn id="12" dur="1" fill="hold">
-                                          <p:stCondLst>
-                                            <p:cond delay="0"/>
-                                          </p:stCondLst>
-                                        </p:cTn>
-                                        <p:tgtEl>
-                                          <p:spTgt spid="3">
-                                            <p:txEl>
-                                              <p:pRg st="2" end="2"/>
-                                            </p:txEl>
-                                          </p:spTgt>
-                                        </p:tgtEl>
-                                        <p:attrNameLst>
-                                          <p:attrName>style.visibility</p:attrName>
-                                        </p:attrNameLst>
-                                      </p:cBhvr>
-                                      <p:to>
-                                        <p:strVal val="visible"/>
-                                      </p:to>
-                                    </p:set>
-                                    <p:animEffect transition="in" filter="fade">
-                                      <p:cBhvr>
-                                        <p:cTn id="13" dur="500"/>
-                                        <p:tgtEl>
-                                          <p:spTgt spid="3">
-                                            <p:txEl>
-                                              <p:pRg st="2" end="2"/>
-                                            </p:txEl>
-                                          </p:spTgt>
-                                        </p:tgtEl>
-                                      </p:cBhvr>
-                                    </p:animEffect>
-                                  </p:childTnLst>
-                                </p:cTn>
-                              </p:par>
-                              <p:par>
-                                <p:cTn id="14" presetID="10" presetClass="entr" presetSubtype="0" fill="hold" nodeType="withEffect">
-                                  <p:stCondLst>
-                                    <p:cond delay="0"/>
-                                  </p:stCondLst>
-                                  <p:childTnLst>
-                                    <p:set>
-                                      <p:cBhvr>
-                                        <p:cTn id="15" dur="1" fill="hold">
-                                          <p:stCondLst>
-                                            <p:cond delay="0"/>
-                                          </p:stCondLst>
-                                        </p:cTn>
-                                        <p:tgtEl>
-                                          <p:spTgt spid="3">
-                                            <p:txEl>
-                                              <p:pRg st="3" end="3"/>
-                                            </p:txEl>
-                                          </p:spTgt>
-                                        </p:tgtEl>
-                                        <p:attrNameLst>
-                                          <p:attrName>style.visibility</p:attrName>
-                                        </p:attrNameLst>
-                                      </p:cBhvr>
-                                      <p:to>
-                                        <p:strVal val="visible"/>
-                                      </p:to>
-                                    </p:set>
-                                    <p:animEffect transition="in" filter="fade">
-                                      <p:cBhvr>
-                                        <p:cTn id="16" dur="500"/>
-                                        <p:tgtEl>
-                                          <p:spTgt spid="3">
-                                            <p:txEl>
-                                              <p:pRg st="3" end="3"/>
-                                            </p:txEl>
-                                          </p:spTgt>
-                                        </p:tgtEl>
-                                      </p:cBhvr>
-                                    </p:animEffect>
-                                  </p:childTnLst>
-                                </p:cTn>
-                              </p:par>
-                            </p:childTnLst>
-                          </p:cTn>
-                        </p:par>
-                      </p:childTnLst>
-                    </p:cTn>
-                  </p:par>
-                </p:childTnLst>
-              </p:cTn>
-              <p:prevCondLst>
-                <p:cond evt="onPrev" delay="0">
-                  <p:tgtEl>
-                    <p:sldTgt/>
-                  </p:tgtEl>
-                </p:cond>
-              </p:prevCondLst>
-              <p:nextCondLst>
-                <p:cond evt="onNext" delay="0">
-                  <p:tgtEl>
-                    <p:sldTgt/>
-                  </p:tgtEl>
-                </p:cond>
-              </p:nextCondLst>
-            </p:seq>
-          </p:childTnLst>
-        </p:cTn>
-      </p:par>
-    </p:tnLst>
-  </p:timing>
 </p:sld>
 </file>
 

--- a/2/presentation/Angular 2.pptx
+++ b/2/presentation/Angular 2.pptx
@@ -10955,7 +10955,7 @@
           <a:p>
             <a:fld id="{A7D59A82-B575-4226-8A09-A5B072479177}" type="datetimeFigureOut">
               <a:rPr lang="pl-PL" smtClean="0"/>
-              <a:t>24.02.2021</a:t>
+              <a:t>25.02.2021</a:t>
             </a:fld>
             <a:endParaRPr lang="pl-PL"/>
           </a:p>
@@ -11267,22 +11267,6 @@
           <a:bodyPr/>
           <a:lstStyle/>
           <a:p>
-            <a:r>
-              <a:rPr lang="pl-PL" dirty="0"/>
-              <a:t>Input i </a:t>
-            </a:r>
-            <a:r>
-              <a:rPr lang="pl-PL" dirty="0" err="1"/>
-              <a:t>Output</a:t>
-            </a:r>
-            <a:r>
-              <a:rPr lang="pl-PL" dirty="0"/>
-              <a:t> </a:t>
-            </a:r>
-            <a:r>
-              <a:rPr lang="pl-PL" dirty="0" err="1"/>
-              <a:t>binding</a:t>
-            </a:r>
             <a:endParaRPr lang="pl-PL" dirty="0"/>
           </a:p>
         </p:txBody>
@@ -12631,7 +12615,7 @@
           <a:p>
             <a:fld id="{5E543113-3ECC-4DC9-B636-16B32516798D}" type="datetimeFigureOut">
               <a:rPr lang="pl-PL" smtClean="0"/>
-              <a:t>24.02.2021</a:t>
+              <a:t>25.02.2021</a:t>
             </a:fld>
             <a:endParaRPr lang="pl-PL"/>
           </a:p>
@@ -12831,7 +12815,7 @@
           <a:p>
             <a:fld id="{5E543113-3ECC-4DC9-B636-16B32516798D}" type="datetimeFigureOut">
               <a:rPr lang="pl-PL" smtClean="0"/>
-              <a:t>24.02.2021</a:t>
+              <a:t>25.02.2021</a:t>
             </a:fld>
             <a:endParaRPr lang="pl-PL"/>
           </a:p>
@@ -13041,7 +13025,7 @@
           <a:p>
             <a:fld id="{5E543113-3ECC-4DC9-B636-16B32516798D}" type="datetimeFigureOut">
               <a:rPr lang="pl-PL" smtClean="0"/>
-              <a:t>24.02.2021</a:t>
+              <a:t>25.02.2021</a:t>
             </a:fld>
             <a:endParaRPr lang="pl-PL"/>
           </a:p>
@@ -13241,7 +13225,7 @@
           <a:p>
             <a:fld id="{5E543113-3ECC-4DC9-B636-16B32516798D}" type="datetimeFigureOut">
               <a:rPr lang="pl-PL" smtClean="0"/>
-              <a:t>24.02.2021</a:t>
+              <a:t>25.02.2021</a:t>
             </a:fld>
             <a:endParaRPr lang="pl-PL"/>
           </a:p>
@@ -13517,7 +13501,7 @@
           <a:p>
             <a:fld id="{5E543113-3ECC-4DC9-B636-16B32516798D}" type="datetimeFigureOut">
               <a:rPr lang="pl-PL" smtClean="0"/>
-              <a:t>24.02.2021</a:t>
+              <a:t>25.02.2021</a:t>
             </a:fld>
             <a:endParaRPr lang="pl-PL"/>
           </a:p>
@@ -13785,7 +13769,7 @@
           <a:p>
             <a:fld id="{5E543113-3ECC-4DC9-B636-16B32516798D}" type="datetimeFigureOut">
               <a:rPr lang="pl-PL" smtClean="0"/>
-              <a:t>24.02.2021</a:t>
+              <a:t>25.02.2021</a:t>
             </a:fld>
             <a:endParaRPr lang="pl-PL"/>
           </a:p>
@@ -14200,7 +14184,7 @@
           <a:p>
             <a:fld id="{5E543113-3ECC-4DC9-B636-16B32516798D}" type="datetimeFigureOut">
               <a:rPr lang="pl-PL" smtClean="0"/>
-              <a:t>24.02.2021</a:t>
+              <a:t>25.02.2021</a:t>
             </a:fld>
             <a:endParaRPr lang="pl-PL"/>
           </a:p>
@@ -14342,7 +14326,7 @@
           <a:p>
             <a:fld id="{5E543113-3ECC-4DC9-B636-16B32516798D}" type="datetimeFigureOut">
               <a:rPr lang="pl-PL" smtClean="0"/>
-              <a:t>24.02.2021</a:t>
+              <a:t>25.02.2021</a:t>
             </a:fld>
             <a:endParaRPr lang="pl-PL"/>
           </a:p>
@@ -14455,7 +14439,7 @@
           <a:p>
             <a:fld id="{5E543113-3ECC-4DC9-B636-16B32516798D}" type="datetimeFigureOut">
               <a:rPr lang="pl-PL" smtClean="0"/>
-              <a:t>24.02.2021</a:t>
+              <a:t>25.02.2021</a:t>
             </a:fld>
             <a:endParaRPr lang="pl-PL"/>
           </a:p>
@@ -14768,7 +14752,7 @@
           <a:p>
             <a:fld id="{5E543113-3ECC-4DC9-B636-16B32516798D}" type="datetimeFigureOut">
               <a:rPr lang="pl-PL" smtClean="0"/>
-              <a:t>24.02.2021</a:t>
+              <a:t>25.02.2021</a:t>
             </a:fld>
             <a:endParaRPr lang="pl-PL"/>
           </a:p>
@@ -15057,7 +15041,7 @@
           <a:p>
             <a:fld id="{5E543113-3ECC-4DC9-B636-16B32516798D}" type="datetimeFigureOut">
               <a:rPr lang="pl-PL" smtClean="0"/>
-              <a:t>24.02.2021</a:t>
+              <a:t>25.02.2021</a:t>
             </a:fld>
             <a:endParaRPr lang="pl-PL"/>
           </a:p>
@@ -15300,7 +15284,7 @@
           <a:p>
             <a:fld id="{5E543113-3ECC-4DC9-B636-16B32516798D}" type="datetimeFigureOut">
               <a:rPr lang="pl-PL" smtClean="0"/>
-              <a:t>24.02.2021</a:t>
+              <a:t>25.02.2021</a:t>
             </a:fld>
             <a:endParaRPr lang="pl-PL"/>
           </a:p>
@@ -30260,37 +30244,37 @@
           </a:p>
           <a:p>
             <a:r>
+              <a:rPr lang="pl-PL" dirty="0" err="1">
+                <a:hlinkClick r:id="rId4"/>
+              </a:rPr>
+              <a:t>Currency</a:t>
+            </a:r>
+            <a:r>
               <a:rPr lang="pl-PL" dirty="0">
                 <a:hlinkClick r:id="rId4"/>
               </a:rPr>
-              <a:t>Component </a:t>
+              <a:t> </a:t>
             </a:r>
             <a:r>
               <a:rPr lang="pl-PL" dirty="0" err="1">
                 <a:hlinkClick r:id="rId4"/>
               </a:rPr>
-              <a:t>styles</a:t>
+              <a:t>pipe</a:t>
             </a:r>
             <a:endParaRPr lang="pl-PL" dirty="0"/>
           </a:p>
           <a:p>
+            <a:r>
+              <a:rPr lang="pl-PL" dirty="0">
+                <a:hlinkClick r:id="rId5"/>
+              </a:rPr>
+              <a:t>Component </a:t>
+            </a:r>
             <a:r>
               <a:rPr lang="pl-PL" dirty="0" err="1">
                 <a:hlinkClick r:id="rId5"/>
               </a:rPr>
-              <a:t>View</a:t>
-            </a:r>
-            <a:r>
-              <a:rPr lang="pl-PL" dirty="0">
-                <a:hlinkClick r:id="rId5"/>
-              </a:rPr>
-              <a:t> </a:t>
-            </a:r>
-            <a:r>
-              <a:rPr lang="pl-PL" dirty="0" err="1">
-                <a:hlinkClick r:id="rId5"/>
-              </a:rPr>
-              <a:t>encapsulation</a:t>
+              <a:t>styles</a:t>
             </a:r>
             <a:endParaRPr lang="pl-PL" dirty="0"/>
           </a:p>
@@ -30299,7 +30283,7 @@
               <a:rPr lang="pl-PL" dirty="0" err="1">
                 <a:hlinkClick r:id="rId6"/>
               </a:rPr>
-              <a:t>Lifecycle</a:t>
+              <a:t>View</a:t>
             </a:r>
             <a:r>
               <a:rPr lang="pl-PL" dirty="0">
@@ -30311,41 +30295,62 @@
               <a:rPr lang="pl-PL" dirty="0" err="1">
                 <a:hlinkClick r:id="rId6"/>
               </a:rPr>
-              <a:t>hooks</a:t>
+              <a:t>encapsulation</a:t>
             </a:r>
             <a:endParaRPr lang="pl-PL" dirty="0"/>
           </a:p>
           <a:p>
+            <a:r>
+              <a:rPr lang="pl-PL" dirty="0" err="1">
+                <a:hlinkClick r:id="rId7"/>
+              </a:rPr>
+              <a:t>Lifecycle</a:t>
+            </a:r>
             <a:r>
               <a:rPr lang="pl-PL" dirty="0">
                 <a:hlinkClick r:id="rId7"/>
               </a:rPr>
-              <a:t>Font </a:t>
+              <a:t> </a:t>
             </a:r>
             <a:r>
               <a:rPr lang="pl-PL" dirty="0" err="1">
                 <a:hlinkClick r:id="rId7"/>
               </a:rPr>
-              <a:t>awesome</a:t>
+              <a:t>hooks</a:t>
             </a:r>
             <a:endParaRPr lang="pl-PL" dirty="0"/>
           </a:p>
           <a:p>
+            <a:r>
+              <a:rPr lang="pl-PL" dirty="0">
+                <a:hlinkClick r:id="rId8"/>
+              </a:rPr>
+              <a:t>Font </a:t>
+            </a:r>
             <a:r>
               <a:rPr lang="pl-PL" dirty="0" err="1">
                 <a:hlinkClick r:id="rId8"/>
               </a:rPr>
+              <a:t>awesome</a:t>
+            </a:r>
+            <a:endParaRPr lang="pl-PL" dirty="0"/>
+          </a:p>
+          <a:p>
+            <a:r>
+              <a:rPr lang="pl-PL" dirty="0" err="1">
+                <a:hlinkClick r:id="rId9"/>
+              </a:rPr>
               <a:t>Dependecy</a:t>
             </a:r>
             <a:r>
               <a:rPr lang="pl-PL" dirty="0">
-                <a:hlinkClick r:id="rId8"/>
+                <a:hlinkClick r:id="rId9"/>
               </a:rPr>
               <a:t> </a:t>
             </a:r>
             <a:r>
               <a:rPr lang="pl-PL" dirty="0" err="1">
-                <a:hlinkClick r:id="rId8"/>
+                <a:hlinkClick r:id="rId9"/>
               </a:rPr>
               <a:t>Injection</a:t>
             </a:r>
@@ -30373,7 +30378,7 @@
           </p:nvPr>
         </p:nvPicPr>
         <p:blipFill>
-          <a:blip r:embed="rId9">
+          <a:blip r:embed="rId10">
             <a:extLst>
               <a:ext uri="{28A0092B-C50C-407E-A947-70E740481C1C}">
                 <a14:useLocalDpi xmlns:a14="http://schemas.microsoft.com/office/drawing/2010/main" val="0"/>
